--- a/docs/Final Presenation.pptx
+++ b/docs/Final Presenation.pptx
@@ -5,32 +5,26 @@
     <p:sldMasterId id="2147483655" r:id="rId1"/>
   </p:sldMasterIdLst>
   <p:notesMasterIdLst>
-    <p:notesMasterId r:id="rId17"/>
+    <p:notesMasterId r:id="rId11"/>
   </p:notesMasterIdLst>
   <p:sldIdLst>
     <p:sldId id="256" r:id="rId2"/>
-    <p:sldId id="257" r:id="rId3"/>
-    <p:sldId id="258" r:id="rId4"/>
-    <p:sldId id="275" r:id="rId5"/>
-    <p:sldId id="276" r:id="rId6"/>
-    <p:sldId id="273" r:id="rId7"/>
-    <p:sldId id="274" r:id="rId8"/>
-    <p:sldId id="266" r:id="rId9"/>
-    <p:sldId id="267" r:id="rId10"/>
-    <p:sldId id="268" r:id="rId11"/>
-    <p:sldId id="269" r:id="rId12"/>
-    <p:sldId id="270" r:id="rId13"/>
-    <p:sldId id="271" r:id="rId14"/>
-    <p:sldId id="272" r:id="rId15"/>
-    <p:sldId id="262" r:id="rId16"/>
+    <p:sldId id="275" r:id="rId3"/>
+    <p:sldId id="276" r:id="rId4"/>
+    <p:sldId id="267" r:id="rId5"/>
+    <p:sldId id="266" r:id="rId6"/>
+    <p:sldId id="268" r:id="rId7"/>
+    <p:sldId id="273" r:id="rId8"/>
+    <p:sldId id="269" r:id="rId9"/>
+    <p:sldId id="262" r:id="rId10"/>
   </p:sldIdLst>
   <p:sldSz cx="18288000" cy="10287000"/>
   <p:notesSz cx="6858000" cy="9144000"/>
   <p:embeddedFontLst>
     <p:embeddedFont>
       <p:font typeface="Inter" panose="02000503000000020004" pitchFamily="2" charset="0"/>
-      <p:regular r:id="rId18"/>
-      <p:bold r:id="rId19"/>
+      <p:regular r:id="rId12"/>
+      <p:bold r:id="rId13"/>
     </p:embeddedFont>
   </p:embeddedFontLst>
   <p:defaultTextStyle>
@@ -279,6 +273,17 @@
     </p:ext>
   </p:extLst>
 </p:presentation>
+</file>
+
+<file path=ppt/revisionInfo.xml><?xml version="1.0" encoding="utf-8"?>
+<p1510:revInfo xmlns:a="http://schemas.openxmlformats.org/drawingml/2006/main" xmlns:r="http://schemas.openxmlformats.org/officeDocument/2006/relationships" xmlns:p1510="http://schemas.microsoft.com/office/powerpoint/2015/10/main">
+  <p1510:revLst>
+    <p1510:client id="{1B170A3A-6631-B73F-3771-674399FCC3F5}" v="70" dt="2024-12-04T00:37:15.184"/>
+    <p1510:client id="{A4EC6AF2-8335-027D-FC2D-5914F67FA66A}" v="29" dt="2024-12-04T00:37:39.259"/>
+    <p1510:client id="{D56B6177-3612-3F49-22AC-00851ADFF0B2}" v="64" dt="2024-12-03T22:03:16.223"/>
+    <p1510:client id="{DC6F003F-ED69-7548-8E9E-53DC8D6D8B6E}" v="1812" dt="2024-12-04T00:46:49.822"/>
+  </p1510:revLst>
+</p1510:revInfo>
 </file>
 
 <file path=ppt/notesMasters/notesMaster1.xml><?xml version="1.0" encoding="utf-8"?>
@@ -826,7 +831,469 @@
 </p:notes>
 </file>
 
-<file path=ppt/notesSlides/notesSlide10.xml><?xml version="1.0" encoding="utf-8"?>
+<file path=ppt/notesSlides/notesSlide2.xml><?xml version="1.0" encoding="utf-8"?>
+<p:notes xmlns:a="http://schemas.openxmlformats.org/drawingml/2006/main" xmlns:r="http://schemas.openxmlformats.org/officeDocument/2006/relationships" xmlns:p="http://schemas.openxmlformats.org/presentationml/2006/main" showMasterSp="0" showMasterPhAnim="0">
+  <p:cSld>
+    <p:spTree>
+      <p:nvGrpSpPr>
+        <p:cNvPr id="1" name="Shape 263">
+          <a:extLst>
+            <a:ext uri="{FF2B5EF4-FFF2-40B4-BE49-F238E27FC236}">
+              <a16:creationId xmlns:a16="http://schemas.microsoft.com/office/drawing/2014/main" id="{D2AF1CE2-ACF7-4407-ECDA-B6D176F53A47}"/>
+            </a:ext>
+          </a:extLst>
+        </p:cNvPr>
+        <p:cNvGrpSpPr/>
+        <p:nvPr/>
+      </p:nvGrpSpPr>
+      <p:grpSpPr>
+        <a:xfrm>
+          <a:off x="0" y="0"/>
+          <a:ext cx="0" cy="0"/>
+          <a:chOff x="0" y="0"/>
+          <a:chExt cx="0" cy="0"/>
+        </a:xfrm>
+      </p:grpSpPr>
+      <p:sp>
+        <p:nvSpPr>
+          <p:cNvPr id="264" name="Google Shape;264;p14:notes">
+            <a:extLst>
+              <a:ext uri="{FF2B5EF4-FFF2-40B4-BE49-F238E27FC236}">
+                <a16:creationId xmlns:a16="http://schemas.microsoft.com/office/drawing/2014/main" id="{7F624840-3AB6-FDCF-BF7D-B8A6E014A040}"/>
+              </a:ext>
+            </a:extLst>
+          </p:cNvPr>
+          <p:cNvSpPr txBox="1">
+            <a:spLocks noGrp="1"/>
+          </p:cNvSpPr>
+          <p:nvPr>
+            <p:ph type="body" idx="1"/>
+          </p:nvPr>
+        </p:nvSpPr>
+        <p:spPr>
+          <a:xfrm>
+            <a:off x="685800" y="4343400"/>
+            <a:ext cx="5486400" cy="4114800"/>
+          </a:xfrm>
+          <a:prstGeom prst="rect">
+            <a:avLst/>
+          </a:prstGeom>
+        </p:spPr>
+        <p:txBody>
+          <a:bodyPr spcFirstLastPara="1" wrap="square" lIns="91425" tIns="91425" rIns="91425" bIns="91425" anchor="t" anchorCtr="0">
+            <a:noAutofit/>
+          </a:bodyPr>
+          <a:lstStyle/>
+          <a:p>
+            <a:pPr marL="0" lvl="0" indent="0" algn="l" rtl="0">
+              <a:spcBef>
+                <a:spcPts val="0"/>
+              </a:spcBef>
+              <a:spcAft>
+                <a:spcPts val="0"/>
+              </a:spcAft>
+              <a:buNone/>
+            </a:pPr>
+            <a:endParaRPr/>
+          </a:p>
+        </p:txBody>
+      </p:sp>
+      <p:sp>
+        <p:nvSpPr>
+          <p:cNvPr id="265" name="Google Shape;265;p14:notes">
+            <a:extLst>
+              <a:ext uri="{FF2B5EF4-FFF2-40B4-BE49-F238E27FC236}">
+                <a16:creationId xmlns:a16="http://schemas.microsoft.com/office/drawing/2014/main" id="{2E136045-D93A-00D3-7BBD-2208EF999660}"/>
+              </a:ext>
+            </a:extLst>
+          </p:cNvPr>
+          <p:cNvSpPr>
+            <a:spLocks noGrp="1" noRot="1" noChangeAspect="1"/>
+          </p:cNvSpPr>
+          <p:nvPr>
+            <p:ph type="sldImg" idx="2"/>
+          </p:nvPr>
+        </p:nvSpPr>
+        <p:spPr>
+          <a:xfrm>
+            <a:off x="381000" y="685800"/>
+            <a:ext cx="6096000" cy="3429000"/>
+          </a:xfrm>
+          <a:custGeom>
+            <a:avLst/>
+            <a:gdLst/>
+            <a:ahLst/>
+            <a:cxnLst/>
+            <a:rect l="l" t="t" r="r" b="b"/>
+            <a:pathLst>
+              <a:path w="120000" h="120000" extrusionOk="0">
+                <a:moveTo>
+                  <a:pt x="0" y="0"/>
+                </a:moveTo>
+                <a:lnTo>
+                  <a:pt x="120000" y="0"/>
+                </a:lnTo>
+                <a:lnTo>
+                  <a:pt x="120000" y="120000"/>
+                </a:lnTo>
+                <a:lnTo>
+                  <a:pt x="0" y="120000"/>
+                </a:lnTo>
+                <a:close/>
+              </a:path>
+            </a:pathLst>
+          </a:custGeom>
+        </p:spPr>
+      </p:sp>
+    </p:spTree>
+    <p:extLst>
+      <p:ext uri="{BB962C8B-B14F-4D97-AF65-F5344CB8AC3E}">
+        <p14:creationId xmlns:p14="http://schemas.microsoft.com/office/powerpoint/2010/main" val="1898215941"/>
+      </p:ext>
+    </p:extLst>
+  </p:cSld>
+  <p:clrMapOvr>
+    <a:masterClrMapping/>
+  </p:clrMapOvr>
+</p:notes>
+</file>
+
+<file path=ppt/notesSlides/notesSlide3.xml><?xml version="1.0" encoding="utf-8"?>
+<p:notes xmlns:a="http://schemas.openxmlformats.org/drawingml/2006/main" xmlns:r="http://schemas.openxmlformats.org/officeDocument/2006/relationships" xmlns:p="http://schemas.openxmlformats.org/presentationml/2006/main" showMasterSp="0" showMasterPhAnim="0">
+  <p:cSld>
+    <p:spTree>
+      <p:nvGrpSpPr>
+        <p:cNvPr id="1" name="Shape 263">
+          <a:extLst>
+            <a:ext uri="{FF2B5EF4-FFF2-40B4-BE49-F238E27FC236}">
+              <a16:creationId xmlns:a16="http://schemas.microsoft.com/office/drawing/2014/main" id="{046CA841-FD33-22E5-9E91-CA71E093E346}"/>
+            </a:ext>
+          </a:extLst>
+        </p:cNvPr>
+        <p:cNvGrpSpPr/>
+        <p:nvPr/>
+      </p:nvGrpSpPr>
+      <p:grpSpPr>
+        <a:xfrm>
+          <a:off x="0" y="0"/>
+          <a:ext cx="0" cy="0"/>
+          <a:chOff x="0" y="0"/>
+          <a:chExt cx="0" cy="0"/>
+        </a:xfrm>
+      </p:grpSpPr>
+      <p:sp>
+        <p:nvSpPr>
+          <p:cNvPr id="264" name="Google Shape;264;p14:notes">
+            <a:extLst>
+              <a:ext uri="{FF2B5EF4-FFF2-40B4-BE49-F238E27FC236}">
+                <a16:creationId xmlns:a16="http://schemas.microsoft.com/office/drawing/2014/main" id="{A2DDAAAC-700F-85BF-0895-F0ED416E4EE5}"/>
+              </a:ext>
+            </a:extLst>
+          </p:cNvPr>
+          <p:cNvSpPr txBox="1">
+            <a:spLocks noGrp="1"/>
+          </p:cNvSpPr>
+          <p:nvPr>
+            <p:ph type="body" idx="1"/>
+          </p:nvPr>
+        </p:nvSpPr>
+        <p:spPr>
+          <a:xfrm>
+            <a:off x="685800" y="4343400"/>
+            <a:ext cx="5486400" cy="4114800"/>
+          </a:xfrm>
+          <a:prstGeom prst="rect">
+            <a:avLst/>
+          </a:prstGeom>
+        </p:spPr>
+        <p:txBody>
+          <a:bodyPr spcFirstLastPara="1" wrap="square" lIns="91425" tIns="91425" rIns="91425" bIns="91425" anchor="t" anchorCtr="0">
+            <a:noAutofit/>
+          </a:bodyPr>
+          <a:lstStyle/>
+          <a:p>
+            <a:pPr marL="0" lvl="0" indent="0" algn="l" rtl="0">
+              <a:spcBef>
+                <a:spcPts val="0"/>
+              </a:spcBef>
+              <a:spcAft>
+                <a:spcPts val="0"/>
+              </a:spcAft>
+              <a:buNone/>
+            </a:pPr>
+            <a:endParaRPr/>
+          </a:p>
+        </p:txBody>
+      </p:sp>
+      <p:sp>
+        <p:nvSpPr>
+          <p:cNvPr id="265" name="Google Shape;265;p14:notes">
+            <a:extLst>
+              <a:ext uri="{FF2B5EF4-FFF2-40B4-BE49-F238E27FC236}">
+                <a16:creationId xmlns:a16="http://schemas.microsoft.com/office/drawing/2014/main" id="{4E27E964-6102-9091-0CE7-058AEFFC055A}"/>
+              </a:ext>
+            </a:extLst>
+          </p:cNvPr>
+          <p:cNvSpPr>
+            <a:spLocks noGrp="1" noRot="1" noChangeAspect="1"/>
+          </p:cNvSpPr>
+          <p:nvPr>
+            <p:ph type="sldImg" idx="2"/>
+          </p:nvPr>
+        </p:nvSpPr>
+        <p:spPr>
+          <a:xfrm>
+            <a:off x="381000" y="685800"/>
+            <a:ext cx="6096000" cy="3429000"/>
+          </a:xfrm>
+          <a:custGeom>
+            <a:avLst/>
+            <a:gdLst/>
+            <a:ahLst/>
+            <a:cxnLst/>
+            <a:rect l="l" t="t" r="r" b="b"/>
+            <a:pathLst>
+              <a:path w="120000" h="120000" extrusionOk="0">
+                <a:moveTo>
+                  <a:pt x="0" y="0"/>
+                </a:moveTo>
+                <a:lnTo>
+                  <a:pt x="120000" y="0"/>
+                </a:lnTo>
+                <a:lnTo>
+                  <a:pt x="120000" y="120000"/>
+                </a:lnTo>
+                <a:lnTo>
+                  <a:pt x="0" y="120000"/>
+                </a:lnTo>
+                <a:close/>
+              </a:path>
+            </a:pathLst>
+          </a:custGeom>
+        </p:spPr>
+      </p:sp>
+    </p:spTree>
+    <p:extLst>
+      <p:ext uri="{BB962C8B-B14F-4D97-AF65-F5344CB8AC3E}">
+        <p14:creationId xmlns:p14="http://schemas.microsoft.com/office/powerpoint/2010/main" val="2337225519"/>
+      </p:ext>
+    </p:extLst>
+  </p:cSld>
+  <p:clrMapOvr>
+    <a:masterClrMapping/>
+  </p:clrMapOvr>
+</p:notes>
+</file>
+
+<file path=ppt/notesSlides/notesSlide4.xml><?xml version="1.0" encoding="utf-8"?>
+<p:notes xmlns:a="http://schemas.openxmlformats.org/drawingml/2006/main" xmlns:r="http://schemas.openxmlformats.org/officeDocument/2006/relationships" xmlns:p="http://schemas.openxmlformats.org/presentationml/2006/main" showMasterSp="0" showMasterPhAnim="0">
+  <p:cSld>
+    <p:spTree>
+      <p:nvGrpSpPr>
+        <p:cNvPr id="1" name="Shape 250"/>
+        <p:cNvGrpSpPr/>
+        <p:nvPr/>
+      </p:nvGrpSpPr>
+      <p:grpSpPr>
+        <a:xfrm>
+          <a:off x="0" y="0"/>
+          <a:ext cx="0" cy="0"/>
+          <a:chOff x="0" y="0"/>
+          <a:chExt cx="0" cy="0"/>
+        </a:xfrm>
+      </p:grpSpPr>
+      <p:sp>
+        <p:nvSpPr>
+          <p:cNvPr id="251" name="Google Shape;251;p12:notes"/>
+          <p:cNvSpPr txBox="1">
+            <a:spLocks noGrp="1"/>
+          </p:cNvSpPr>
+          <p:nvPr>
+            <p:ph type="body" idx="1"/>
+          </p:nvPr>
+        </p:nvSpPr>
+        <p:spPr>
+          <a:xfrm>
+            <a:off x="685800" y="4343400"/>
+            <a:ext cx="5486400" cy="4114800"/>
+          </a:xfrm>
+          <a:prstGeom prst="rect">
+            <a:avLst/>
+          </a:prstGeom>
+        </p:spPr>
+        <p:txBody>
+          <a:bodyPr spcFirstLastPara="1" wrap="square" lIns="91425" tIns="91425" rIns="91425" bIns="91425" anchor="t" anchorCtr="0">
+            <a:noAutofit/>
+          </a:bodyPr>
+          <a:lstStyle/>
+          <a:p>
+            <a:pPr marL="0" lvl="0" indent="0" algn="l" rtl="0">
+              <a:spcBef>
+                <a:spcPts val="0"/>
+              </a:spcBef>
+              <a:spcAft>
+                <a:spcPts val="0"/>
+              </a:spcAft>
+              <a:buNone/>
+            </a:pPr>
+            <a:endParaRPr/>
+          </a:p>
+        </p:txBody>
+      </p:sp>
+      <p:sp>
+        <p:nvSpPr>
+          <p:cNvPr id="252" name="Google Shape;252;p12:notes"/>
+          <p:cNvSpPr>
+            <a:spLocks noGrp="1" noRot="1" noChangeAspect="1"/>
+          </p:cNvSpPr>
+          <p:nvPr>
+            <p:ph type="sldImg" idx="2"/>
+          </p:nvPr>
+        </p:nvSpPr>
+        <p:spPr>
+          <a:xfrm>
+            <a:off x="381000" y="685800"/>
+            <a:ext cx="6096000" cy="3429000"/>
+          </a:xfrm>
+          <a:custGeom>
+            <a:avLst/>
+            <a:gdLst/>
+            <a:ahLst/>
+            <a:cxnLst/>
+            <a:rect l="l" t="t" r="r" b="b"/>
+            <a:pathLst>
+              <a:path w="120000" h="120000" extrusionOk="0">
+                <a:moveTo>
+                  <a:pt x="0" y="0"/>
+                </a:moveTo>
+                <a:lnTo>
+                  <a:pt x="120000" y="0"/>
+                </a:lnTo>
+                <a:lnTo>
+                  <a:pt x="120000" y="120000"/>
+                </a:lnTo>
+                <a:lnTo>
+                  <a:pt x="0" y="120000"/>
+                </a:lnTo>
+                <a:close/>
+              </a:path>
+            </a:pathLst>
+          </a:custGeom>
+        </p:spPr>
+      </p:sp>
+    </p:spTree>
+  </p:cSld>
+  <p:clrMapOvr>
+    <a:masterClrMapping/>
+  </p:clrMapOvr>
+</p:notes>
+</file>
+
+<file path=ppt/notesSlides/notesSlide5.xml><?xml version="1.0" encoding="utf-8"?>
+<p:notes xmlns:a="http://schemas.openxmlformats.org/drawingml/2006/main" xmlns:r="http://schemas.openxmlformats.org/officeDocument/2006/relationships" xmlns:p="http://schemas.openxmlformats.org/presentationml/2006/main" showMasterSp="0" showMasterPhAnim="0">
+  <p:cSld>
+    <p:spTree>
+      <p:nvGrpSpPr>
+        <p:cNvPr id="1" name="Shape 223"/>
+        <p:cNvGrpSpPr/>
+        <p:nvPr/>
+      </p:nvGrpSpPr>
+      <p:grpSpPr>
+        <a:xfrm>
+          <a:off x="0" y="0"/>
+          <a:ext cx="0" cy="0"/>
+          <a:chOff x="0" y="0"/>
+          <a:chExt cx="0" cy="0"/>
+        </a:xfrm>
+      </p:grpSpPr>
+      <p:sp>
+        <p:nvSpPr>
+          <p:cNvPr id="224" name="Google Shape;224;p11:notes"/>
+          <p:cNvSpPr txBox="1">
+            <a:spLocks noGrp="1"/>
+          </p:cNvSpPr>
+          <p:nvPr>
+            <p:ph type="body" idx="1"/>
+          </p:nvPr>
+        </p:nvSpPr>
+        <p:spPr>
+          <a:xfrm>
+            <a:off x="685800" y="4343400"/>
+            <a:ext cx="5486400" cy="4114800"/>
+          </a:xfrm>
+          <a:prstGeom prst="rect">
+            <a:avLst/>
+          </a:prstGeom>
+        </p:spPr>
+        <p:txBody>
+          <a:bodyPr spcFirstLastPara="1" wrap="square" lIns="91425" tIns="91425" rIns="91425" bIns="91425" anchor="t" anchorCtr="0">
+            <a:noAutofit/>
+          </a:bodyPr>
+          <a:lstStyle/>
+          <a:p>
+            <a:pPr marL="0" lvl="0" indent="0" algn="l" rtl="0">
+              <a:spcBef>
+                <a:spcPts val="0"/>
+              </a:spcBef>
+              <a:spcAft>
+                <a:spcPts val="0"/>
+              </a:spcAft>
+              <a:buNone/>
+            </a:pPr>
+            <a:endParaRPr/>
+          </a:p>
+        </p:txBody>
+      </p:sp>
+      <p:sp>
+        <p:nvSpPr>
+          <p:cNvPr id="225" name="Google Shape;225;p11:notes"/>
+          <p:cNvSpPr>
+            <a:spLocks noGrp="1" noRot="1" noChangeAspect="1"/>
+          </p:cNvSpPr>
+          <p:nvPr>
+            <p:ph type="sldImg" idx="2"/>
+          </p:nvPr>
+        </p:nvSpPr>
+        <p:spPr>
+          <a:xfrm>
+            <a:off x="381000" y="685800"/>
+            <a:ext cx="6096000" cy="3429000"/>
+          </a:xfrm>
+          <a:custGeom>
+            <a:avLst/>
+            <a:gdLst/>
+            <a:ahLst/>
+            <a:cxnLst/>
+            <a:rect l="l" t="t" r="r" b="b"/>
+            <a:pathLst>
+              <a:path w="120000" h="120000" extrusionOk="0">
+                <a:moveTo>
+                  <a:pt x="0" y="0"/>
+                </a:moveTo>
+                <a:lnTo>
+                  <a:pt x="120000" y="0"/>
+                </a:lnTo>
+                <a:lnTo>
+                  <a:pt x="120000" y="120000"/>
+                </a:lnTo>
+                <a:lnTo>
+                  <a:pt x="0" y="120000"/>
+                </a:lnTo>
+                <a:close/>
+              </a:path>
+            </a:pathLst>
+          </a:custGeom>
+        </p:spPr>
+      </p:sp>
+    </p:spTree>
+  </p:cSld>
+  <p:clrMapOvr>
+    <a:masterClrMapping/>
+  </p:clrMapOvr>
+</p:notes>
+</file>
+
+<file path=ppt/notesSlides/notesSlide6.xml><?xml version="1.0" encoding="utf-8"?>
 <p:notes xmlns:a="http://schemas.openxmlformats.org/drawingml/2006/main" xmlns:r="http://schemas.openxmlformats.org/officeDocument/2006/relationships" xmlns:p="http://schemas.openxmlformats.org/presentationml/2006/main" showMasterSp="0" showMasterPhAnim="0">
   <p:cSld>
     <p:spTree>
@@ -930,7 +1397,134 @@
 </p:notes>
 </file>
 
-<file path=ppt/notesSlides/notesSlide11.xml><?xml version="1.0" encoding="utf-8"?>
+<file path=ppt/notesSlides/notesSlide7.xml><?xml version="1.0" encoding="utf-8"?>
+<p:notes xmlns:a="http://schemas.openxmlformats.org/drawingml/2006/main" xmlns:r="http://schemas.openxmlformats.org/officeDocument/2006/relationships" xmlns:p="http://schemas.openxmlformats.org/presentationml/2006/main" showMasterSp="0" showMasterPhAnim="0">
+  <p:cSld>
+    <p:spTree>
+      <p:nvGrpSpPr>
+        <p:cNvPr id="1" name="Shape 263">
+          <a:extLst>
+            <a:ext uri="{FF2B5EF4-FFF2-40B4-BE49-F238E27FC236}">
+              <a16:creationId xmlns:a16="http://schemas.microsoft.com/office/drawing/2014/main" id="{FBAE1066-C8E7-1C06-E178-404133D6E112}"/>
+            </a:ext>
+          </a:extLst>
+        </p:cNvPr>
+        <p:cNvGrpSpPr/>
+        <p:nvPr/>
+      </p:nvGrpSpPr>
+      <p:grpSpPr>
+        <a:xfrm>
+          <a:off x="0" y="0"/>
+          <a:ext cx="0" cy="0"/>
+          <a:chOff x="0" y="0"/>
+          <a:chExt cx="0" cy="0"/>
+        </a:xfrm>
+      </p:grpSpPr>
+      <p:sp>
+        <p:nvSpPr>
+          <p:cNvPr id="264" name="Google Shape;264;p14:notes">
+            <a:extLst>
+              <a:ext uri="{FF2B5EF4-FFF2-40B4-BE49-F238E27FC236}">
+                <a16:creationId xmlns:a16="http://schemas.microsoft.com/office/drawing/2014/main" id="{23BD5AEB-62FF-A4E0-D1F7-DB58BB163923}"/>
+              </a:ext>
+            </a:extLst>
+          </p:cNvPr>
+          <p:cNvSpPr txBox="1">
+            <a:spLocks noGrp="1"/>
+          </p:cNvSpPr>
+          <p:nvPr>
+            <p:ph type="body" idx="1"/>
+          </p:nvPr>
+        </p:nvSpPr>
+        <p:spPr>
+          <a:xfrm>
+            <a:off x="685800" y="4343400"/>
+            <a:ext cx="5486400" cy="4114800"/>
+          </a:xfrm>
+          <a:prstGeom prst="rect">
+            <a:avLst/>
+          </a:prstGeom>
+        </p:spPr>
+        <p:txBody>
+          <a:bodyPr spcFirstLastPara="1" wrap="square" lIns="91425" tIns="91425" rIns="91425" bIns="91425" anchor="t" anchorCtr="0">
+            <a:noAutofit/>
+          </a:bodyPr>
+          <a:lstStyle/>
+          <a:p>
+            <a:pPr marL="0" lvl="0" indent="0" algn="l" rtl="0">
+              <a:spcBef>
+                <a:spcPts val="0"/>
+              </a:spcBef>
+              <a:spcAft>
+                <a:spcPts val="0"/>
+              </a:spcAft>
+              <a:buNone/>
+            </a:pPr>
+            <a:endParaRPr/>
+          </a:p>
+        </p:txBody>
+      </p:sp>
+      <p:sp>
+        <p:nvSpPr>
+          <p:cNvPr id="265" name="Google Shape;265;p14:notes">
+            <a:extLst>
+              <a:ext uri="{FF2B5EF4-FFF2-40B4-BE49-F238E27FC236}">
+                <a16:creationId xmlns:a16="http://schemas.microsoft.com/office/drawing/2014/main" id="{6CEDB340-4CD3-BD4D-A5F3-2CDA3CA6F23B}"/>
+              </a:ext>
+            </a:extLst>
+          </p:cNvPr>
+          <p:cNvSpPr>
+            <a:spLocks noGrp="1" noRot="1" noChangeAspect="1"/>
+          </p:cNvSpPr>
+          <p:nvPr>
+            <p:ph type="sldImg" idx="2"/>
+          </p:nvPr>
+        </p:nvSpPr>
+        <p:spPr>
+          <a:xfrm>
+            <a:off x="381000" y="685800"/>
+            <a:ext cx="6096000" cy="3429000"/>
+          </a:xfrm>
+          <a:custGeom>
+            <a:avLst/>
+            <a:gdLst/>
+            <a:ahLst/>
+            <a:cxnLst/>
+            <a:rect l="l" t="t" r="r" b="b"/>
+            <a:pathLst>
+              <a:path w="120000" h="120000" extrusionOk="0">
+                <a:moveTo>
+                  <a:pt x="0" y="0"/>
+                </a:moveTo>
+                <a:lnTo>
+                  <a:pt x="120000" y="0"/>
+                </a:lnTo>
+                <a:lnTo>
+                  <a:pt x="120000" y="120000"/>
+                </a:lnTo>
+                <a:lnTo>
+                  <a:pt x="0" y="120000"/>
+                </a:lnTo>
+                <a:close/>
+              </a:path>
+            </a:pathLst>
+          </a:custGeom>
+        </p:spPr>
+      </p:sp>
+    </p:spTree>
+    <p:extLst>
+      <p:ext uri="{BB962C8B-B14F-4D97-AF65-F5344CB8AC3E}">
+        <p14:creationId xmlns:p14="http://schemas.microsoft.com/office/powerpoint/2010/main" val="2519287292"/>
+      </p:ext>
+    </p:extLst>
+  </p:cSld>
+  <p:clrMapOvr>
+    <a:masterClrMapping/>
+  </p:clrMapOvr>
+</p:notes>
+</file>
+
+<file path=ppt/notesSlides/notesSlide8.xml><?xml version="1.0" encoding="utf-8"?>
 <p:notes xmlns:a="http://schemas.openxmlformats.org/drawingml/2006/main" xmlns:r="http://schemas.openxmlformats.org/officeDocument/2006/relationships" xmlns:p="http://schemas.openxmlformats.org/presentationml/2006/main" showMasterSp="0" showMasterPhAnim="0">
   <p:cSld>
     <p:spTree>
@@ -1057,388 +1651,7 @@
 </p:notes>
 </file>
 
-<file path=ppt/notesSlides/notesSlide12.xml><?xml version="1.0" encoding="utf-8"?>
-<p:notes xmlns:a="http://schemas.openxmlformats.org/drawingml/2006/main" xmlns:r="http://schemas.openxmlformats.org/officeDocument/2006/relationships" xmlns:p="http://schemas.openxmlformats.org/presentationml/2006/main" showMasterSp="0" showMasterPhAnim="0">
-  <p:cSld>
-    <p:spTree>
-      <p:nvGrpSpPr>
-        <p:cNvPr id="1" name="Shape 263">
-          <a:extLst>
-            <a:ext uri="{FF2B5EF4-FFF2-40B4-BE49-F238E27FC236}">
-              <a16:creationId xmlns:a16="http://schemas.microsoft.com/office/drawing/2014/main" id="{129D4E68-029E-C6A3-EA0D-8C9539EA53F0}"/>
-            </a:ext>
-          </a:extLst>
-        </p:cNvPr>
-        <p:cNvGrpSpPr/>
-        <p:nvPr/>
-      </p:nvGrpSpPr>
-      <p:grpSpPr>
-        <a:xfrm>
-          <a:off x="0" y="0"/>
-          <a:ext cx="0" cy="0"/>
-          <a:chOff x="0" y="0"/>
-          <a:chExt cx="0" cy="0"/>
-        </a:xfrm>
-      </p:grpSpPr>
-      <p:sp>
-        <p:nvSpPr>
-          <p:cNvPr id="264" name="Google Shape;264;p14:notes">
-            <a:extLst>
-              <a:ext uri="{FF2B5EF4-FFF2-40B4-BE49-F238E27FC236}">
-                <a16:creationId xmlns:a16="http://schemas.microsoft.com/office/drawing/2014/main" id="{32FD176D-C666-8492-EBBD-CF9CB506E685}"/>
-              </a:ext>
-            </a:extLst>
-          </p:cNvPr>
-          <p:cNvSpPr txBox="1">
-            <a:spLocks noGrp="1"/>
-          </p:cNvSpPr>
-          <p:nvPr>
-            <p:ph type="body" idx="1"/>
-          </p:nvPr>
-        </p:nvSpPr>
-        <p:spPr>
-          <a:xfrm>
-            <a:off x="685800" y="4343400"/>
-            <a:ext cx="5486400" cy="4114800"/>
-          </a:xfrm>
-          <a:prstGeom prst="rect">
-            <a:avLst/>
-          </a:prstGeom>
-        </p:spPr>
-        <p:txBody>
-          <a:bodyPr spcFirstLastPara="1" wrap="square" lIns="91425" tIns="91425" rIns="91425" bIns="91425" anchor="t" anchorCtr="0">
-            <a:noAutofit/>
-          </a:bodyPr>
-          <a:lstStyle/>
-          <a:p>
-            <a:pPr marL="0" lvl="0" indent="0" algn="l" rtl="0">
-              <a:spcBef>
-                <a:spcPts val="0"/>
-              </a:spcBef>
-              <a:spcAft>
-                <a:spcPts val="0"/>
-              </a:spcAft>
-              <a:buNone/>
-            </a:pPr>
-            <a:endParaRPr/>
-          </a:p>
-        </p:txBody>
-      </p:sp>
-      <p:sp>
-        <p:nvSpPr>
-          <p:cNvPr id="265" name="Google Shape;265;p14:notes">
-            <a:extLst>
-              <a:ext uri="{FF2B5EF4-FFF2-40B4-BE49-F238E27FC236}">
-                <a16:creationId xmlns:a16="http://schemas.microsoft.com/office/drawing/2014/main" id="{F3AAA2F6-2AC3-22DE-2A53-81962E31FBBF}"/>
-              </a:ext>
-            </a:extLst>
-          </p:cNvPr>
-          <p:cNvSpPr>
-            <a:spLocks noGrp="1" noRot="1" noChangeAspect="1"/>
-          </p:cNvSpPr>
-          <p:nvPr>
-            <p:ph type="sldImg" idx="2"/>
-          </p:nvPr>
-        </p:nvSpPr>
-        <p:spPr>
-          <a:xfrm>
-            <a:off x="381000" y="685800"/>
-            <a:ext cx="6096000" cy="3429000"/>
-          </a:xfrm>
-          <a:custGeom>
-            <a:avLst/>
-            <a:gdLst/>
-            <a:ahLst/>
-            <a:cxnLst/>
-            <a:rect l="l" t="t" r="r" b="b"/>
-            <a:pathLst>
-              <a:path w="120000" h="120000" extrusionOk="0">
-                <a:moveTo>
-                  <a:pt x="0" y="0"/>
-                </a:moveTo>
-                <a:lnTo>
-                  <a:pt x="120000" y="0"/>
-                </a:lnTo>
-                <a:lnTo>
-                  <a:pt x="120000" y="120000"/>
-                </a:lnTo>
-                <a:lnTo>
-                  <a:pt x="0" y="120000"/>
-                </a:lnTo>
-                <a:close/>
-              </a:path>
-            </a:pathLst>
-          </a:custGeom>
-        </p:spPr>
-      </p:sp>
-    </p:spTree>
-    <p:extLst>
-      <p:ext uri="{BB962C8B-B14F-4D97-AF65-F5344CB8AC3E}">
-        <p14:creationId xmlns:p14="http://schemas.microsoft.com/office/powerpoint/2010/main" val="2977525259"/>
-      </p:ext>
-    </p:extLst>
-  </p:cSld>
-  <p:clrMapOvr>
-    <a:masterClrMapping/>
-  </p:clrMapOvr>
-</p:notes>
-</file>
-
-<file path=ppt/notesSlides/notesSlide13.xml><?xml version="1.0" encoding="utf-8"?>
-<p:notes xmlns:a="http://schemas.openxmlformats.org/drawingml/2006/main" xmlns:r="http://schemas.openxmlformats.org/officeDocument/2006/relationships" xmlns:p="http://schemas.openxmlformats.org/presentationml/2006/main" showMasterSp="0" showMasterPhAnim="0">
-  <p:cSld>
-    <p:spTree>
-      <p:nvGrpSpPr>
-        <p:cNvPr id="1" name="Shape 263">
-          <a:extLst>
-            <a:ext uri="{FF2B5EF4-FFF2-40B4-BE49-F238E27FC236}">
-              <a16:creationId xmlns:a16="http://schemas.microsoft.com/office/drawing/2014/main" id="{A25EC081-DF2B-8C74-233D-9DDE17A7E701}"/>
-            </a:ext>
-          </a:extLst>
-        </p:cNvPr>
-        <p:cNvGrpSpPr/>
-        <p:nvPr/>
-      </p:nvGrpSpPr>
-      <p:grpSpPr>
-        <a:xfrm>
-          <a:off x="0" y="0"/>
-          <a:ext cx="0" cy="0"/>
-          <a:chOff x="0" y="0"/>
-          <a:chExt cx="0" cy="0"/>
-        </a:xfrm>
-      </p:grpSpPr>
-      <p:sp>
-        <p:nvSpPr>
-          <p:cNvPr id="264" name="Google Shape;264;p14:notes">
-            <a:extLst>
-              <a:ext uri="{FF2B5EF4-FFF2-40B4-BE49-F238E27FC236}">
-                <a16:creationId xmlns:a16="http://schemas.microsoft.com/office/drawing/2014/main" id="{5F94BAF9-14F2-D44A-0711-1FFCD9909FC7}"/>
-              </a:ext>
-            </a:extLst>
-          </p:cNvPr>
-          <p:cNvSpPr txBox="1">
-            <a:spLocks noGrp="1"/>
-          </p:cNvSpPr>
-          <p:nvPr>
-            <p:ph type="body" idx="1"/>
-          </p:nvPr>
-        </p:nvSpPr>
-        <p:spPr>
-          <a:xfrm>
-            <a:off x="685800" y="4343400"/>
-            <a:ext cx="5486400" cy="4114800"/>
-          </a:xfrm>
-          <a:prstGeom prst="rect">
-            <a:avLst/>
-          </a:prstGeom>
-        </p:spPr>
-        <p:txBody>
-          <a:bodyPr spcFirstLastPara="1" wrap="square" lIns="91425" tIns="91425" rIns="91425" bIns="91425" anchor="t" anchorCtr="0">
-            <a:noAutofit/>
-          </a:bodyPr>
-          <a:lstStyle/>
-          <a:p>
-            <a:pPr marL="0" lvl="0" indent="0" algn="l" rtl="0">
-              <a:spcBef>
-                <a:spcPts val="0"/>
-              </a:spcBef>
-              <a:spcAft>
-                <a:spcPts val="0"/>
-              </a:spcAft>
-              <a:buNone/>
-            </a:pPr>
-            <a:endParaRPr/>
-          </a:p>
-        </p:txBody>
-      </p:sp>
-      <p:sp>
-        <p:nvSpPr>
-          <p:cNvPr id="265" name="Google Shape;265;p14:notes">
-            <a:extLst>
-              <a:ext uri="{FF2B5EF4-FFF2-40B4-BE49-F238E27FC236}">
-                <a16:creationId xmlns:a16="http://schemas.microsoft.com/office/drawing/2014/main" id="{C627CF15-447A-EBAC-6466-FBAB9617C814}"/>
-              </a:ext>
-            </a:extLst>
-          </p:cNvPr>
-          <p:cNvSpPr>
-            <a:spLocks noGrp="1" noRot="1" noChangeAspect="1"/>
-          </p:cNvSpPr>
-          <p:nvPr>
-            <p:ph type="sldImg" idx="2"/>
-          </p:nvPr>
-        </p:nvSpPr>
-        <p:spPr>
-          <a:xfrm>
-            <a:off x="381000" y="685800"/>
-            <a:ext cx="6096000" cy="3429000"/>
-          </a:xfrm>
-          <a:custGeom>
-            <a:avLst/>
-            <a:gdLst/>
-            <a:ahLst/>
-            <a:cxnLst/>
-            <a:rect l="l" t="t" r="r" b="b"/>
-            <a:pathLst>
-              <a:path w="120000" h="120000" extrusionOk="0">
-                <a:moveTo>
-                  <a:pt x="0" y="0"/>
-                </a:moveTo>
-                <a:lnTo>
-                  <a:pt x="120000" y="0"/>
-                </a:lnTo>
-                <a:lnTo>
-                  <a:pt x="120000" y="120000"/>
-                </a:lnTo>
-                <a:lnTo>
-                  <a:pt x="0" y="120000"/>
-                </a:lnTo>
-                <a:close/>
-              </a:path>
-            </a:pathLst>
-          </a:custGeom>
-        </p:spPr>
-      </p:sp>
-    </p:spTree>
-    <p:extLst>
-      <p:ext uri="{BB962C8B-B14F-4D97-AF65-F5344CB8AC3E}">
-        <p14:creationId xmlns:p14="http://schemas.microsoft.com/office/powerpoint/2010/main" val="172031610"/>
-      </p:ext>
-    </p:extLst>
-  </p:cSld>
-  <p:clrMapOvr>
-    <a:masterClrMapping/>
-  </p:clrMapOvr>
-</p:notes>
-</file>
-
-<file path=ppt/notesSlides/notesSlide14.xml><?xml version="1.0" encoding="utf-8"?>
-<p:notes xmlns:a="http://schemas.openxmlformats.org/drawingml/2006/main" xmlns:r="http://schemas.openxmlformats.org/officeDocument/2006/relationships" xmlns:p="http://schemas.openxmlformats.org/presentationml/2006/main" showMasterSp="0" showMasterPhAnim="0">
-  <p:cSld>
-    <p:spTree>
-      <p:nvGrpSpPr>
-        <p:cNvPr id="1" name="Shape 263">
-          <a:extLst>
-            <a:ext uri="{FF2B5EF4-FFF2-40B4-BE49-F238E27FC236}">
-              <a16:creationId xmlns:a16="http://schemas.microsoft.com/office/drawing/2014/main" id="{F9AA7493-B553-8F4D-2031-8B4C5BDCB843}"/>
-            </a:ext>
-          </a:extLst>
-        </p:cNvPr>
-        <p:cNvGrpSpPr/>
-        <p:nvPr/>
-      </p:nvGrpSpPr>
-      <p:grpSpPr>
-        <a:xfrm>
-          <a:off x="0" y="0"/>
-          <a:ext cx="0" cy="0"/>
-          <a:chOff x="0" y="0"/>
-          <a:chExt cx="0" cy="0"/>
-        </a:xfrm>
-      </p:grpSpPr>
-      <p:sp>
-        <p:nvSpPr>
-          <p:cNvPr id="264" name="Google Shape;264;p14:notes">
-            <a:extLst>
-              <a:ext uri="{FF2B5EF4-FFF2-40B4-BE49-F238E27FC236}">
-                <a16:creationId xmlns:a16="http://schemas.microsoft.com/office/drawing/2014/main" id="{D499FFF6-CF93-827B-C2B8-6AF59E548B6E}"/>
-              </a:ext>
-            </a:extLst>
-          </p:cNvPr>
-          <p:cNvSpPr txBox="1">
-            <a:spLocks noGrp="1"/>
-          </p:cNvSpPr>
-          <p:nvPr>
-            <p:ph type="body" idx="1"/>
-          </p:nvPr>
-        </p:nvSpPr>
-        <p:spPr>
-          <a:xfrm>
-            <a:off x="685800" y="4343400"/>
-            <a:ext cx="5486400" cy="4114800"/>
-          </a:xfrm>
-          <a:prstGeom prst="rect">
-            <a:avLst/>
-          </a:prstGeom>
-        </p:spPr>
-        <p:txBody>
-          <a:bodyPr spcFirstLastPara="1" wrap="square" lIns="91425" tIns="91425" rIns="91425" bIns="91425" anchor="t" anchorCtr="0">
-            <a:noAutofit/>
-          </a:bodyPr>
-          <a:lstStyle/>
-          <a:p>
-            <a:pPr marL="0" lvl="0" indent="0" algn="l" rtl="0">
-              <a:spcBef>
-                <a:spcPts val="0"/>
-              </a:spcBef>
-              <a:spcAft>
-                <a:spcPts val="0"/>
-              </a:spcAft>
-              <a:buNone/>
-            </a:pPr>
-            <a:endParaRPr/>
-          </a:p>
-        </p:txBody>
-      </p:sp>
-      <p:sp>
-        <p:nvSpPr>
-          <p:cNvPr id="265" name="Google Shape;265;p14:notes">
-            <a:extLst>
-              <a:ext uri="{FF2B5EF4-FFF2-40B4-BE49-F238E27FC236}">
-                <a16:creationId xmlns:a16="http://schemas.microsoft.com/office/drawing/2014/main" id="{92DE993B-20DA-4AD2-BE69-6B9CD5AC4E5B}"/>
-              </a:ext>
-            </a:extLst>
-          </p:cNvPr>
-          <p:cNvSpPr>
-            <a:spLocks noGrp="1" noRot="1" noChangeAspect="1"/>
-          </p:cNvSpPr>
-          <p:nvPr>
-            <p:ph type="sldImg" idx="2"/>
-          </p:nvPr>
-        </p:nvSpPr>
-        <p:spPr>
-          <a:xfrm>
-            <a:off x="381000" y="685800"/>
-            <a:ext cx="6096000" cy="3429000"/>
-          </a:xfrm>
-          <a:custGeom>
-            <a:avLst/>
-            <a:gdLst/>
-            <a:ahLst/>
-            <a:cxnLst/>
-            <a:rect l="l" t="t" r="r" b="b"/>
-            <a:pathLst>
-              <a:path w="120000" h="120000" extrusionOk="0">
-                <a:moveTo>
-                  <a:pt x="0" y="0"/>
-                </a:moveTo>
-                <a:lnTo>
-                  <a:pt x="120000" y="0"/>
-                </a:lnTo>
-                <a:lnTo>
-                  <a:pt x="120000" y="120000"/>
-                </a:lnTo>
-                <a:lnTo>
-                  <a:pt x="0" y="120000"/>
-                </a:lnTo>
-                <a:close/>
-              </a:path>
-            </a:pathLst>
-          </a:custGeom>
-        </p:spPr>
-      </p:sp>
-    </p:spTree>
-    <p:extLst>
-      <p:ext uri="{BB962C8B-B14F-4D97-AF65-F5344CB8AC3E}">
-        <p14:creationId xmlns:p14="http://schemas.microsoft.com/office/powerpoint/2010/main" val="1938412328"/>
-      </p:ext>
-    </p:extLst>
-  </p:cSld>
-  <p:clrMapOvr>
-    <a:masterClrMapping/>
-  </p:clrMapOvr>
-</p:notes>
-</file>
-
-<file path=ppt/notesSlides/notesSlide15.xml><?xml version="1.0" encoding="utf-8"?>
+<file path=ppt/notesSlides/notesSlide9.xml><?xml version="1.0" encoding="utf-8"?>
 <p:notes xmlns:a="http://schemas.openxmlformats.org/drawingml/2006/main" xmlns:r="http://schemas.openxmlformats.org/officeDocument/2006/relationships" xmlns:p="http://schemas.openxmlformats.org/presentationml/2006/main" showMasterSp="0" showMasterPhAnim="0">
   <p:cSld>
     <p:spTree>
@@ -1496,930 +1709,6 @@
       <p:sp>
         <p:nvSpPr>
           <p:cNvPr id="164" name="Google Shape;164;p7:notes"/>
-          <p:cNvSpPr>
-            <a:spLocks noGrp="1" noRot="1" noChangeAspect="1"/>
-          </p:cNvSpPr>
-          <p:nvPr>
-            <p:ph type="sldImg" idx="2"/>
-          </p:nvPr>
-        </p:nvSpPr>
-        <p:spPr>
-          <a:xfrm>
-            <a:off x="381000" y="685800"/>
-            <a:ext cx="6096000" cy="3429000"/>
-          </a:xfrm>
-          <a:custGeom>
-            <a:avLst/>
-            <a:gdLst/>
-            <a:ahLst/>
-            <a:cxnLst/>
-            <a:rect l="l" t="t" r="r" b="b"/>
-            <a:pathLst>
-              <a:path w="120000" h="120000" extrusionOk="0">
-                <a:moveTo>
-                  <a:pt x="0" y="0"/>
-                </a:moveTo>
-                <a:lnTo>
-                  <a:pt x="120000" y="0"/>
-                </a:lnTo>
-                <a:lnTo>
-                  <a:pt x="120000" y="120000"/>
-                </a:lnTo>
-                <a:lnTo>
-                  <a:pt x="0" y="120000"/>
-                </a:lnTo>
-                <a:close/>
-              </a:path>
-            </a:pathLst>
-          </a:custGeom>
-        </p:spPr>
-      </p:sp>
-    </p:spTree>
-  </p:cSld>
-  <p:clrMapOvr>
-    <a:masterClrMapping/>
-  </p:clrMapOvr>
-</p:notes>
-</file>
-
-<file path=ppt/notesSlides/notesSlide2.xml><?xml version="1.0" encoding="utf-8"?>
-<p:notes xmlns:a="http://schemas.openxmlformats.org/drawingml/2006/main" xmlns:r="http://schemas.openxmlformats.org/officeDocument/2006/relationships" xmlns:p="http://schemas.openxmlformats.org/presentationml/2006/main" showMasterSp="0" showMasterPhAnim="0">
-  <p:cSld>
-    <p:spTree>
-      <p:nvGrpSpPr>
-        <p:cNvPr id="1" name="Shape 79"/>
-        <p:cNvGrpSpPr/>
-        <p:nvPr/>
-      </p:nvGrpSpPr>
-      <p:grpSpPr>
-        <a:xfrm>
-          <a:off x="0" y="0"/>
-          <a:ext cx="0" cy="0"/>
-          <a:chOff x="0" y="0"/>
-          <a:chExt cx="0" cy="0"/>
-        </a:xfrm>
-      </p:grpSpPr>
-      <p:sp>
-        <p:nvSpPr>
-          <p:cNvPr id="80" name="Google Shape;80;p2:notes"/>
-          <p:cNvSpPr txBox="1">
-            <a:spLocks noGrp="1"/>
-          </p:cNvSpPr>
-          <p:nvPr>
-            <p:ph type="body" idx="1"/>
-          </p:nvPr>
-        </p:nvSpPr>
-        <p:spPr>
-          <a:xfrm>
-            <a:off x="685800" y="4343400"/>
-            <a:ext cx="5486400" cy="4114800"/>
-          </a:xfrm>
-          <a:prstGeom prst="rect">
-            <a:avLst/>
-          </a:prstGeom>
-        </p:spPr>
-        <p:txBody>
-          <a:bodyPr spcFirstLastPara="1" wrap="square" lIns="91425" tIns="91425" rIns="91425" bIns="91425" anchor="t" anchorCtr="0">
-            <a:noAutofit/>
-          </a:bodyPr>
-          <a:lstStyle/>
-          <a:p>
-            <a:pPr marL="0" lvl="0" indent="0" algn="l" rtl="0">
-              <a:spcBef>
-                <a:spcPts val="0"/>
-              </a:spcBef>
-              <a:spcAft>
-                <a:spcPts val="0"/>
-              </a:spcAft>
-              <a:buNone/>
-            </a:pPr>
-            <a:endParaRPr/>
-          </a:p>
-        </p:txBody>
-      </p:sp>
-      <p:sp>
-        <p:nvSpPr>
-          <p:cNvPr id="81" name="Google Shape;81;p2:notes"/>
-          <p:cNvSpPr>
-            <a:spLocks noGrp="1" noRot="1" noChangeAspect="1"/>
-          </p:cNvSpPr>
-          <p:nvPr>
-            <p:ph type="sldImg" idx="2"/>
-          </p:nvPr>
-        </p:nvSpPr>
-        <p:spPr>
-          <a:xfrm>
-            <a:off x="381000" y="685800"/>
-            <a:ext cx="6096000" cy="3429000"/>
-          </a:xfrm>
-          <a:custGeom>
-            <a:avLst/>
-            <a:gdLst/>
-            <a:ahLst/>
-            <a:cxnLst/>
-            <a:rect l="l" t="t" r="r" b="b"/>
-            <a:pathLst>
-              <a:path w="120000" h="120000" extrusionOk="0">
-                <a:moveTo>
-                  <a:pt x="0" y="0"/>
-                </a:moveTo>
-                <a:lnTo>
-                  <a:pt x="120000" y="0"/>
-                </a:lnTo>
-                <a:lnTo>
-                  <a:pt x="120000" y="120000"/>
-                </a:lnTo>
-                <a:lnTo>
-                  <a:pt x="0" y="120000"/>
-                </a:lnTo>
-                <a:close/>
-              </a:path>
-            </a:pathLst>
-          </a:custGeom>
-        </p:spPr>
-      </p:sp>
-    </p:spTree>
-  </p:cSld>
-  <p:clrMapOvr>
-    <a:masterClrMapping/>
-  </p:clrMapOvr>
-</p:notes>
-</file>
-
-<file path=ppt/notesSlides/notesSlide3.xml><?xml version="1.0" encoding="utf-8"?>
-<p:notes xmlns:a="http://schemas.openxmlformats.org/drawingml/2006/main" xmlns:r="http://schemas.openxmlformats.org/officeDocument/2006/relationships" xmlns:p="http://schemas.openxmlformats.org/presentationml/2006/main" showMasterSp="0" showMasterPhAnim="0">
-  <p:cSld>
-    <p:spTree>
-      <p:nvGrpSpPr>
-        <p:cNvPr id="1" name="Shape 99"/>
-        <p:cNvGrpSpPr/>
-        <p:nvPr/>
-      </p:nvGrpSpPr>
-      <p:grpSpPr>
-        <a:xfrm>
-          <a:off x="0" y="0"/>
-          <a:ext cx="0" cy="0"/>
-          <a:chOff x="0" y="0"/>
-          <a:chExt cx="0" cy="0"/>
-        </a:xfrm>
-      </p:grpSpPr>
-      <p:sp>
-        <p:nvSpPr>
-          <p:cNvPr id="100" name="Google Shape;100;p4:notes"/>
-          <p:cNvSpPr txBox="1">
-            <a:spLocks noGrp="1"/>
-          </p:cNvSpPr>
-          <p:nvPr>
-            <p:ph type="body" idx="1"/>
-          </p:nvPr>
-        </p:nvSpPr>
-        <p:spPr>
-          <a:xfrm>
-            <a:off x="685800" y="4343400"/>
-            <a:ext cx="5486400" cy="4114800"/>
-          </a:xfrm>
-          <a:prstGeom prst="rect">
-            <a:avLst/>
-          </a:prstGeom>
-        </p:spPr>
-        <p:txBody>
-          <a:bodyPr spcFirstLastPara="1" wrap="square" lIns="91425" tIns="91425" rIns="91425" bIns="91425" anchor="t" anchorCtr="0">
-            <a:noAutofit/>
-          </a:bodyPr>
-          <a:lstStyle/>
-          <a:p>
-            <a:pPr marL="0" lvl="0" indent="0" algn="l" rtl="0">
-              <a:spcBef>
-                <a:spcPts val="0"/>
-              </a:spcBef>
-              <a:spcAft>
-                <a:spcPts val="0"/>
-              </a:spcAft>
-              <a:buNone/>
-            </a:pPr>
-            <a:endParaRPr/>
-          </a:p>
-        </p:txBody>
-      </p:sp>
-      <p:sp>
-        <p:nvSpPr>
-          <p:cNvPr id="101" name="Google Shape;101;p4:notes"/>
-          <p:cNvSpPr>
-            <a:spLocks noGrp="1" noRot="1" noChangeAspect="1"/>
-          </p:cNvSpPr>
-          <p:nvPr>
-            <p:ph type="sldImg" idx="2"/>
-          </p:nvPr>
-        </p:nvSpPr>
-        <p:spPr>
-          <a:xfrm>
-            <a:off x="381000" y="685800"/>
-            <a:ext cx="6096000" cy="3429000"/>
-          </a:xfrm>
-          <a:custGeom>
-            <a:avLst/>
-            <a:gdLst/>
-            <a:ahLst/>
-            <a:cxnLst/>
-            <a:rect l="l" t="t" r="r" b="b"/>
-            <a:pathLst>
-              <a:path w="120000" h="120000" extrusionOk="0">
-                <a:moveTo>
-                  <a:pt x="0" y="0"/>
-                </a:moveTo>
-                <a:lnTo>
-                  <a:pt x="120000" y="0"/>
-                </a:lnTo>
-                <a:lnTo>
-                  <a:pt x="120000" y="120000"/>
-                </a:lnTo>
-                <a:lnTo>
-                  <a:pt x="0" y="120000"/>
-                </a:lnTo>
-                <a:close/>
-              </a:path>
-            </a:pathLst>
-          </a:custGeom>
-        </p:spPr>
-      </p:sp>
-    </p:spTree>
-  </p:cSld>
-  <p:clrMapOvr>
-    <a:masterClrMapping/>
-  </p:clrMapOvr>
-</p:notes>
-</file>
-
-<file path=ppt/notesSlides/notesSlide4.xml><?xml version="1.0" encoding="utf-8"?>
-<p:notes xmlns:a="http://schemas.openxmlformats.org/drawingml/2006/main" xmlns:r="http://schemas.openxmlformats.org/officeDocument/2006/relationships" xmlns:p="http://schemas.openxmlformats.org/presentationml/2006/main" showMasterSp="0" showMasterPhAnim="0">
-  <p:cSld>
-    <p:spTree>
-      <p:nvGrpSpPr>
-        <p:cNvPr id="1" name="Shape 263">
-          <a:extLst>
-            <a:ext uri="{FF2B5EF4-FFF2-40B4-BE49-F238E27FC236}">
-              <a16:creationId xmlns:a16="http://schemas.microsoft.com/office/drawing/2014/main" id="{D2AF1CE2-ACF7-4407-ECDA-B6D176F53A47}"/>
-            </a:ext>
-          </a:extLst>
-        </p:cNvPr>
-        <p:cNvGrpSpPr/>
-        <p:nvPr/>
-      </p:nvGrpSpPr>
-      <p:grpSpPr>
-        <a:xfrm>
-          <a:off x="0" y="0"/>
-          <a:ext cx="0" cy="0"/>
-          <a:chOff x="0" y="0"/>
-          <a:chExt cx="0" cy="0"/>
-        </a:xfrm>
-      </p:grpSpPr>
-      <p:sp>
-        <p:nvSpPr>
-          <p:cNvPr id="264" name="Google Shape;264;p14:notes">
-            <a:extLst>
-              <a:ext uri="{FF2B5EF4-FFF2-40B4-BE49-F238E27FC236}">
-                <a16:creationId xmlns:a16="http://schemas.microsoft.com/office/drawing/2014/main" id="{7F624840-3AB6-FDCF-BF7D-B8A6E014A040}"/>
-              </a:ext>
-            </a:extLst>
-          </p:cNvPr>
-          <p:cNvSpPr txBox="1">
-            <a:spLocks noGrp="1"/>
-          </p:cNvSpPr>
-          <p:nvPr>
-            <p:ph type="body" idx="1"/>
-          </p:nvPr>
-        </p:nvSpPr>
-        <p:spPr>
-          <a:xfrm>
-            <a:off x="685800" y="4343400"/>
-            <a:ext cx="5486400" cy="4114800"/>
-          </a:xfrm>
-          <a:prstGeom prst="rect">
-            <a:avLst/>
-          </a:prstGeom>
-        </p:spPr>
-        <p:txBody>
-          <a:bodyPr spcFirstLastPara="1" wrap="square" lIns="91425" tIns="91425" rIns="91425" bIns="91425" anchor="t" anchorCtr="0">
-            <a:noAutofit/>
-          </a:bodyPr>
-          <a:lstStyle/>
-          <a:p>
-            <a:pPr marL="0" lvl="0" indent="0" algn="l" rtl="0">
-              <a:spcBef>
-                <a:spcPts val="0"/>
-              </a:spcBef>
-              <a:spcAft>
-                <a:spcPts val="0"/>
-              </a:spcAft>
-              <a:buNone/>
-            </a:pPr>
-            <a:endParaRPr/>
-          </a:p>
-        </p:txBody>
-      </p:sp>
-      <p:sp>
-        <p:nvSpPr>
-          <p:cNvPr id="265" name="Google Shape;265;p14:notes">
-            <a:extLst>
-              <a:ext uri="{FF2B5EF4-FFF2-40B4-BE49-F238E27FC236}">
-                <a16:creationId xmlns:a16="http://schemas.microsoft.com/office/drawing/2014/main" id="{2E136045-D93A-00D3-7BBD-2208EF999660}"/>
-              </a:ext>
-            </a:extLst>
-          </p:cNvPr>
-          <p:cNvSpPr>
-            <a:spLocks noGrp="1" noRot="1" noChangeAspect="1"/>
-          </p:cNvSpPr>
-          <p:nvPr>
-            <p:ph type="sldImg" idx="2"/>
-          </p:nvPr>
-        </p:nvSpPr>
-        <p:spPr>
-          <a:xfrm>
-            <a:off x="381000" y="685800"/>
-            <a:ext cx="6096000" cy="3429000"/>
-          </a:xfrm>
-          <a:custGeom>
-            <a:avLst/>
-            <a:gdLst/>
-            <a:ahLst/>
-            <a:cxnLst/>
-            <a:rect l="l" t="t" r="r" b="b"/>
-            <a:pathLst>
-              <a:path w="120000" h="120000" extrusionOk="0">
-                <a:moveTo>
-                  <a:pt x="0" y="0"/>
-                </a:moveTo>
-                <a:lnTo>
-                  <a:pt x="120000" y="0"/>
-                </a:lnTo>
-                <a:lnTo>
-                  <a:pt x="120000" y="120000"/>
-                </a:lnTo>
-                <a:lnTo>
-                  <a:pt x="0" y="120000"/>
-                </a:lnTo>
-                <a:close/>
-              </a:path>
-            </a:pathLst>
-          </a:custGeom>
-        </p:spPr>
-      </p:sp>
-    </p:spTree>
-    <p:extLst>
-      <p:ext uri="{BB962C8B-B14F-4D97-AF65-F5344CB8AC3E}">
-        <p14:creationId xmlns:p14="http://schemas.microsoft.com/office/powerpoint/2010/main" val="1898215941"/>
-      </p:ext>
-    </p:extLst>
-  </p:cSld>
-  <p:clrMapOvr>
-    <a:masterClrMapping/>
-  </p:clrMapOvr>
-</p:notes>
-</file>
-
-<file path=ppt/notesSlides/notesSlide5.xml><?xml version="1.0" encoding="utf-8"?>
-<p:notes xmlns:a="http://schemas.openxmlformats.org/drawingml/2006/main" xmlns:r="http://schemas.openxmlformats.org/officeDocument/2006/relationships" xmlns:p="http://schemas.openxmlformats.org/presentationml/2006/main" showMasterSp="0" showMasterPhAnim="0">
-  <p:cSld>
-    <p:spTree>
-      <p:nvGrpSpPr>
-        <p:cNvPr id="1" name="Shape 263">
-          <a:extLst>
-            <a:ext uri="{FF2B5EF4-FFF2-40B4-BE49-F238E27FC236}">
-              <a16:creationId xmlns:a16="http://schemas.microsoft.com/office/drawing/2014/main" id="{046CA841-FD33-22E5-9E91-CA71E093E346}"/>
-            </a:ext>
-          </a:extLst>
-        </p:cNvPr>
-        <p:cNvGrpSpPr/>
-        <p:nvPr/>
-      </p:nvGrpSpPr>
-      <p:grpSpPr>
-        <a:xfrm>
-          <a:off x="0" y="0"/>
-          <a:ext cx="0" cy="0"/>
-          <a:chOff x="0" y="0"/>
-          <a:chExt cx="0" cy="0"/>
-        </a:xfrm>
-      </p:grpSpPr>
-      <p:sp>
-        <p:nvSpPr>
-          <p:cNvPr id="264" name="Google Shape;264;p14:notes">
-            <a:extLst>
-              <a:ext uri="{FF2B5EF4-FFF2-40B4-BE49-F238E27FC236}">
-                <a16:creationId xmlns:a16="http://schemas.microsoft.com/office/drawing/2014/main" id="{A2DDAAAC-700F-85BF-0895-F0ED416E4EE5}"/>
-              </a:ext>
-            </a:extLst>
-          </p:cNvPr>
-          <p:cNvSpPr txBox="1">
-            <a:spLocks noGrp="1"/>
-          </p:cNvSpPr>
-          <p:nvPr>
-            <p:ph type="body" idx="1"/>
-          </p:nvPr>
-        </p:nvSpPr>
-        <p:spPr>
-          <a:xfrm>
-            <a:off x="685800" y="4343400"/>
-            <a:ext cx="5486400" cy="4114800"/>
-          </a:xfrm>
-          <a:prstGeom prst="rect">
-            <a:avLst/>
-          </a:prstGeom>
-        </p:spPr>
-        <p:txBody>
-          <a:bodyPr spcFirstLastPara="1" wrap="square" lIns="91425" tIns="91425" rIns="91425" bIns="91425" anchor="t" anchorCtr="0">
-            <a:noAutofit/>
-          </a:bodyPr>
-          <a:lstStyle/>
-          <a:p>
-            <a:pPr marL="0" lvl="0" indent="0" algn="l" rtl="0">
-              <a:spcBef>
-                <a:spcPts val="0"/>
-              </a:spcBef>
-              <a:spcAft>
-                <a:spcPts val="0"/>
-              </a:spcAft>
-              <a:buNone/>
-            </a:pPr>
-            <a:endParaRPr/>
-          </a:p>
-        </p:txBody>
-      </p:sp>
-      <p:sp>
-        <p:nvSpPr>
-          <p:cNvPr id="265" name="Google Shape;265;p14:notes">
-            <a:extLst>
-              <a:ext uri="{FF2B5EF4-FFF2-40B4-BE49-F238E27FC236}">
-                <a16:creationId xmlns:a16="http://schemas.microsoft.com/office/drawing/2014/main" id="{4E27E964-6102-9091-0CE7-058AEFFC055A}"/>
-              </a:ext>
-            </a:extLst>
-          </p:cNvPr>
-          <p:cNvSpPr>
-            <a:spLocks noGrp="1" noRot="1" noChangeAspect="1"/>
-          </p:cNvSpPr>
-          <p:nvPr>
-            <p:ph type="sldImg" idx="2"/>
-          </p:nvPr>
-        </p:nvSpPr>
-        <p:spPr>
-          <a:xfrm>
-            <a:off x="381000" y="685800"/>
-            <a:ext cx="6096000" cy="3429000"/>
-          </a:xfrm>
-          <a:custGeom>
-            <a:avLst/>
-            <a:gdLst/>
-            <a:ahLst/>
-            <a:cxnLst/>
-            <a:rect l="l" t="t" r="r" b="b"/>
-            <a:pathLst>
-              <a:path w="120000" h="120000" extrusionOk="0">
-                <a:moveTo>
-                  <a:pt x="0" y="0"/>
-                </a:moveTo>
-                <a:lnTo>
-                  <a:pt x="120000" y="0"/>
-                </a:lnTo>
-                <a:lnTo>
-                  <a:pt x="120000" y="120000"/>
-                </a:lnTo>
-                <a:lnTo>
-                  <a:pt x="0" y="120000"/>
-                </a:lnTo>
-                <a:close/>
-              </a:path>
-            </a:pathLst>
-          </a:custGeom>
-        </p:spPr>
-      </p:sp>
-    </p:spTree>
-    <p:extLst>
-      <p:ext uri="{BB962C8B-B14F-4D97-AF65-F5344CB8AC3E}">
-        <p14:creationId xmlns:p14="http://schemas.microsoft.com/office/powerpoint/2010/main" val="2337225519"/>
-      </p:ext>
-    </p:extLst>
-  </p:cSld>
-  <p:clrMapOvr>
-    <a:masterClrMapping/>
-  </p:clrMapOvr>
-</p:notes>
-</file>
-
-<file path=ppt/notesSlides/notesSlide6.xml><?xml version="1.0" encoding="utf-8"?>
-<p:notes xmlns:a="http://schemas.openxmlformats.org/drawingml/2006/main" xmlns:r="http://schemas.openxmlformats.org/officeDocument/2006/relationships" xmlns:p="http://schemas.openxmlformats.org/presentationml/2006/main" showMasterSp="0" showMasterPhAnim="0">
-  <p:cSld>
-    <p:spTree>
-      <p:nvGrpSpPr>
-        <p:cNvPr id="1" name="Shape 263">
-          <a:extLst>
-            <a:ext uri="{FF2B5EF4-FFF2-40B4-BE49-F238E27FC236}">
-              <a16:creationId xmlns:a16="http://schemas.microsoft.com/office/drawing/2014/main" id="{FBAE1066-C8E7-1C06-E178-404133D6E112}"/>
-            </a:ext>
-          </a:extLst>
-        </p:cNvPr>
-        <p:cNvGrpSpPr/>
-        <p:nvPr/>
-      </p:nvGrpSpPr>
-      <p:grpSpPr>
-        <a:xfrm>
-          <a:off x="0" y="0"/>
-          <a:ext cx="0" cy="0"/>
-          <a:chOff x="0" y="0"/>
-          <a:chExt cx="0" cy="0"/>
-        </a:xfrm>
-      </p:grpSpPr>
-      <p:sp>
-        <p:nvSpPr>
-          <p:cNvPr id="264" name="Google Shape;264;p14:notes">
-            <a:extLst>
-              <a:ext uri="{FF2B5EF4-FFF2-40B4-BE49-F238E27FC236}">
-                <a16:creationId xmlns:a16="http://schemas.microsoft.com/office/drawing/2014/main" id="{23BD5AEB-62FF-A4E0-D1F7-DB58BB163923}"/>
-              </a:ext>
-            </a:extLst>
-          </p:cNvPr>
-          <p:cNvSpPr txBox="1">
-            <a:spLocks noGrp="1"/>
-          </p:cNvSpPr>
-          <p:nvPr>
-            <p:ph type="body" idx="1"/>
-          </p:nvPr>
-        </p:nvSpPr>
-        <p:spPr>
-          <a:xfrm>
-            <a:off x="685800" y="4343400"/>
-            <a:ext cx="5486400" cy="4114800"/>
-          </a:xfrm>
-          <a:prstGeom prst="rect">
-            <a:avLst/>
-          </a:prstGeom>
-        </p:spPr>
-        <p:txBody>
-          <a:bodyPr spcFirstLastPara="1" wrap="square" lIns="91425" tIns="91425" rIns="91425" bIns="91425" anchor="t" anchorCtr="0">
-            <a:noAutofit/>
-          </a:bodyPr>
-          <a:lstStyle/>
-          <a:p>
-            <a:pPr marL="0" lvl="0" indent="0" algn="l" rtl="0">
-              <a:spcBef>
-                <a:spcPts val="0"/>
-              </a:spcBef>
-              <a:spcAft>
-                <a:spcPts val="0"/>
-              </a:spcAft>
-              <a:buNone/>
-            </a:pPr>
-            <a:endParaRPr/>
-          </a:p>
-        </p:txBody>
-      </p:sp>
-      <p:sp>
-        <p:nvSpPr>
-          <p:cNvPr id="265" name="Google Shape;265;p14:notes">
-            <a:extLst>
-              <a:ext uri="{FF2B5EF4-FFF2-40B4-BE49-F238E27FC236}">
-                <a16:creationId xmlns:a16="http://schemas.microsoft.com/office/drawing/2014/main" id="{6CEDB340-4CD3-BD4D-A5F3-2CDA3CA6F23B}"/>
-              </a:ext>
-            </a:extLst>
-          </p:cNvPr>
-          <p:cNvSpPr>
-            <a:spLocks noGrp="1" noRot="1" noChangeAspect="1"/>
-          </p:cNvSpPr>
-          <p:nvPr>
-            <p:ph type="sldImg" idx="2"/>
-          </p:nvPr>
-        </p:nvSpPr>
-        <p:spPr>
-          <a:xfrm>
-            <a:off x="381000" y="685800"/>
-            <a:ext cx="6096000" cy="3429000"/>
-          </a:xfrm>
-          <a:custGeom>
-            <a:avLst/>
-            <a:gdLst/>
-            <a:ahLst/>
-            <a:cxnLst/>
-            <a:rect l="l" t="t" r="r" b="b"/>
-            <a:pathLst>
-              <a:path w="120000" h="120000" extrusionOk="0">
-                <a:moveTo>
-                  <a:pt x="0" y="0"/>
-                </a:moveTo>
-                <a:lnTo>
-                  <a:pt x="120000" y="0"/>
-                </a:lnTo>
-                <a:lnTo>
-                  <a:pt x="120000" y="120000"/>
-                </a:lnTo>
-                <a:lnTo>
-                  <a:pt x="0" y="120000"/>
-                </a:lnTo>
-                <a:close/>
-              </a:path>
-            </a:pathLst>
-          </a:custGeom>
-        </p:spPr>
-      </p:sp>
-    </p:spTree>
-    <p:extLst>
-      <p:ext uri="{BB962C8B-B14F-4D97-AF65-F5344CB8AC3E}">
-        <p14:creationId xmlns:p14="http://schemas.microsoft.com/office/powerpoint/2010/main" val="2519287292"/>
-      </p:ext>
-    </p:extLst>
-  </p:cSld>
-  <p:clrMapOvr>
-    <a:masterClrMapping/>
-  </p:clrMapOvr>
-</p:notes>
-</file>
-
-<file path=ppt/notesSlides/notesSlide7.xml><?xml version="1.0" encoding="utf-8"?>
-<p:notes xmlns:a="http://schemas.openxmlformats.org/drawingml/2006/main" xmlns:r="http://schemas.openxmlformats.org/officeDocument/2006/relationships" xmlns:p="http://schemas.openxmlformats.org/presentationml/2006/main" showMasterSp="0" showMasterPhAnim="0">
-  <p:cSld>
-    <p:spTree>
-      <p:nvGrpSpPr>
-        <p:cNvPr id="1" name="Shape 263">
-          <a:extLst>
-            <a:ext uri="{FF2B5EF4-FFF2-40B4-BE49-F238E27FC236}">
-              <a16:creationId xmlns:a16="http://schemas.microsoft.com/office/drawing/2014/main" id="{811D2660-D04C-0682-8C2B-1288053639E8}"/>
-            </a:ext>
-          </a:extLst>
-        </p:cNvPr>
-        <p:cNvGrpSpPr/>
-        <p:nvPr/>
-      </p:nvGrpSpPr>
-      <p:grpSpPr>
-        <a:xfrm>
-          <a:off x="0" y="0"/>
-          <a:ext cx="0" cy="0"/>
-          <a:chOff x="0" y="0"/>
-          <a:chExt cx="0" cy="0"/>
-        </a:xfrm>
-      </p:grpSpPr>
-      <p:sp>
-        <p:nvSpPr>
-          <p:cNvPr id="264" name="Google Shape;264;p14:notes">
-            <a:extLst>
-              <a:ext uri="{FF2B5EF4-FFF2-40B4-BE49-F238E27FC236}">
-                <a16:creationId xmlns:a16="http://schemas.microsoft.com/office/drawing/2014/main" id="{3ECF90D0-7894-6DC1-21B9-4613A0F5872A}"/>
-              </a:ext>
-            </a:extLst>
-          </p:cNvPr>
-          <p:cNvSpPr txBox="1">
-            <a:spLocks noGrp="1"/>
-          </p:cNvSpPr>
-          <p:nvPr>
-            <p:ph type="body" idx="1"/>
-          </p:nvPr>
-        </p:nvSpPr>
-        <p:spPr>
-          <a:xfrm>
-            <a:off x="685800" y="4343400"/>
-            <a:ext cx="5486400" cy="4114800"/>
-          </a:xfrm>
-          <a:prstGeom prst="rect">
-            <a:avLst/>
-          </a:prstGeom>
-        </p:spPr>
-        <p:txBody>
-          <a:bodyPr spcFirstLastPara="1" wrap="square" lIns="91425" tIns="91425" rIns="91425" bIns="91425" anchor="t" anchorCtr="0">
-            <a:noAutofit/>
-          </a:bodyPr>
-          <a:lstStyle/>
-          <a:p>
-            <a:pPr marL="0" lvl="0" indent="0" algn="l" rtl="0">
-              <a:spcBef>
-                <a:spcPts val="0"/>
-              </a:spcBef>
-              <a:spcAft>
-                <a:spcPts val="0"/>
-              </a:spcAft>
-              <a:buNone/>
-            </a:pPr>
-            <a:endParaRPr/>
-          </a:p>
-        </p:txBody>
-      </p:sp>
-      <p:sp>
-        <p:nvSpPr>
-          <p:cNvPr id="265" name="Google Shape;265;p14:notes">
-            <a:extLst>
-              <a:ext uri="{FF2B5EF4-FFF2-40B4-BE49-F238E27FC236}">
-                <a16:creationId xmlns:a16="http://schemas.microsoft.com/office/drawing/2014/main" id="{7DD740AC-DE77-66A4-5FF1-71E7892492CD}"/>
-              </a:ext>
-            </a:extLst>
-          </p:cNvPr>
-          <p:cNvSpPr>
-            <a:spLocks noGrp="1" noRot="1" noChangeAspect="1"/>
-          </p:cNvSpPr>
-          <p:nvPr>
-            <p:ph type="sldImg" idx="2"/>
-          </p:nvPr>
-        </p:nvSpPr>
-        <p:spPr>
-          <a:xfrm>
-            <a:off x="381000" y="685800"/>
-            <a:ext cx="6096000" cy="3429000"/>
-          </a:xfrm>
-          <a:custGeom>
-            <a:avLst/>
-            <a:gdLst/>
-            <a:ahLst/>
-            <a:cxnLst/>
-            <a:rect l="l" t="t" r="r" b="b"/>
-            <a:pathLst>
-              <a:path w="120000" h="120000" extrusionOk="0">
-                <a:moveTo>
-                  <a:pt x="0" y="0"/>
-                </a:moveTo>
-                <a:lnTo>
-                  <a:pt x="120000" y="0"/>
-                </a:lnTo>
-                <a:lnTo>
-                  <a:pt x="120000" y="120000"/>
-                </a:lnTo>
-                <a:lnTo>
-                  <a:pt x="0" y="120000"/>
-                </a:lnTo>
-                <a:close/>
-              </a:path>
-            </a:pathLst>
-          </a:custGeom>
-        </p:spPr>
-      </p:sp>
-    </p:spTree>
-    <p:extLst>
-      <p:ext uri="{BB962C8B-B14F-4D97-AF65-F5344CB8AC3E}">
-        <p14:creationId xmlns:p14="http://schemas.microsoft.com/office/powerpoint/2010/main" val="2220089638"/>
-      </p:ext>
-    </p:extLst>
-  </p:cSld>
-  <p:clrMapOvr>
-    <a:masterClrMapping/>
-  </p:clrMapOvr>
-</p:notes>
-</file>
-
-<file path=ppt/notesSlides/notesSlide8.xml><?xml version="1.0" encoding="utf-8"?>
-<p:notes xmlns:a="http://schemas.openxmlformats.org/drawingml/2006/main" xmlns:r="http://schemas.openxmlformats.org/officeDocument/2006/relationships" xmlns:p="http://schemas.openxmlformats.org/presentationml/2006/main" showMasterSp="0" showMasterPhAnim="0">
-  <p:cSld>
-    <p:spTree>
-      <p:nvGrpSpPr>
-        <p:cNvPr id="1" name="Shape 223"/>
-        <p:cNvGrpSpPr/>
-        <p:nvPr/>
-      </p:nvGrpSpPr>
-      <p:grpSpPr>
-        <a:xfrm>
-          <a:off x="0" y="0"/>
-          <a:ext cx="0" cy="0"/>
-          <a:chOff x="0" y="0"/>
-          <a:chExt cx="0" cy="0"/>
-        </a:xfrm>
-      </p:grpSpPr>
-      <p:sp>
-        <p:nvSpPr>
-          <p:cNvPr id="224" name="Google Shape;224;p11:notes"/>
-          <p:cNvSpPr txBox="1">
-            <a:spLocks noGrp="1"/>
-          </p:cNvSpPr>
-          <p:nvPr>
-            <p:ph type="body" idx="1"/>
-          </p:nvPr>
-        </p:nvSpPr>
-        <p:spPr>
-          <a:xfrm>
-            <a:off x="685800" y="4343400"/>
-            <a:ext cx="5486400" cy="4114800"/>
-          </a:xfrm>
-          <a:prstGeom prst="rect">
-            <a:avLst/>
-          </a:prstGeom>
-        </p:spPr>
-        <p:txBody>
-          <a:bodyPr spcFirstLastPara="1" wrap="square" lIns="91425" tIns="91425" rIns="91425" bIns="91425" anchor="t" anchorCtr="0">
-            <a:noAutofit/>
-          </a:bodyPr>
-          <a:lstStyle/>
-          <a:p>
-            <a:pPr marL="0" lvl="0" indent="0" algn="l" rtl="0">
-              <a:spcBef>
-                <a:spcPts val="0"/>
-              </a:spcBef>
-              <a:spcAft>
-                <a:spcPts val="0"/>
-              </a:spcAft>
-              <a:buNone/>
-            </a:pPr>
-            <a:endParaRPr/>
-          </a:p>
-        </p:txBody>
-      </p:sp>
-      <p:sp>
-        <p:nvSpPr>
-          <p:cNvPr id="225" name="Google Shape;225;p11:notes"/>
-          <p:cNvSpPr>
-            <a:spLocks noGrp="1" noRot="1" noChangeAspect="1"/>
-          </p:cNvSpPr>
-          <p:nvPr>
-            <p:ph type="sldImg" idx="2"/>
-          </p:nvPr>
-        </p:nvSpPr>
-        <p:spPr>
-          <a:xfrm>
-            <a:off x="381000" y="685800"/>
-            <a:ext cx="6096000" cy="3429000"/>
-          </a:xfrm>
-          <a:custGeom>
-            <a:avLst/>
-            <a:gdLst/>
-            <a:ahLst/>
-            <a:cxnLst/>
-            <a:rect l="l" t="t" r="r" b="b"/>
-            <a:pathLst>
-              <a:path w="120000" h="120000" extrusionOk="0">
-                <a:moveTo>
-                  <a:pt x="0" y="0"/>
-                </a:moveTo>
-                <a:lnTo>
-                  <a:pt x="120000" y="0"/>
-                </a:lnTo>
-                <a:lnTo>
-                  <a:pt x="120000" y="120000"/>
-                </a:lnTo>
-                <a:lnTo>
-                  <a:pt x="0" y="120000"/>
-                </a:lnTo>
-                <a:close/>
-              </a:path>
-            </a:pathLst>
-          </a:custGeom>
-        </p:spPr>
-      </p:sp>
-    </p:spTree>
-  </p:cSld>
-  <p:clrMapOvr>
-    <a:masterClrMapping/>
-  </p:clrMapOvr>
-</p:notes>
-</file>
-
-<file path=ppt/notesSlides/notesSlide9.xml><?xml version="1.0" encoding="utf-8"?>
-<p:notes xmlns:a="http://schemas.openxmlformats.org/drawingml/2006/main" xmlns:r="http://schemas.openxmlformats.org/officeDocument/2006/relationships" xmlns:p="http://schemas.openxmlformats.org/presentationml/2006/main" showMasterSp="0" showMasterPhAnim="0">
-  <p:cSld>
-    <p:spTree>
-      <p:nvGrpSpPr>
-        <p:cNvPr id="1" name="Shape 250"/>
-        <p:cNvGrpSpPr/>
-        <p:nvPr/>
-      </p:nvGrpSpPr>
-      <p:grpSpPr>
-        <a:xfrm>
-          <a:off x="0" y="0"/>
-          <a:ext cx="0" cy="0"/>
-          <a:chOff x="0" y="0"/>
-          <a:chExt cx="0" cy="0"/>
-        </a:xfrm>
-      </p:grpSpPr>
-      <p:sp>
-        <p:nvSpPr>
-          <p:cNvPr id="251" name="Google Shape;251;p12:notes"/>
-          <p:cNvSpPr txBox="1">
-            <a:spLocks noGrp="1"/>
-          </p:cNvSpPr>
-          <p:nvPr>
-            <p:ph type="body" idx="1"/>
-          </p:nvPr>
-        </p:nvSpPr>
-        <p:spPr>
-          <a:xfrm>
-            <a:off x="685800" y="4343400"/>
-            <a:ext cx="5486400" cy="4114800"/>
-          </a:xfrm>
-          <a:prstGeom prst="rect">
-            <a:avLst/>
-          </a:prstGeom>
-        </p:spPr>
-        <p:txBody>
-          <a:bodyPr spcFirstLastPara="1" wrap="square" lIns="91425" tIns="91425" rIns="91425" bIns="91425" anchor="t" anchorCtr="0">
-            <a:noAutofit/>
-          </a:bodyPr>
-          <a:lstStyle/>
-          <a:p>
-            <a:pPr marL="0" lvl="0" indent="0" algn="l" rtl="0">
-              <a:spcBef>
-                <a:spcPts val="0"/>
-              </a:spcBef>
-              <a:spcAft>
-                <a:spcPts val="0"/>
-              </a:spcAft>
-              <a:buNone/>
-            </a:pPr>
-            <a:endParaRPr/>
-          </a:p>
-        </p:txBody>
-      </p:sp>
-      <p:sp>
-        <p:nvSpPr>
-          <p:cNvPr id="252" name="Google Shape;252;p12:notes"/>
           <p:cNvSpPr>
             <a:spLocks noGrp="1" noRot="1" noChangeAspect="1"/>
           </p:cNvSpPr>
@@ -9974,18 +9263,18 @@
               <a:buNone/>
             </a:pPr>
             <a:r>
-              <a:rPr lang="en-US" sz="9800" b="1" i="0" u="none" strike="noStrike" cap="none" dirty="0">
+              <a:rPr lang="en-US" sz="9800" b="1" i="0" u="none" strike="noStrike" cap="none">
                 <a:solidFill>
                   <a:srgbClr val="05041D"/>
                 </a:solidFill>
                 <a:latin typeface="Inter"/>
                 <a:ea typeface="Inter"/>
-                <a:cs typeface="Inter"/>
+                <a:cs typeface="Times New Roman" panose="02020603050405020304" pitchFamily="18" charset="0"/>
                 <a:sym typeface="Inter"/>
               </a:rPr>
               <a:t>CUSTOMER</a:t>
             </a:r>
-            <a:endParaRPr sz="9800" dirty="0"/>
+            <a:endParaRPr sz="9800"/>
           </a:p>
           <a:p>
             <a:pPr marL="0" marR="0" lvl="0" indent="0" algn="l" rtl="0">
@@ -10001,7 +9290,7 @@
               <a:buNone/>
             </a:pPr>
             <a:r>
-              <a:rPr lang="en-US" sz="9800" b="1" dirty="0">
+              <a:rPr lang="en-US" sz="9800" b="1">
                 <a:solidFill>
                   <a:srgbClr val="05041D"/>
                 </a:solidFill>
@@ -10011,7 +9300,7 @@
               </a:rPr>
               <a:t>BEHAVIOR DASHBOARD</a:t>
             </a:r>
-            <a:endParaRPr sz="9800" dirty="0"/>
+            <a:endParaRPr sz="9800"/>
           </a:p>
         </p:txBody>
       </p:sp>
@@ -10081,7 +9370,7 @@
               <a:buNone/>
             </a:pPr>
             <a:r>
-              <a:rPr lang="en-US" sz="1599" b="1" i="0" u="none" strike="noStrike" cap="none" dirty="0">
+              <a:rPr lang="en-US" sz="1599" b="1" i="0" u="none" strike="noStrike" cap="none">
                 <a:solidFill>
                   <a:srgbClr val="05041D"/>
                 </a:solidFill>
@@ -10093,7 +9382,7 @@
               <a:t>December 3</a:t>
             </a:r>
             <a:r>
-              <a:rPr lang="en-US" sz="1599" b="1" i="0" u="none" strike="noStrike" cap="none" baseline="30000" dirty="0">
+              <a:rPr lang="en-US" sz="1599" b="1" i="0" u="none" strike="noStrike" cap="none" baseline="30000">
                 <a:solidFill>
                   <a:srgbClr val="05041D"/>
                 </a:solidFill>
@@ -10105,7 +9394,7 @@
               <a:t>rd</a:t>
             </a:r>
             <a:r>
-              <a:rPr lang="en-US" sz="1599" b="1" i="0" u="none" strike="noStrike" cap="none" dirty="0">
+              <a:rPr lang="en-US" sz="1599" b="1" i="0" u="none" strike="noStrike" cap="none">
                 <a:solidFill>
                   <a:srgbClr val="05041D"/>
                 </a:solidFill>
@@ -10116,7 +9405,7 @@
               </a:rPr>
               <a:t>, 2024</a:t>
             </a:r>
-            <a:endParaRPr dirty="0"/>
+            <a:endParaRPr/>
           </a:p>
         </p:txBody>
       </p:sp>
@@ -10158,7 +9447,7 @@
               <a:buNone/>
             </a:pPr>
             <a:r>
-              <a:rPr lang="en-US" sz="1599" b="1" i="0" u="none" strike="noStrike" cap="none" dirty="0">
+              <a:rPr lang="en-US" sz="1599" b="1" i="0" u="none" strike="noStrike" cap="none">
                 <a:solidFill>
                   <a:srgbClr val="05041D"/>
                 </a:solidFill>
@@ -10169,7 +9458,7 @@
               </a:rPr>
               <a:t>DS5110</a:t>
             </a:r>
-            <a:endParaRPr dirty="0"/>
+            <a:endParaRPr/>
           </a:p>
         </p:txBody>
       </p:sp>
@@ -10187,7 +9476,7 @@
         </p:nvSpPr>
         <p:spPr>
           <a:xfrm>
-            <a:off x="-14990" y="323041"/>
+            <a:off x="610403" y="312822"/>
             <a:ext cx="2434051" cy="344518"/>
           </a:xfrm>
           <a:prstGeom prst="rect">
@@ -10204,7 +9493,7 @@
           </a:bodyPr>
           <a:lstStyle/>
           <a:p>
-            <a:pPr marL="0" marR="0" lvl="0" indent="0" algn="ctr" rtl="0">
+            <a:pPr marL="0" marR="0" lvl="0" indent="0" rtl="0">
               <a:lnSpc>
                 <a:spcPct val="140025"/>
               </a:lnSpc>
@@ -10217,7 +9506,7 @@
               <a:buNone/>
             </a:pPr>
             <a:r>
-              <a:rPr lang="en-US" sz="1599" b="1" dirty="0">
+              <a:rPr lang="en-US" sz="1599" b="1">
                 <a:solidFill>
                   <a:srgbClr val="05041D"/>
                 </a:solidFill>
@@ -10227,7 +9516,7 @@
               </a:rPr>
               <a:t>KARTHIK NAIR</a:t>
             </a:r>
-            <a:endParaRPr dirty="0"/>
+            <a:endParaRPr/>
           </a:p>
         </p:txBody>
       </p:sp>
@@ -10245,7 +9534,7 @@
         </p:nvSpPr>
         <p:spPr>
           <a:xfrm>
-            <a:off x="-1" y="657340"/>
+            <a:off x="610403" y="657340"/>
             <a:ext cx="2434051" cy="344518"/>
           </a:xfrm>
           <a:prstGeom prst="rect">
@@ -10262,7 +9551,7 @@
           </a:bodyPr>
           <a:lstStyle/>
           <a:p>
-            <a:pPr marL="0" marR="0" lvl="0" indent="0" algn="ctr" rtl="0">
+            <a:pPr marL="0" marR="0" lvl="0" indent="0" rtl="0">
               <a:lnSpc>
                 <a:spcPct val="140025"/>
               </a:lnSpc>
@@ -10275,7 +9564,7 @@
               <a:buNone/>
             </a:pPr>
             <a:r>
-              <a:rPr lang="en-US" sz="1599" b="1" i="0" u="none" strike="noStrike" cap="none" dirty="0">
+              <a:rPr lang="en-US" sz="1599" b="1" i="0" u="none" strike="noStrike" cap="none">
                 <a:solidFill>
                   <a:srgbClr val="05041D"/>
                 </a:solidFill>
@@ -10286,7 +9575,7 @@
               </a:rPr>
               <a:t>FILIP TOMOVSKI</a:t>
             </a:r>
-            <a:endParaRPr dirty="0"/>
+            <a:endParaRPr/>
           </a:p>
         </p:txBody>
       </p:sp>
@@ -10298,7 +9587,1128 @@
 </p:sld>
 </file>
 
-<file path=ppt/slides/slide10.xml><?xml version="1.0" encoding="utf-8"?>
+<file path=ppt/slides/slide2.xml><?xml version="1.0" encoding="utf-8"?>
+<p:sld xmlns:a="http://schemas.openxmlformats.org/drawingml/2006/main" xmlns:r="http://schemas.openxmlformats.org/officeDocument/2006/relationships" xmlns:p="http://schemas.openxmlformats.org/presentationml/2006/main">
+  <p:cSld>
+    <p:bg>
+      <p:bgPr>
+        <a:solidFill>
+          <a:srgbClr val="FAF0CA"/>
+        </a:solidFill>
+        <a:effectLst/>
+      </p:bgPr>
+    </p:bg>
+    <p:spTree>
+      <p:nvGrpSpPr>
+        <p:cNvPr id="1" name="Shape 266">
+          <a:extLst>
+            <a:ext uri="{FF2B5EF4-FFF2-40B4-BE49-F238E27FC236}">
+              <a16:creationId xmlns:a16="http://schemas.microsoft.com/office/drawing/2014/main" id="{109848CA-5FF8-48EF-2726-457E2687B276}"/>
+            </a:ext>
+          </a:extLst>
+        </p:cNvPr>
+        <p:cNvGrpSpPr/>
+        <p:nvPr/>
+      </p:nvGrpSpPr>
+      <p:grpSpPr>
+        <a:xfrm>
+          <a:off x="0" y="0"/>
+          <a:ext cx="0" cy="0"/>
+          <a:chOff x="0" y="0"/>
+          <a:chExt cx="0" cy="0"/>
+        </a:xfrm>
+      </p:grpSpPr>
+      <p:sp>
+        <p:nvSpPr>
+          <p:cNvPr id="268" name="Google Shape;268;p21">
+            <a:extLst>
+              <a:ext uri="{FF2B5EF4-FFF2-40B4-BE49-F238E27FC236}">
+                <a16:creationId xmlns:a16="http://schemas.microsoft.com/office/drawing/2014/main" id="{35CD751F-429A-123E-B385-CE1A0425F86F}"/>
+              </a:ext>
+            </a:extLst>
+          </p:cNvPr>
+          <p:cNvSpPr txBox="1"/>
+          <p:nvPr/>
+        </p:nvSpPr>
+        <p:spPr>
+          <a:xfrm>
+            <a:off x="1028700" y="1251990"/>
+            <a:ext cx="16230600" cy="984885"/>
+          </a:xfrm>
+          <a:prstGeom prst="rect">
+            <a:avLst/>
+          </a:prstGeom>
+          <a:noFill/>
+          <a:ln>
+            <a:noFill/>
+          </a:ln>
+        </p:spPr>
+        <p:txBody>
+          <a:bodyPr spcFirstLastPara="1" wrap="square" lIns="0" tIns="0" rIns="0" bIns="0" anchor="t" anchorCtr="0">
+            <a:spAutoFit/>
+          </a:bodyPr>
+          <a:lstStyle/>
+          <a:p>
+            <a:pPr marL="0" marR="0" lvl="0" indent="0" algn="ctr" rtl="0">
+              <a:lnSpc>
+                <a:spcPct val="80000"/>
+              </a:lnSpc>
+              <a:spcBef>
+                <a:spcPts val="0"/>
+              </a:spcBef>
+              <a:spcAft>
+                <a:spcPts val="0"/>
+              </a:spcAft>
+              <a:buNone/>
+            </a:pPr>
+            <a:r>
+              <a:rPr lang="en-US" sz="8000" b="1">
+                <a:solidFill>
+                  <a:srgbClr val="05041D"/>
+                </a:solidFill>
+                <a:latin typeface="Inter"/>
+                <a:ea typeface="Inter"/>
+                <a:sym typeface="Inter"/>
+              </a:rPr>
+              <a:t>PROJECT OVERVIEW</a:t>
+            </a:r>
+            <a:endParaRPr/>
+          </a:p>
+        </p:txBody>
+      </p:sp>
+      <p:sp>
+        <p:nvSpPr>
+          <p:cNvPr id="2" name="TextBox 1">
+            <a:extLst>
+              <a:ext uri="{FF2B5EF4-FFF2-40B4-BE49-F238E27FC236}">
+                <a16:creationId xmlns:a16="http://schemas.microsoft.com/office/drawing/2014/main" id="{C7107329-E72C-4ED1-4036-E211C197410F}"/>
+              </a:ext>
+            </a:extLst>
+          </p:cNvPr>
+          <p:cNvSpPr txBox="1"/>
+          <p:nvPr/>
+        </p:nvSpPr>
+        <p:spPr>
+          <a:xfrm>
+            <a:off x="2343727" y="2294703"/>
+            <a:ext cx="13600545" cy="7478970"/>
+          </a:xfrm>
+          <a:prstGeom prst="rect">
+            <a:avLst/>
+          </a:prstGeom>
+          <a:noFill/>
+        </p:spPr>
+        <p:txBody>
+          <a:bodyPr rot="0" spcFirstLastPara="0" vertOverflow="overflow" horzOverflow="overflow" vert="horz" wrap="square" lIns="91440" tIns="45720" rIns="91440" bIns="45720" numCol="1" spcCol="0" rtlCol="0" fromWordArt="0" anchor="t" anchorCtr="0" forceAA="0" compatLnSpc="1">
+            <a:prstTxWarp prst="textNoShape">
+              <a:avLst/>
+            </a:prstTxWarp>
+            <a:spAutoFit/>
+          </a:bodyPr>
+          <a:lstStyle/>
+          <a:p>
+            <a:pPr>
+              <a:buFont typeface=""/>
+              <a:buChar char="•"/>
+            </a:pPr>
+            <a:endParaRPr lang="en-US" sz="2400" b="1"/>
+          </a:p>
+          <a:p>
+            <a:pPr lvl="2"/>
+            <a:r>
+              <a:rPr lang="en-US" sz="2400" b="1"/>
+              <a:t>Objective:</a:t>
+            </a:r>
+            <a:r>
+              <a:rPr lang="en-US" sz="2400"/>
+              <a:t> Develop a dashboard to support data-driven decision-making.</a:t>
+            </a:r>
+          </a:p>
+          <a:p>
+            <a:pPr lvl="2"/>
+            <a:endParaRPr lang="en-US" sz="2400"/>
+          </a:p>
+          <a:p>
+            <a:pPr marL="342900" lvl="6" indent="-342900">
+              <a:buFont typeface="Arial" panose="020B0604020202020204" pitchFamily="34" charset="0"/>
+              <a:buChar char="•"/>
+            </a:pPr>
+            <a:r>
+              <a:rPr lang="en-US" sz="2400"/>
+              <a:t>Customer behavior</a:t>
+            </a:r>
+          </a:p>
+          <a:p>
+            <a:pPr marL="342900" lvl="6" indent="-342900">
+              <a:buFont typeface="Arial" panose="020B0604020202020204" pitchFamily="34" charset="0"/>
+              <a:buChar char="•"/>
+            </a:pPr>
+            <a:r>
+              <a:rPr lang="en-US" sz="2400"/>
+              <a:t>Sales trends</a:t>
+            </a:r>
+          </a:p>
+          <a:p>
+            <a:pPr marL="342900" lvl="6" indent="-342900">
+              <a:buFont typeface="Arial" panose="020B0604020202020204" pitchFamily="34" charset="0"/>
+              <a:buChar char="•"/>
+            </a:pPr>
+            <a:r>
+              <a:rPr lang="en-US" sz="2400"/>
+              <a:t>Demographics</a:t>
+            </a:r>
+          </a:p>
+          <a:p>
+            <a:pPr marL="228600" indent="-228600">
+              <a:buFont typeface=""/>
+              <a:buChar char="•"/>
+            </a:pPr>
+            <a:endParaRPr lang="en-US" sz="2400" b="1"/>
+          </a:p>
+          <a:p>
+            <a:r>
+              <a:rPr lang="en-US" sz="2400" b="1"/>
+              <a:t>Scope:</a:t>
+            </a:r>
+          </a:p>
+          <a:p>
+            <a:endParaRPr lang="en-US" sz="2400" b="1"/>
+          </a:p>
+          <a:p>
+            <a:pPr marL="342900" indent="-342900">
+              <a:buFont typeface="Arial" panose="020B0604020202020204" pitchFamily="34" charset="0"/>
+              <a:buChar char="•"/>
+            </a:pPr>
+            <a:r>
+              <a:rPr lang="en-US" sz="2400"/>
+              <a:t>Data collection and processing (sales, customer demographics, holiday trends)</a:t>
+            </a:r>
+          </a:p>
+          <a:p>
+            <a:pPr marL="342900" indent="-342900">
+              <a:buFont typeface="Arial" panose="020B0604020202020204" pitchFamily="34" charset="0"/>
+              <a:buChar char="•"/>
+            </a:pPr>
+            <a:r>
+              <a:rPr lang="en-US" sz="2400"/>
+              <a:t>Pipeline &amp; database design (robust ETL pipeline, scalable database scheme)</a:t>
+            </a:r>
+          </a:p>
+          <a:p>
+            <a:pPr marL="342900" indent="-342900">
+              <a:buFont typeface="Arial" panose="020B0604020202020204" pitchFamily="34" charset="0"/>
+              <a:buChar char="•"/>
+            </a:pPr>
+            <a:r>
+              <a:rPr lang="en-US" sz="2400"/>
+              <a:t>Dashboard development (intuitive and interactive dashboard with user friendly design)</a:t>
+            </a:r>
+          </a:p>
+          <a:p>
+            <a:pPr marL="342900" indent="-342900">
+              <a:buFont typeface="Arial" panose="020B0604020202020204" pitchFamily="34" charset="0"/>
+              <a:buChar char="•"/>
+            </a:pPr>
+            <a:r>
+              <a:rPr lang="en-US" sz="2400"/>
+              <a:t>Trend visualizations (seasonal patterns, customer preferences, geographical distribution) </a:t>
+            </a:r>
+          </a:p>
+          <a:p>
+            <a:endParaRPr lang="en-US" sz="2400" b="1"/>
+          </a:p>
+          <a:p>
+            <a:r>
+              <a:rPr lang="en-US" sz="2400" b="1"/>
+              <a:t>Key Features:</a:t>
+            </a:r>
+          </a:p>
+          <a:p>
+            <a:endParaRPr lang="en-US" sz="2400" b="1"/>
+          </a:p>
+          <a:p>
+            <a:pPr marL="342900" indent="-342900">
+              <a:buFont typeface="Arial" panose="020B0604020202020204" pitchFamily="34" charset="0"/>
+              <a:buChar char="•"/>
+            </a:pPr>
+            <a:r>
+              <a:rPr lang="en-US" sz="2400"/>
+              <a:t>Sales analysis (find high-performing products and regions)</a:t>
+            </a:r>
+          </a:p>
+          <a:p>
+            <a:pPr marL="342900" indent="-342900">
+              <a:buFont typeface="Arial" panose="020B0604020202020204" pitchFamily="34" charset="0"/>
+              <a:buChar char="•"/>
+            </a:pPr>
+            <a:r>
+              <a:rPr lang="en-US" sz="2400"/>
+              <a:t>Holiday insights (highlight holiday sales spikes)</a:t>
+            </a:r>
+          </a:p>
+          <a:p>
+            <a:pPr marL="342900" indent="-342900">
+              <a:buFont typeface="Arial" panose="020B0604020202020204" pitchFamily="34" charset="0"/>
+              <a:buChar char="•"/>
+            </a:pPr>
+            <a:r>
+              <a:rPr lang="en-US" sz="2400"/>
+              <a:t>Geographical mapping (pinpoint customer density and geographical trends)</a:t>
+            </a:r>
+          </a:p>
+          <a:p>
+            <a:pPr marL="342900" indent="-342900">
+              <a:buFont typeface="Arial" panose="020B0604020202020204" pitchFamily="34" charset="0"/>
+              <a:buChar char="•"/>
+            </a:pPr>
+            <a:r>
+              <a:rPr lang="en-US" sz="2400"/>
+              <a:t>Performance metrics (total revenue, averages)</a:t>
+            </a:r>
+          </a:p>
+        </p:txBody>
+      </p:sp>
+    </p:spTree>
+    <p:extLst>
+      <p:ext uri="{BB962C8B-B14F-4D97-AF65-F5344CB8AC3E}">
+        <p14:creationId xmlns:p14="http://schemas.microsoft.com/office/powerpoint/2010/main" val="1538087827"/>
+      </p:ext>
+    </p:extLst>
+  </p:cSld>
+  <p:clrMapOvr>
+    <a:masterClrMapping/>
+  </p:clrMapOvr>
+  <p:transition>
+    <p:push/>
+  </p:transition>
+</p:sld>
+</file>
+
+<file path=ppt/slides/slide3.xml><?xml version="1.0" encoding="utf-8"?>
+<p:sld xmlns:a="http://schemas.openxmlformats.org/drawingml/2006/main" xmlns:r="http://schemas.openxmlformats.org/officeDocument/2006/relationships" xmlns:p="http://schemas.openxmlformats.org/presentationml/2006/main">
+  <p:cSld>
+    <p:bg>
+      <p:bgPr>
+        <a:solidFill>
+          <a:srgbClr val="FAF0CA"/>
+        </a:solidFill>
+        <a:effectLst/>
+      </p:bgPr>
+    </p:bg>
+    <p:spTree>
+      <p:nvGrpSpPr>
+        <p:cNvPr id="1" name="Shape 266">
+          <a:extLst>
+            <a:ext uri="{FF2B5EF4-FFF2-40B4-BE49-F238E27FC236}">
+              <a16:creationId xmlns:a16="http://schemas.microsoft.com/office/drawing/2014/main" id="{5CABE3C2-B098-4465-6560-AA436B66104A}"/>
+            </a:ext>
+          </a:extLst>
+        </p:cNvPr>
+        <p:cNvGrpSpPr/>
+        <p:nvPr/>
+      </p:nvGrpSpPr>
+      <p:grpSpPr>
+        <a:xfrm>
+          <a:off x="0" y="0"/>
+          <a:ext cx="0" cy="0"/>
+          <a:chOff x="0" y="0"/>
+          <a:chExt cx="0" cy="0"/>
+        </a:xfrm>
+      </p:grpSpPr>
+      <p:sp>
+        <p:nvSpPr>
+          <p:cNvPr id="268" name="Google Shape;268;p21">
+            <a:extLst>
+              <a:ext uri="{FF2B5EF4-FFF2-40B4-BE49-F238E27FC236}">
+                <a16:creationId xmlns:a16="http://schemas.microsoft.com/office/drawing/2014/main" id="{431E9AA8-AC07-B60C-277E-CF599BB18A25}"/>
+              </a:ext>
+            </a:extLst>
+          </p:cNvPr>
+          <p:cNvSpPr txBox="1"/>
+          <p:nvPr/>
+        </p:nvSpPr>
+        <p:spPr>
+          <a:xfrm>
+            <a:off x="656756" y="1266980"/>
+            <a:ext cx="16974487" cy="984885"/>
+          </a:xfrm>
+          <a:prstGeom prst="rect">
+            <a:avLst/>
+          </a:prstGeom>
+          <a:noFill/>
+          <a:ln>
+            <a:noFill/>
+          </a:ln>
+        </p:spPr>
+        <p:txBody>
+          <a:bodyPr spcFirstLastPara="1" wrap="square" lIns="0" tIns="0" rIns="0" bIns="0" anchor="t" anchorCtr="0">
+            <a:spAutoFit/>
+          </a:bodyPr>
+          <a:lstStyle/>
+          <a:p>
+            <a:pPr marL="0" marR="0" lvl="0" indent="0" algn="ctr" rtl="0">
+              <a:lnSpc>
+                <a:spcPct val="80000"/>
+              </a:lnSpc>
+              <a:spcBef>
+                <a:spcPts val="0"/>
+              </a:spcBef>
+              <a:spcAft>
+                <a:spcPts val="0"/>
+              </a:spcAft>
+              <a:buNone/>
+            </a:pPr>
+            <a:r>
+              <a:rPr lang="en-US" sz="8000" b="1">
+                <a:solidFill>
+                  <a:srgbClr val="05041D"/>
+                </a:solidFill>
+                <a:latin typeface="Inter"/>
+                <a:ea typeface="Inter"/>
+                <a:sym typeface="Inter"/>
+              </a:rPr>
+              <a:t>MOTIVATION AND IMPORTANCE</a:t>
+            </a:r>
+            <a:endParaRPr/>
+          </a:p>
+        </p:txBody>
+      </p:sp>
+      <p:sp>
+        <p:nvSpPr>
+          <p:cNvPr id="3" name="TextBox 2">
+            <a:extLst>
+              <a:ext uri="{FF2B5EF4-FFF2-40B4-BE49-F238E27FC236}">
+                <a16:creationId xmlns:a16="http://schemas.microsoft.com/office/drawing/2014/main" id="{3AABF172-1807-BB6F-418E-BE2C4A298A6E}"/>
+              </a:ext>
+            </a:extLst>
+          </p:cNvPr>
+          <p:cNvSpPr txBox="1"/>
+          <p:nvPr/>
+        </p:nvSpPr>
+        <p:spPr>
+          <a:xfrm>
+            <a:off x="1674254" y="4031087"/>
+            <a:ext cx="473206" cy="523220"/>
+          </a:xfrm>
+          <a:prstGeom prst="rect">
+            <a:avLst/>
+          </a:prstGeom>
+          <a:noFill/>
+        </p:spPr>
+        <p:txBody>
+          <a:bodyPr wrap="none" rtlCol="0">
+            <a:spAutoFit/>
+          </a:bodyPr>
+          <a:lstStyle/>
+          <a:p>
+            <a:pPr marL="285750" indent="-285750">
+              <a:buFont typeface="Arial" panose="020B0604020202020204" pitchFamily="34" charset="0"/>
+              <a:buChar char="•"/>
+            </a:pPr>
+            <a:endParaRPr lang="en-US" sz="2800"/>
+          </a:p>
+        </p:txBody>
+      </p:sp>
+      <p:sp>
+        <p:nvSpPr>
+          <p:cNvPr id="4" name="TextBox 3">
+            <a:extLst>
+              <a:ext uri="{FF2B5EF4-FFF2-40B4-BE49-F238E27FC236}">
+                <a16:creationId xmlns:a16="http://schemas.microsoft.com/office/drawing/2014/main" id="{A5DAB911-760A-5B9B-F811-325A0663FCFA}"/>
+              </a:ext>
+            </a:extLst>
+          </p:cNvPr>
+          <p:cNvSpPr txBox="1"/>
+          <p:nvPr/>
+        </p:nvSpPr>
+        <p:spPr>
+          <a:xfrm>
+            <a:off x="2147460" y="2725954"/>
+            <a:ext cx="12492574" cy="7109639"/>
+          </a:xfrm>
+          <a:prstGeom prst="rect">
+            <a:avLst/>
+          </a:prstGeom>
+          <a:noFill/>
+        </p:spPr>
+        <p:txBody>
+          <a:bodyPr wrap="square" rtlCol="0">
+            <a:spAutoFit/>
+          </a:bodyPr>
+          <a:lstStyle/>
+          <a:p>
+            <a:r>
+              <a:rPr lang="en-US" sz="2400" b="1">
+                <a:solidFill>
+                  <a:schemeClr val="tx1"/>
+                </a:solidFill>
+                <a:latin typeface="+mn-lt"/>
+                <a:ea typeface="Inter"/>
+                <a:sym typeface="Inter"/>
+              </a:rPr>
+              <a:t>Why?</a:t>
+            </a:r>
+          </a:p>
+          <a:p>
+            <a:endParaRPr lang="en-US" sz="2400" b="1">
+              <a:solidFill>
+                <a:schemeClr val="tx1"/>
+              </a:solidFill>
+              <a:latin typeface="+mn-lt"/>
+              <a:ea typeface="Inter"/>
+              <a:sym typeface="Inter"/>
+            </a:endParaRPr>
+          </a:p>
+          <a:p>
+            <a:pPr marL="571500" indent="-571500">
+              <a:buFont typeface="Arial" panose="020B0604020202020204" pitchFamily="34" charset="0"/>
+              <a:buChar char="•"/>
+            </a:pPr>
+            <a:r>
+              <a:rPr lang="en-US" sz="2400">
+                <a:solidFill>
+                  <a:schemeClr val="tx1"/>
+                </a:solidFill>
+                <a:latin typeface="+mn-lt"/>
+                <a:ea typeface="Inter"/>
+                <a:sym typeface="Inter"/>
+              </a:rPr>
+              <a:t>Businesses rely on data-driven decisions</a:t>
+            </a:r>
+          </a:p>
+          <a:p>
+            <a:pPr marL="571500" indent="-571500">
+              <a:buFont typeface="Arial" panose="020B0604020202020204" pitchFamily="34" charset="0"/>
+              <a:buChar char="•"/>
+            </a:pPr>
+            <a:r>
+              <a:rPr lang="en-US" sz="2400">
+                <a:solidFill>
+                  <a:schemeClr val="tx1"/>
+                </a:solidFill>
+                <a:latin typeface="+mn-lt"/>
+                <a:ea typeface="Inter"/>
+                <a:sym typeface="Inter"/>
+              </a:rPr>
+              <a:t>Currently solutions lack interactivity</a:t>
+            </a:r>
+          </a:p>
+          <a:p>
+            <a:pPr marL="571500" indent="-571500">
+              <a:buFont typeface="Arial" panose="020B0604020202020204" pitchFamily="34" charset="0"/>
+              <a:buChar char="•"/>
+            </a:pPr>
+            <a:r>
+              <a:rPr lang="en-US" sz="2400">
+                <a:solidFill>
+                  <a:schemeClr val="tx1"/>
+                </a:solidFill>
+                <a:latin typeface="+mn-lt"/>
+                <a:ea typeface="Inter"/>
+                <a:sym typeface="Inter"/>
+              </a:rPr>
+              <a:t>Incorporating external factors enhances sales trends</a:t>
+            </a:r>
+          </a:p>
+          <a:p>
+            <a:endParaRPr lang="en-US" sz="2400">
+              <a:solidFill>
+                <a:schemeClr val="tx1"/>
+              </a:solidFill>
+              <a:latin typeface="+mn-lt"/>
+              <a:ea typeface="Inter"/>
+              <a:sym typeface="Inter"/>
+            </a:endParaRPr>
+          </a:p>
+          <a:p>
+            <a:r>
+              <a:rPr lang="en-US" sz="2400" b="1">
+                <a:solidFill>
+                  <a:schemeClr val="tx1"/>
+                </a:solidFill>
+                <a:latin typeface="+mn-lt"/>
+                <a:ea typeface="Inter"/>
+                <a:sym typeface="Inter"/>
+              </a:rPr>
+              <a:t>How?</a:t>
+            </a:r>
+          </a:p>
+          <a:p>
+            <a:endParaRPr lang="en-US" sz="2400" b="1">
+              <a:solidFill>
+                <a:schemeClr val="tx1"/>
+              </a:solidFill>
+              <a:latin typeface="+mn-lt"/>
+              <a:ea typeface="Inter"/>
+              <a:sym typeface="Inter"/>
+            </a:endParaRPr>
+          </a:p>
+          <a:p>
+            <a:pPr marL="571500" indent="-571500">
+              <a:buFont typeface="Arial" panose="020B0604020202020204" pitchFamily="34" charset="0"/>
+              <a:buChar char="•"/>
+            </a:pPr>
+            <a:r>
+              <a:rPr lang="en-US" sz="2400">
+                <a:solidFill>
+                  <a:schemeClr val="tx1"/>
+                </a:solidFill>
+                <a:latin typeface="+mn-lt"/>
+                <a:ea typeface="Inter"/>
+                <a:sym typeface="Inter"/>
+              </a:rPr>
+              <a:t>Develop smarter marketing strategies</a:t>
+            </a:r>
+          </a:p>
+          <a:p>
+            <a:pPr marL="571500" indent="-571500">
+              <a:buFont typeface="Arial" panose="020B0604020202020204" pitchFamily="34" charset="0"/>
+              <a:buChar char="•"/>
+            </a:pPr>
+            <a:r>
+              <a:rPr lang="en-US" sz="2400">
+                <a:solidFill>
+                  <a:schemeClr val="tx1"/>
+                </a:solidFill>
+                <a:latin typeface="+mn-lt"/>
+                <a:ea typeface="Inter"/>
+                <a:sym typeface="Inter"/>
+              </a:rPr>
+              <a:t>Enhance inventory management</a:t>
+            </a:r>
+          </a:p>
+          <a:p>
+            <a:pPr marL="571500" indent="-571500">
+              <a:buFont typeface="Arial" panose="020B0604020202020204" pitchFamily="34" charset="0"/>
+              <a:buChar char="•"/>
+            </a:pPr>
+            <a:r>
+              <a:rPr lang="en-US" sz="2400">
+                <a:solidFill>
+                  <a:schemeClr val="tx1"/>
+                </a:solidFill>
+                <a:latin typeface="+mn-lt"/>
+                <a:ea typeface="Inter"/>
+                <a:sym typeface="Inter"/>
+              </a:rPr>
+              <a:t>Understand your customer base</a:t>
+            </a:r>
+          </a:p>
+          <a:p>
+            <a:pPr marL="571500" indent="-571500">
+              <a:buFont typeface="Arial" panose="020B0604020202020204" pitchFamily="34" charset="0"/>
+              <a:buChar char="•"/>
+            </a:pPr>
+            <a:r>
+              <a:rPr lang="en-US" sz="2400">
+                <a:solidFill>
+                  <a:schemeClr val="tx1"/>
+                </a:solidFill>
+                <a:latin typeface="+mn-lt"/>
+                <a:ea typeface="Inter"/>
+                <a:sym typeface="Inter"/>
+              </a:rPr>
+              <a:t>Pinpoint peak sales periods</a:t>
+            </a:r>
+          </a:p>
+          <a:p>
+            <a:endParaRPr lang="en-US" sz="2400">
+              <a:solidFill>
+                <a:schemeClr val="tx1"/>
+              </a:solidFill>
+              <a:latin typeface="+mn-lt"/>
+              <a:ea typeface="Inter"/>
+              <a:sym typeface="Inter"/>
+            </a:endParaRPr>
+          </a:p>
+          <a:p>
+            <a:r>
+              <a:rPr lang="en-US" sz="2400" b="1">
+                <a:solidFill>
+                  <a:schemeClr val="tx1"/>
+                </a:solidFill>
+                <a:latin typeface="+mn-lt"/>
+                <a:ea typeface="Inter"/>
+                <a:sym typeface="Inter"/>
+              </a:rPr>
+              <a:t>Added Value:</a:t>
+            </a:r>
+          </a:p>
+          <a:p>
+            <a:endParaRPr lang="en-US" sz="2400" b="1">
+              <a:solidFill>
+                <a:schemeClr val="tx1"/>
+              </a:solidFill>
+              <a:latin typeface="+mn-lt"/>
+              <a:ea typeface="Inter"/>
+              <a:sym typeface="Inter"/>
+            </a:endParaRPr>
+          </a:p>
+          <a:p>
+            <a:pPr marL="342900" indent="-342900">
+              <a:buFont typeface="Arial" panose="020B0604020202020204" pitchFamily="34" charset="0"/>
+              <a:buChar char="•"/>
+            </a:pPr>
+            <a:r>
+              <a:rPr lang="en-US" sz="2400">
+                <a:solidFill>
+                  <a:schemeClr val="tx1"/>
+                </a:solidFill>
+                <a:latin typeface="+mn-lt"/>
+                <a:ea typeface="Inter"/>
+                <a:sym typeface="Inter"/>
+              </a:rPr>
+              <a:t>Improved operational efficiency</a:t>
+            </a:r>
+          </a:p>
+          <a:p>
+            <a:pPr marL="342900" indent="-342900">
+              <a:buFont typeface="Arial" panose="020B0604020202020204" pitchFamily="34" charset="0"/>
+              <a:buChar char="•"/>
+            </a:pPr>
+            <a:r>
+              <a:rPr lang="en-US" sz="2400">
+                <a:solidFill>
+                  <a:schemeClr val="tx1"/>
+                </a:solidFill>
+                <a:latin typeface="+mn-lt"/>
+                <a:ea typeface="Inter"/>
+                <a:sym typeface="Inter"/>
+              </a:rPr>
+              <a:t>Data readable by all</a:t>
+            </a:r>
+          </a:p>
+          <a:p>
+            <a:pPr marL="342900" indent="-342900">
+              <a:buFont typeface="Arial" panose="020B0604020202020204" pitchFamily="34" charset="0"/>
+              <a:buChar char="•"/>
+            </a:pPr>
+            <a:r>
+              <a:rPr lang="en-US" sz="2400">
+                <a:solidFill>
+                  <a:schemeClr val="tx1"/>
+                </a:solidFill>
+                <a:latin typeface="+mn-lt"/>
+                <a:ea typeface="Inter"/>
+                <a:sym typeface="Inter"/>
+              </a:rPr>
+              <a:t>Scalability</a:t>
+            </a:r>
+          </a:p>
+          <a:p>
+            <a:pPr marL="571500" indent="-571500">
+              <a:buFont typeface="Arial" panose="020B0604020202020204" pitchFamily="34" charset="0"/>
+              <a:buChar char="•"/>
+            </a:pPr>
+            <a:endParaRPr lang="en-US" sz="2400">
+              <a:solidFill>
+                <a:schemeClr val="tx1"/>
+              </a:solidFill>
+              <a:latin typeface="+mn-lt"/>
+              <a:ea typeface="Inter"/>
+              <a:sym typeface="Inter"/>
+            </a:endParaRPr>
+          </a:p>
+        </p:txBody>
+      </p:sp>
+    </p:spTree>
+    <p:extLst>
+      <p:ext uri="{BB962C8B-B14F-4D97-AF65-F5344CB8AC3E}">
+        <p14:creationId xmlns:p14="http://schemas.microsoft.com/office/powerpoint/2010/main" val="1659730611"/>
+      </p:ext>
+    </p:extLst>
+  </p:cSld>
+  <p:clrMapOvr>
+    <a:masterClrMapping/>
+  </p:clrMapOvr>
+  <p:transition>
+    <p:push/>
+  </p:transition>
+</p:sld>
+</file>
+
+<file path=ppt/slides/slide4.xml><?xml version="1.0" encoding="utf-8"?>
+<p:sld xmlns:a="http://schemas.openxmlformats.org/drawingml/2006/main" xmlns:r="http://schemas.openxmlformats.org/officeDocument/2006/relationships" xmlns:p="http://schemas.openxmlformats.org/presentationml/2006/main">
+  <p:cSld>
+    <p:bg>
+      <p:bgPr>
+        <a:solidFill>
+          <a:srgbClr val="FAF0CA"/>
+        </a:solidFill>
+        <a:effectLst/>
+      </p:bgPr>
+    </p:bg>
+    <p:spTree>
+      <p:nvGrpSpPr>
+        <p:cNvPr id="1" name="Shape 253"/>
+        <p:cNvGrpSpPr/>
+        <p:nvPr/>
+      </p:nvGrpSpPr>
+      <p:grpSpPr>
+        <a:xfrm>
+          <a:off x="0" y="0"/>
+          <a:ext cx="0" cy="0"/>
+          <a:chOff x="0" y="0"/>
+          <a:chExt cx="0" cy="0"/>
+        </a:xfrm>
+      </p:grpSpPr>
+      <p:sp>
+        <p:nvSpPr>
+          <p:cNvPr id="254" name="Google Shape;254;p20"/>
+          <p:cNvSpPr txBox="1"/>
+          <p:nvPr/>
+        </p:nvSpPr>
+        <p:spPr>
+          <a:xfrm>
+            <a:off x="904094" y="1162050"/>
+            <a:ext cx="16479811" cy="984885"/>
+          </a:xfrm>
+          <a:prstGeom prst="rect">
+            <a:avLst/>
+          </a:prstGeom>
+          <a:noFill/>
+          <a:ln>
+            <a:noFill/>
+          </a:ln>
+        </p:spPr>
+        <p:txBody>
+          <a:bodyPr spcFirstLastPara="1" wrap="square" lIns="0" tIns="0" rIns="0" bIns="0" anchor="t" anchorCtr="0">
+            <a:spAutoFit/>
+          </a:bodyPr>
+          <a:lstStyle/>
+          <a:p>
+            <a:pPr marL="0" marR="0" lvl="0" indent="0" algn="ctr" rtl="0">
+              <a:lnSpc>
+                <a:spcPct val="80000"/>
+              </a:lnSpc>
+              <a:spcBef>
+                <a:spcPts val="0"/>
+              </a:spcBef>
+              <a:spcAft>
+                <a:spcPts val="0"/>
+              </a:spcAft>
+              <a:buNone/>
+            </a:pPr>
+            <a:r>
+              <a:rPr lang="en-US" sz="8000" b="1" i="0" u="none" strike="noStrike" cap="none">
+                <a:solidFill>
+                  <a:srgbClr val="05041D"/>
+                </a:solidFill>
+                <a:latin typeface="Inter"/>
+                <a:ea typeface="Inter"/>
+                <a:cs typeface="Inter"/>
+                <a:sym typeface="Inter"/>
+              </a:rPr>
+              <a:t>DATA SOURCES</a:t>
+            </a:r>
+            <a:endParaRPr lang="en-US"/>
+          </a:p>
+        </p:txBody>
+      </p:sp>
+      <p:pic>
+        <p:nvPicPr>
+          <p:cNvPr id="7" name="Picture 6" descr="A diagram of a company&#10;&#10;Description automatically generated">
+            <a:extLst>
+              <a:ext uri="{FF2B5EF4-FFF2-40B4-BE49-F238E27FC236}">
+                <a16:creationId xmlns:a16="http://schemas.microsoft.com/office/drawing/2014/main" id="{E1312CA4-50F0-A1DD-C146-0004EDE9E5DB}"/>
+              </a:ext>
+            </a:extLst>
+          </p:cNvPr>
+          <p:cNvPicPr>
+            <a:picLocks noChangeAspect="1"/>
+          </p:cNvPicPr>
+          <p:nvPr/>
+        </p:nvPicPr>
+        <p:blipFill>
+          <a:blip r:embed="rId3"/>
+          <a:stretch>
+            <a:fillRect/>
+          </a:stretch>
+        </p:blipFill>
+        <p:spPr>
+          <a:xfrm>
+            <a:off x="494009" y="2573285"/>
+            <a:ext cx="10523621" cy="6796505"/>
+          </a:xfrm>
+          <a:prstGeom prst="rect">
+            <a:avLst/>
+          </a:prstGeom>
+        </p:spPr>
+      </p:pic>
+      <p:sp>
+        <p:nvSpPr>
+          <p:cNvPr id="2" name="TextBox 1">
+            <a:extLst>
+              <a:ext uri="{FF2B5EF4-FFF2-40B4-BE49-F238E27FC236}">
+                <a16:creationId xmlns:a16="http://schemas.microsoft.com/office/drawing/2014/main" id="{B0151F3D-BDFD-9EFF-9BA1-8F7C27D0AFD2}"/>
+              </a:ext>
+            </a:extLst>
+          </p:cNvPr>
+          <p:cNvSpPr txBox="1"/>
+          <p:nvPr/>
+        </p:nvSpPr>
+        <p:spPr>
+          <a:xfrm>
+            <a:off x="11429999" y="2667000"/>
+            <a:ext cx="6637421" cy="6463308"/>
+          </a:xfrm>
+          <a:prstGeom prst="rect">
+            <a:avLst/>
+          </a:prstGeom>
+          <a:noFill/>
+        </p:spPr>
+        <p:txBody>
+          <a:bodyPr rot="0" spcFirstLastPara="0" vertOverflow="overflow" horzOverflow="overflow" vert="horz" wrap="square" lIns="91440" tIns="45720" rIns="91440" bIns="45720" numCol="1" spcCol="0" rtlCol="0" fromWordArt="0" anchor="t" anchorCtr="0" forceAA="0" compatLnSpc="1">
+            <a:prstTxWarp prst="textNoShape">
+              <a:avLst/>
+            </a:prstTxWarp>
+            <a:spAutoFit/>
+          </a:bodyPr>
+          <a:lstStyle/>
+          <a:p>
+            <a:pPr algn="l"/>
+            <a:endParaRPr lang="en-US" sz="2000"/>
+          </a:p>
+          <a:p>
+            <a:pPr>
+              <a:buChar char="•"/>
+            </a:pPr>
+            <a:r>
+              <a:rPr lang="en-US" sz="2000" b="1"/>
+              <a:t>Sales</a:t>
+            </a:r>
+            <a:endParaRPr lang="en-US" sz="2000"/>
+          </a:p>
+          <a:p>
+            <a:pPr marL="457200" lvl="1">
+              <a:buFont typeface="Courier New"/>
+              <a:buChar char="o"/>
+            </a:pPr>
+            <a:r>
+              <a:rPr lang="en-US" sz="2000"/>
+              <a:t>Combined data for instore purchases from Walmart datasets and online purchases from Amazon data on Kaggle.</a:t>
+            </a:r>
+          </a:p>
+          <a:p>
+            <a:pPr marL="457200" lvl="1">
+              <a:buFont typeface="Courier New"/>
+              <a:buChar char="o"/>
+            </a:pPr>
+            <a:endParaRPr lang="en-US" sz="2000"/>
+          </a:p>
+          <a:p>
+            <a:pPr>
+              <a:buChar char="•"/>
+            </a:pPr>
+            <a:r>
+              <a:rPr lang="en-US" sz="2000" b="1"/>
+              <a:t>Locations</a:t>
+            </a:r>
+            <a:endParaRPr lang="en-US" sz="2000"/>
+          </a:p>
+          <a:p>
+            <a:pPr marL="457200" lvl="1">
+              <a:buFont typeface="Courier New"/>
+              <a:buChar char="o"/>
+            </a:pPr>
+            <a:r>
+              <a:rPr lang="en-US" sz="2000"/>
+              <a:t> Studied how Walmart organizes stores across 2,614 cities and created a dataset for 2,000 cities based on proximity and population.</a:t>
+            </a:r>
+          </a:p>
+          <a:p>
+            <a:pPr marL="457200" lvl="1">
+              <a:buFont typeface="Courier New"/>
+              <a:buChar char="o"/>
+            </a:pPr>
+            <a:endParaRPr lang="en-US" sz="2000"/>
+          </a:p>
+          <a:p>
+            <a:pPr>
+              <a:buChar char="•"/>
+            </a:pPr>
+            <a:r>
+              <a:rPr lang="en-US" sz="2000" b="1"/>
+              <a:t>Holidays</a:t>
+            </a:r>
+            <a:endParaRPr lang="en-US" sz="2000"/>
+          </a:p>
+          <a:p>
+            <a:pPr marL="457200" lvl="1">
+              <a:buFont typeface="Courier New"/>
+              <a:buChar char="o"/>
+            </a:pPr>
+            <a:r>
+              <a:rPr lang="en-US" sz="2000"/>
+              <a:t>Designed a dataset combining national holidays, regional holidays, and major retail events like Black Friday (2018–2023).</a:t>
+            </a:r>
+          </a:p>
+          <a:p>
+            <a:pPr marL="457200" lvl="1">
+              <a:buFont typeface="Courier New"/>
+              <a:buChar char="o"/>
+            </a:pPr>
+            <a:endParaRPr lang="en-US" sz="2000"/>
+          </a:p>
+          <a:p>
+            <a:pPr>
+              <a:buChar char="•"/>
+            </a:pPr>
+            <a:r>
+              <a:rPr lang="en-US" sz="2000" b="1"/>
+              <a:t>Customer Demographics</a:t>
+            </a:r>
+            <a:endParaRPr lang="en-US" sz="2000"/>
+          </a:p>
+          <a:p>
+            <a:pPr marL="457200" lvl="1">
+              <a:buFont typeface="Courier New"/>
+              <a:buChar char="o"/>
+            </a:pPr>
+            <a:r>
+              <a:rPr lang="en-US" sz="2000"/>
+              <a:t>Synthesized data for 50,000 customers, including gender-neutral options, mapped to the 2,000 cities dataset.</a:t>
+            </a:r>
+          </a:p>
+          <a:p>
+            <a:pPr marL="285750" indent="-285750">
+              <a:buChar char="•"/>
+            </a:pPr>
+            <a:endParaRPr lang="en-US"/>
+          </a:p>
+        </p:txBody>
+      </p:sp>
+    </p:spTree>
+  </p:cSld>
+  <p:clrMapOvr>
+    <a:masterClrMapping/>
+  </p:clrMapOvr>
+  <p:transition>
+    <p:push/>
+  </p:transition>
+</p:sld>
+</file>
+
+<file path=ppt/slides/slide5.xml><?xml version="1.0" encoding="utf-8"?>
+<p:sld xmlns:a="http://schemas.openxmlformats.org/drawingml/2006/main" xmlns:r="http://schemas.openxmlformats.org/officeDocument/2006/relationships" xmlns:p="http://schemas.openxmlformats.org/presentationml/2006/main">
+  <p:cSld>
+    <p:bg>
+      <p:bgPr>
+        <a:solidFill>
+          <a:srgbClr val="FAF0CA"/>
+        </a:solidFill>
+        <a:effectLst/>
+      </p:bgPr>
+    </p:bg>
+    <p:spTree>
+      <p:nvGrpSpPr>
+        <p:cNvPr id="1" name="Shape 226"/>
+        <p:cNvGrpSpPr/>
+        <p:nvPr/>
+      </p:nvGrpSpPr>
+      <p:grpSpPr>
+        <a:xfrm>
+          <a:off x="0" y="0"/>
+          <a:ext cx="0" cy="0"/>
+          <a:chOff x="0" y="0"/>
+          <a:chExt cx="0" cy="0"/>
+        </a:xfrm>
+      </p:grpSpPr>
+      <p:sp>
+        <p:nvSpPr>
+          <p:cNvPr id="237" name="Google Shape;237;p19"/>
+          <p:cNvSpPr txBox="1"/>
+          <p:nvPr/>
+        </p:nvSpPr>
+        <p:spPr>
+          <a:xfrm>
+            <a:off x="2171639" y="935730"/>
+            <a:ext cx="13944600" cy="985200"/>
+          </a:xfrm>
+          <a:prstGeom prst="rect">
+            <a:avLst/>
+          </a:prstGeom>
+          <a:noFill/>
+          <a:ln>
+            <a:noFill/>
+          </a:ln>
+        </p:spPr>
+        <p:txBody>
+          <a:bodyPr spcFirstLastPara="1" wrap="square" lIns="0" tIns="0" rIns="0" bIns="0" anchor="t" anchorCtr="0">
+            <a:spAutoFit/>
+          </a:bodyPr>
+          <a:lstStyle/>
+          <a:p>
+            <a:pPr marL="0" marR="0" lvl="0" indent="0" algn="ctr" rtl="0">
+              <a:lnSpc>
+                <a:spcPct val="80000"/>
+              </a:lnSpc>
+              <a:spcBef>
+                <a:spcPts val="0"/>
+              </a:spcBef>
+              <a:spcAft>
+                <a:spcPts val="0"/>
+              </a:spcAft>
+              <a:buNone/>
+            </a:pPr>
+            <a:r>
+              <a:rPr lang="en-US" sz="8000" b="1" i="0" u="none" strike="noStrike" cap="none">
+                <a:solidFill>
+                  <a:srgbClr val="05041D"/>
+                </a:solidFill>
+                <a:latin typeface="Inter"/>
+                <a:ea typeface="Inter"/>
+                <a:cs typeface="Inter"/>
+                <a:sym typeface="Inter"/>
+              </a:rPr>
+              <a:t>SYSTEM ARCHITECTURE</a:t>
+            </a:r>
+            <a:endParaRPr/>
+          </a:p>
+        </p:txBody>
+      </p:sp>
+      <p:pic>
+        <p:nvPicPr>
+          <p:cNvPr id="3" name="Picture 2">
+            <a:extLst>
+              <a:ext uri="{FF2B5EF4-FFF2-40B4-BE49-F238E27FC236}">
+                <a16:creationId xmlns:a16="http://schemas.microsoft.com/office/drawing/2014/main" id="{327E0AE4-0739-9B19-4CD3-CF2DFC4D0D84}"/>
+              </a:ext>
+            </a:extLst>
+          </p:cNvPr>
+          <p:cNvPicPr>
+            <a:picLocks noChangeAspect="1"/>
+          </p:cNvPicPr>
+          <p:nvPr/>
+        </p:nvPicPr>
+        <p:blipFill>
+          <a:blip r:embed="rId3"/>
+          <a:stretch>
+            <a:fillRect/>
+          </a:stretch>
+        </p:blipFill>
+        <p:spPr>
+          <a:xfrm>
+            <a:off x="2222992" y="3016073"/>
+            <a:ext cx="13825976" cy="5934743"/>
+          </a:xfrm>
+          <a:prstGeom prst="rect">
+            <a:avLst/>
+          </a:prstGeom>
+        </p:spPr>
+      </p:pic>
+    </p:spTree>
+  </p:cSld>
+  <p:clrMapOvr>
+    <a:masterClrMapping/>
+  </p:clrMapOvr>
+  <p:transition>
+    <p:push/>
+  </p:transition>
+</p:sld>
+</file>
+
+<file path=ppt/slides/slide6.xml><?xml version="1.0" encoding="utf-8"?>
 <p:sld xmlns:a="http://schemas.openxmlformats.org/drawingml/2006/main" xmlns:r="http://schemas.openxmlformats.org/officeDocument/2006/relationships" xmlns:p="http://schemas.openxmlformats.org/presentationml/2006/main">
   <p:cSld>
     <p:bg>
@@ -10331,7 +10741,7 @@
         </p:nvSpPr>
         <p:spPr>
           <a:xfrm>
-            <a:off x="1028700" y="1251990"/>
+            <a:off x="1028700" y="4651057"/>
             <a:ext cx="16230600" cy="984885"/>
           </a:xfrm>
           <a:prstGeom prst="rect">
@@ -10361,7 +10771,7 @@
               <a:buNone/>
             </a:pPr>
             <a:r>
-              <a:rPr lang="en-US" sz="8000" b="1" dirty="0">
+              <a:rPr lang="en-US" sz="8000" b="1">
                 <a:solidFill>
                   <a:srgbClr val="05041D"/>
                 </a:solidFill>
@@ -10369,9 +10779,9 @@
                 <a:ea typeface="Inter"/>
                 <a:sym typeface="Inter"/>
               </a:rPr>
-              <a:t>DATABASE SCHEMA DESIGN</a:t>
+              <a:t>BACKEND DEMO</a:t>
             </a:r>
-            <a:endParaRPr dirty="0"/>
+            <a:endParaRPr/>
           </a:p>
         </p:txBody>
       </p:sp>
@@ -10386,7 +10796,112 @@
 </p:sld>
 </file>
 
-<file path=ppt/slides/slide11.xml><?xml version="1.0" encoding="utf-8"?>
+<file path=ppt/slides/slide7.xml><?xml version="1.0" encoding="utf-8"?>
+<p:sld xmlns:a="http://schemas.openxmlformats.org/drawingml/2006/main" xmlns:r="http://schemas.openxmlformats.org/officeDocument/2006/relationships" xmlns:p="http://schemas.openxmlformats.org/presentationml/2006/main">
+  <p:cSld>
+    <p:bg>
+      <p:bgPr>
+        <a:solidFill>
+          <a:srgbClr val="FAF0CA"/>
+        </a:solidFill>
+        <a:effectLst/>
+      </p:bgPr>
+    </p:bg>
+    <p:spTree>
+      <p:nvGrpSpPr>
+        <p:cNvPr id="1" name="Shape 266">
+          <a:extLst>
+            <a:ext uri="{FF2B5EF4-FFF2-40B4-BE49-F238E27FC236}">
+              <a16:creationId xmlns:a16="http://schemas.microsoft.com/office/drawing/2014/main" id="{B6A63148-77AE-E72C-6C04-8C122D52F500}"/>
+            </a:ext>
+          </a:extLst>
+        </p:cNvPr>
+        <p:cNvGrpSpPr/>
+        <p:nvPr/>
+      </p:nvGrpSpPr>
+      <p:grpSpPr>
+        <a:xfrm>
+          <a:off x="0" y="0"/>
+          <a:ext cx="0" cy="0"/>
+          <a:chOff x="0" y="0"/>
+          <a:chExt cx="0" cy="0"/>
+        </a:xfrm>
+      </p:grpSpPr>
+      <p:sp>
+        <p:nvSpPr>
+          <p:cNvPr id="268" name="Google Shape;268;p21">
+            <a:extLst>
+              <a:ext uri="{FF2B5EF4-FFF2-40B4-BE49-F238E27FC236}">
+                <a16:creationId xmlns:a16="http://schemas.microsoft.com/office/drawing/2014/main" id="{4C149CFB-A2E9-7F5B-88A5-9F7AC580DA80}"/>
+              </a:ext>
+            </a:extLst>
+          </p:cNvPr>
+          <p:cNvSpPr txBox="1"/>
+          <p:nvPr/>
+        </p:nvSpPr>
+        <p:spPr>
+          <a:xfrm>
+            <a:off x="1028700" y="4651057"/>
+            <a:ext cx="16230600" cy="984885"/>
+          </a:xfrm>
+          <a:prstGeom prst="rect">
+            <a:avLst/>
+          </a:prstGeom>
+          <a:noFill/>
+          <a:ln>
+            <a:noFill/>
+          </a:ln>
+        </p:spPr>
+        <p:txBody>
+          <a:bodyPr spcFirstLastPara="1" wrap="square" lIns="0" tIns="0" rIns="0" bIns="0" anchor="t" anchorCtr="0">
+            <a:spAutoFit/>
+          </a:bodyPr>
+          <a:lstStyle/>
+          <a:p>
+            <a:pPr marL="0" marR="0" lvl="0" indent="0" algn="ctr" rtl="0">
+              <a:lnSpc>
+                <a:spcPct val="80000"/>
+              </a:lnSpc>
+              <a:spcBef>
+                <a:spcPts val="0"/>
+              </a:spcBef>
+              <a:spcAft>
+                <a:spcPts val="0"/>
+              </a:spcAft>
+              <a:buNone/>
+            </a:pPr>
+            <a:r>
+              <a:rPr lang="en-US" sz="8000" b="1">
+                <a:solidFill>
+                  <a:srgbClr val="05041D"/>
+                </a:solidFill>
+                <a:latin typeface="Inter"/>
+                <a:ea typeface="Inter"/>
+                <a:sym typeface="Inter"/>
+              </a:rPr>
+              <a:t>DASHBOARD DEMO</a:t>
+            </a:r>
+            <a:endParaRPr/>
+          </a:p>
+        </p:txBody>
+      </p:sp>
+    </p:spTree>
+    <p:extLst>
+      <p:ext uri="{BB962C8B-B14F-4D97-AF65-F5344CB8AC3E}">
+        <p14:creationId xmlns:p14="http://schemas.microsoft.com/office/powerpoint/2010/main" val="75171748"/>
+      </p:ext>
+    </p:extLst>
+  </p:cSld>
+  <p:clrMapOvr>
+    <a:masterClrMapping/>
+  </p:clrMapOvr>
+  <p:transition>
+    <p:push/>
+  </p:transition>
+</p:sld>
+</file>
+
+<file path=ppt/slides/slide8.xml><?xml version="1.0" encoding="utf-8"?>
 <p:sld xmlns:a="http://schemas.openxmlformats.org/drawingml/2006/main" xmlns:r="http://schemas.openxmlformats.org/officeDocument/2006/relationships" xmlns:p="http://schemas.openxmlformats.org/presentationml/2006/main">
   <p:cSld>
     <p:bg>
@@ -10461,7 +10976,7 @@
               <a:buNone/>
             </a:pPr>
             <a:r>
-              <a:rPr lang="en-US" sz="8000" b="1" dirty="0">
+              <a:rPr lang="en-US" sz="8000" b="1">
                 <a:solidFill>
                   <a:srgbClr val="05041D"/>
                 </a:solidFill>
@@ -10469,9 +10984,231 @@
                 <a:ea typeface="Inter"/>
                 <a:sym typeface="Inter"/>
               </a:rPr>
-              <a:t>ETL PIPELINE OVERVIEW</a:t>
+              <a:t>CONCLUSION</a:t>
             </a:r>
-            <a:endParaRPr dirty="0"/>
+            <a:endParaRPr/>
+          </a:p>
+        </p:txBody>
+      </p:sp>
+      <p:sp>
+        <p:nvSpPr>
+          <p:cNvPr id="4" name="TextBox 3">
+            <a:extLst>
+              <a:ext uri="{FF2B5EF4-FFF2-40B4-BE49-F238E27FC236}">
+                <a16:creationId xmlns:a16="http://schemas.microsoft.com/office/drawing/2014/main" id="{E1A5B050-7063-1448-04C3-FC8E2E46ED0C}"/>
+              </a:ext>
+            </a:extLst>
+          </p:cNvPr>
+          <p:cNvSpPr txBox="1"/>
+          <p:nvPr/>
+        </p:nvSpPr>
+        <p:spPr>
+          <a:xfrm>
+            <a:off x="1711234" y="2696676"/>
+            <a:ext cx="9144000" cy="4893647"/>
+          </a:xfrm>
+          <a:prstGeom prst="rect">
+            <a:avLst/>
+          </a:prstGeom>
+          <a:noFill/>
+        </p:spPr>
+        <p:txBody>
+          <a:bodyPr wrap="square">
+            <a:spAutoFit/>
+          </a:bodyPr>
+          <a:lstStyle/>
+          <a:p>
+            <a:r>
+              <a:rPr lang="en-US" sz="2400" b="1">
+                <a:solidFill>
+                  <a:schemeClr val="tx1"/>
+                </a:solidFill>
+                <a:latin typeface="+mn-lt"/>
+                <a:ea typeface="Inter"/>
+                <a:sym typeface="Inter"/>
+              </a:rPr>
+              <a:t>Outcomes:</a:t>
+            </a:r>
+          </a:p>
+          <a:p>
+            <a:endParaRPr lang="en-US" sz="2400" b="1">
+              <a:solidFill>
+                <a:schemeClr val="tx1"/>
+              </a:solidFill>
+              <a:latin typeface="+mn-lt"/>
+              <a:ea typeface="Inter"/>
+              <a:sym typeface="Inter"/>
+            </a:endParaRPr>
+          </a:p>
+          <a:p>
+            <a:pPr marL="342900" indent="-342900">
+              <a:buFont typeface="Arial" panose="020B0604020202020204" pitchFamily="34" charset="0"/>
+              <a:buChar char="•"/>
+            </a:pPr>
+            <a:r>
+              <a:rPr lang="en-US" sz="2400">
+                <a:solidFill>
+                  <a:schemeClr val="tx1"/>
+                </a:solidFill>
+                <a:latin typeface="+mn-lt"/>
+                <a:ea typeface="Inter"/>
+                <a:sym typeface="Inter"/>
+              </a:rPr>
+              <a:t>Developed a scalable pipeline</a:t>
+            </a:r>
+          </a:p>
+          <a:p>
+            <a:pPr marL="342900" indent="-342900">
+              <a:buFont typeface="Arial" panose="020B0604020202020204" pitchFamily="34" charset="0"/>
+              <a:buChar char="•"/>
+            </a:pPr>
+            <a:r>
+              <a:rPr lang="en-US" sz="2400">
+                <a:solidFill>
+                  <a:schemeClr val="tx1"/>
+                </a:solidFill>
+                <a:latin typeface="+mn-lt"/>
+                <a:ea typeface="Inter"/>
+                <a:sym typeface="Inter"/>
+              </a:rPr>
+              <a:t>Interactive dashboard with filter capabilities</a:t>
+            </a:r>
+          </a:p>
+          <a:p>
+            <a:pPr marL="342900" indent="-342900">
+              <a:buFont typeface="Arial" panose="020B0604020202020204" pitchFamily="34" charset="0"/>
+              <a:buChar char="•"/>
+            </a:pPr>
+            <a:r>
+              <a:rPr lang="en-US" sz="2400">
+                <a:solidFill>
+                  <a:schemeClr val="tx1"/>
+                </a:solidFill>
+                <a:latin typeface="+mn-lt"/>
+                <a:ea typeface="Inter"/>
+                <a:sym typeface="Inter"/>
+              </a:rPr>
+              <a:t>Visualizations to support business decisions</a:t>
+            </a:r>
+          </a:p>
+          <a:p>
+            <a:pPr marL="342900" indent="-342900">
+              <a:buFont typeface="Arial" panose="020B0604020202020204" pitchFamily="34" charset="0"/>
+              <a:buChar char="•"/>
+            </a:pPr>
+            <a:r>
+              <a:rPr lang="en-US" sz="2400">
+                <a:solidFill>
+                  <a:schemeClr val="tx1"/>
+                </a:solidFill>
+                <a:latin typeface="+mn-lt"/>
+                <a:ea typeface="Inter"/>
+                <a:sym typeface="Inter"/>
+              </a:rPr>
+              <a:t>Geospatial mapping</a:t>
+            </a:r>
+          </a:p>
+          <a:p>
+            <a:pPr marL="342900" indent="-342900">
+              <a:buFont typeface="Arial" panose="020B0604020202020204" pitchFamily="34" charset="0"/>
+              <a:buChar char="•"/>
+            </a:pPr>
+            <a:endParaRPr lang="en-US" sz="2400">
+              <a:solidFill>
+                <a:schemeClr val="tx1"/>
+              </a:solidFill>
+              <a:latin typeface="+mn-lt"/>
+              <a:ea typeface="Inter"/>
+              <a:sym typeface="Inter"/>
+            </a:endParaRPr>
+          </a:p>
+          <a:p>
+            <a:r>
+              <a:rPr lang="en-US" sz="2400" b="1">
+                <a:solidFill>
+                  <a:schemeClr val="tx1"/>
+                </a:solidFill>
+                <a:latin typeface="+mn-lt"/>
+                <a:ea typeface="Inter"/>
+                <a:sym typeface="Inter"/>
+              </a:rPr>
+              <a:t>Limitations/Future work:</a:t>
+            </a:r>
+          </a:p>
+          <a:p>
+            <a:endParaRPr lang="en-US" sz="2400" b="1">
+              <a:solidFill>
+                <a:schemeClr val="tx1"/>
+              </a:solidFill>
+              <a:latin typeface="+mn-lt"/>
+              <a:ea typeface="Inter"/>
+              <a:sym typeface="Inter"/>
+            </a:endParaRPr>
+          </a:p>
+          <a:p>
+            <a:pPr marL="342900" indent="-342900">
+              <a:buFont typeface="Arial" panose="020B0604020202020204" pitchFamily="34" charset="0"/>
+              <a:buChar char="•"/>
+            </a:pPr>
+            <a:r>
+              <a:rPr lang="en-US" sz="2400">
+                <a:solidFill>
+                  <a:schemeClr val="tx1"/>
+                </a:solidFill>
+                <a:latin typeface="+mn-lt"/>
+                <a:ea typeface="Inter"/>
+                <a:sym typeface="Inter"/>
+              </a:rPr>
+              <a:t>Scale to cloud-based storage</a:t>
+            </a:r>
+          </a:p>
+          <a:p>
+            <a:pPr marL="342900" indent="-342900">
+              <a:buFont typeface="Arial" panose="020B0604020202020204" pitchFamily="34" charset="0"/>
+              <a:buChar char="•"/>
+            </a:pPr>
+            <a:r>
+              <a:rPr lang="en-US" sz="2400">
+                <a:solidFill>
+                  <a:schemeClr val="tx1"/>
+                </a:solidFill>
+                <a:latin typeface="+mn-lt"/>
+                <a:ea typeface="Inter"/>
+                <a:sym typeface="Inter"/>
+              </a:rPr>
+              <a:t>Enable real-time API</a:t>
+            </a:r>
+          </a:p>
+          <a:p>
+            <a:pPr marL="342900" indent="-342900">
+              <a:buFont typeface="Arial" panose="020B0604020202020204" pitchFamily="34" charset="0"/>
+              <a:buChar char="•"/>
+            </a:pPr>
+            <a:r>
+              <a:rPr lang="en-US" sz="2400">
+                <a:solidFill>
+                  <a:schemeClr val="tx1"/>
+                </a:solidFill>
+                <a:latin typeface="+mn-lt"/>
+                <a:ea typeface="Inter"/>
+                <a:sym typeface="Inter"/>
+              </a:rPr>
+              <a:t>Multi-channel sales data (online or in-store)</a:t>
+            </a:r>
+          </a:p>
+          <a:p>
+            <a:pPr marL="342900" indent="-342900">
+              <a:buFont typeface="Arial" panose="020B0604020202020204" pitchFamily="34" charset="0"/>
+              <a:buChar char="•"/>
+            </a:pPr>
+            <a:endParaRPr lang="en-US" sz="2400">
+              <a:solidFill>
+                <a:schemeClr val="tx1"/>
+              </a:solidFill>
+              <a:latin typeface="+mn-lt"/>
+              <a:ea typeface="Inter"/>
+              <a:sym typeface="Inter"/>
+            </a:endParaRPr>
           </a:p>
         </p:txBody>
       </p:sp>
@@ -10491,322 +11228,7 @@
 </p:sld>
 </file>
 
-<file path=ppt/slides/slide12.xml><?xml version="1.0" encoding="utf-8"?>
-<p:sld xmlns:a="http://schemas.openxmlformats.org/drawingml/2006/main" xmlns:r="http://schemas.openxmlformats.org/officeDocument/2006/relationships" xmlns:p="http://schemas.openxmlformats.org/presentationml/2006/main">
-  <p:cSld>
-    <p:bg>
-      <p:bgPr>
-        <a:solidFill>
-          <a:srgbClr val="FAF0CA"/>
-        </a:solidFill>
-        <a:effectLst/>
-      </p:bgPr>
-    </p:bg>
-    <p:spTree>
-      <p:nvGrpSpPr>
-        <p:cNvPr id="1" name="Shape 266">
-          <a:extLst>
-            <a:ext uri="{FF2B5EF4-FFF2-40B4-BE49-F238E27FC236}">
-              <a16:creationId xmlns:a16="http://schemas.microsoft.com/office/drawing/2014/main" id="{8AE07118-F7AB-C20B-40F7-DA55D136A466}"/>
-            </a:ext>
-          </a:extLst>
-        </p:cNvPr>
-        <p:cNvGrpSpPr/>
-        <p:nvPr/>
-      </p:nvGrpSpPr>
-      <p:grpSpPr>
-        <a:xfrm>
-          <a:off x="0" y="0"/>
-          <a:ext cx="0" cy="0"/>
-          <a:chOff x="0" y="0"/>
-          <a:chExt cx="0" cy="0"/>
-        </a:xfrm>
-      </p:grpSpPr>
-      <p:sp>
-        <p:nvSpPr>
-          <p:cNvPr id="268" name="Google Shape;268;p21">
-            <a:extLst>
-              <a:ext uri="{FF2B5EF4-FFF2-40B4-BE49-F238E27FC236}">
-                <a16:creationId xmlns:a16="http://schemas.microsoft.com/office/drawing/2014/main" id="{312AEB20-6ABC-0D11-891D-A90DF5A3B6BD}"/>
-              </a:ext>
-            </a:extLst>
-          </p:cNvPr>
-          <p:cNvSpPr txBox="1"/>
-          <p:nvPr/>
-        </p:nvSpPr>
-        <p:spPr>
-          <a:xfrm>
-            <a:off x="1028700" y="1251990"/>
-            <a:ext cx="16230600" cy="984885"/>
-          </a:xfrm>
-          <a:prstGeom prst="rect">
-            <a:avLst/>
-          </a:prstGeom>
-          <a:noFill/>
-          <a:ln>
-            <a:noFill/>
-          </a:ln>
-        </p:spPr>
-        <p:txBody>
-          <a:bodyPr spcFirstLastPara="1" wrap="square" lIns="0" tIns="0" rIns="0" bIns="0" anchor="t" anchorCtr="0">
-            <a:spAutoFit/>
-          </a:bodyPr>
-          <a:lstStyle/>
-          <a:p>
-            <a:pPr marL="0" marR="0" lvl="0" indent="0" algn="ctr" rtl="0">
-              <a:lnSpc>
-                <a:spcPct val="80000"/>
-              </a:lnSpc>
-              <a:spcBef>
-                <a:spcPts val="0"/>
-              </a:spcBef>
-              <a:spcAft>
-                <a:spcPts val="0"/>
-              </a:spcAft>
-              <a:buNone/>
-            </a:pPr>
-            <a:r>
-              <a:rPr lang="en-US" sz="8000" b="1" dirty="0">
-                <a:solidFill>
-                  <a:srgbClr val="05041D"/>
-                </a:solidFill>
-                <a:latin typeface="Inter"/>
-                <a:ea typeface="Inter"/>
-                <a:sym typeface="Inter"/>
-              </a:rPr>
-              <a:t>DASHBOARD DEMONSTRATION</a:t>
-            </a:r>
-            <a:endParaRPr dirty="0"/>
-          </a:p>
-        </p:txBody>
-      </p:sp>
-    </p:spTree>
-    <p:extLst>
-      <p:ext uri="{BB962C8B-B14F-4D97-AF65-F5344CB8AC3E}">
-        <p14:creationId xmlns:p14="http://schemas.microsoft.com/office/powerpoint/2010/main" val="2160083920"/>
-      </p:ext>
-    </p:extLst>
-  </p:cSld>
-  <p:clrMapOvr>
-    <a:masterClrMapping/>
-  </p:clrMapOvr>
-  <p:transition>
-    <p:push/>
-  </p:transition>
-</p:sld>
-</file>
-
-<file path=ppt/slides/slide13.xml><?xml version="1.0" encoding="utf-8"?>
-<p:sld xmlns:a="http://schemas.openxmlformats.org/drawingml/2006/main" xmlns:r="http://schemas.openxmlformats.org/officeDocument/2006/relationships" xmlns:p="http://schemas.openxmlformats.org/presentationml/2006/main">
-  <p:cSld>
-    <p:bg>
-      <p:bgPr>
-        <a:solidFill>
-          <a:srgbClr val="FAF0CA"/>
-        </a:solidFill>
-        <a:effectLst/>
-      </p:bgPr>
-    </p:bg>
-    <p:spTree>
-      <p:nvGrpSpPr>
-        <p:cNvPr id="1" name="Shape 266">
-          <a:extLst>
-            <a:ext uri="{FF2B5EF4-FFF2-40B4-BE49-F238E27FC236}">
-              <a16:creationId xmlns:a16="http://schemas.microsoft.com/office/drawing/2014/main" id="{670869D3-2201-0DC7-E107-BB4FD9E246C6}"/>
-            </a:ext>
-          </a:extLst>
-        </p:cNvPr>
-        <p:cNvGrpSpPr/>
-        <p:nvPr/>
-      </p:nvGrpSpPr>
-      <p:grpSpPr>
-        <a:xfrm>
-          <a:off x="0" y="0"/>
-          <a:ext cx="0" cy="0"/>
-          <a:chOff x="0" y="0"/>
-          <a:chExt cx="0" cy="0"/>
-        </a:xfrm>
-      </p:grpSpPr>
-      <p:sp>
-        <p:nvSpPr>
-          <p:cNvPr id="268" name="Google Shape;268;p21">
-            <a:extLst>
-              <a:ext uri="{FF2B5EF4-FFF2-40B4-BE49-F238E27FC236}">
-                <a16:creationId xmlns:a16="http://schemas.microsoft.com/office/drawing/2014/main" id="{68CE846C-3510-1A65-2B65-8405E7BE1A40}"/>
-              </a:ext>
-            </a:extLst>
-          </p:cNvPr>
-          <p:cNvSpPr txBox="1"/>
-          <p:nvPr/>
-        </p:nvSpPr>
-        <p:spPr>
-          <a:xfrm>
-            <a:off x="1028700" y="1251990"/>
-            <a:ext cx="16230600" cy="984885"/>
-          </a:xfrm>
-          <a:prstGeom prst="rect">
-            <a:avLst/>
-          </a:prstGeom>
-          <a:noFill/>
-          <a:ln>
-            <a:noFill/>
-          </a:ln>
-        </p:spPr>
-        <p:txBody>
-          <a:bodyPr spcFirstLastPara="1" wrap="square" lIns="0" tIns="0" rIns="0" bIns="0" anchor="t" anchorCtr="0">
-            <a:spAutoFit/>
-          </a:bodyPr>
-          <a:lstStyle/>
-          <a:p>
-            <a:pPr marL="0" marR="0" lvl="0" indent="0" algn="ctr" rtl="0">
-              <a:lnSpc>
-                <a:spcPct val="80000"/>
-              </a:lnSpc>
-              <a:spcBef>
-                <a:spcPts val="0"/>
-              </a:spcBef>
-              <a:spcAft>
-                <a:spcPts val="0"/>
-              </a:spcAft>
-              <a:buNone/>
-            </a:pPr>
-            <a:r>
-              <a:rPr lang="en-US" sz="8000" b="1" dirty="0">
-                <a:solidFill>
-                  <a:srgbClr val="05041D"/>
-                </a:solidFill>
-                <a:latin typeface="Inter"/>
-                <a:ea typeface="Inter"/>
-                <a:sym typeface="Inter"/>
-              </a:rPr>
-              <a:t>CHALLENGES AND SOLUTIONS</a:t>
-            </a:r>
-            <a:endParaRPr dirty="0"/>
-          </a:p>
-        </p:txBody>
-      </p:sp>
-    </p:spTree>
-    <p:extLst>
-      <p:ext uri="{BB962C8B-B14F-4D97-AF65-F5344CB8AC3E}">
-        <p14:creationId xmlns:p14="http://schemas.microsoft.com/office/powerpoint/2010/main" val="4082911134"/>
-      </p:ext>
-    </p:extLst>
-  </p:cSld>
-  <p:clrMapOvr>
-    <a:masterClrMapping/>
-  </p:clrMapOvr>
-  <p:transition>
-    <p:push/>
-  </p:transition>
-</p:sld>
-</file>
-
-<file path=ppt/slides/slide14.xml><?xml version="1.0" encoding="utf-8"?>
-<p:sld xmlns:a="http://schemas.openxmlformats.org/drawingml/2006/main" xmlns:r="http://schemas.openxmlformats.org/officeDocument/2006/relationships" xmlns:p="http://schemas.openxmlformats.org/presentationml/2006/main">
-  <p:cSld>
-    <p:bg>
-      <p:bgPr>
-        <a:solidFill>
-          <a:srgbClr val="FAF0CA"/>
-        </a:solidFill>
-        <a:effectLst/>
-      </p:bgPr>
-    </p:bg>
-    <p:spTree>
-      <p:nvGrpSpPr>
-        <p:cNvPr id="1" name="Shape 266">
-          <a:extLst>
-            <a:ext uri="{FF2B5EF4-FFF2-40B4-BE49-F238E27FC236}">
-              <a16:creationId xmlns:a16="http://schemas.microsoft.com/office/drawing/2014/main" id="{D25F73A0-CCFF-AA5D-DAB8-80795D0C5A92}"/>
-            </a:ext>
-          </a:extLst>
-        </p:cNvPr>
-        <p:cNvGrpSpPr/>
-        <p:nvPr/>
-      </p:nvGrpSpPr>
-      <p:grpSpPr>
-        <a:xfrm>
-          <a:off x="0" y="0"/>
-          <a:ext cx="0" cy="0"/>
-          <a:chOff x="0" y="0"/>
-          <a:chExt cx="0" cy="0"/>
-        </a:xfrm>
-      </p:grpSpPr>
-      <p:sp>
-        <p:nvSpPr>
-          <p:cNvPr id="268" name="Google Shape;268;p21">
-            <a:extLst>
-              <a:ext uri="{FF2B5EF4-FFF2-40B4-BE49-F238E27FC236}">
-                <a16:creationId xmlns:a16="http://schemas.microsoft.com/office/drawing/2014/main" id="{91CD9682-02BF-D81E-398D-942CF24380A0}"/>
-              </a:ext>
-            </a:extLst>
-          </p:cNvPr>
-          <p:cNvSpPr txBox="1"/>
-          <p:nvPr/>
-        </p:nvSpPr>
-        <p:spPr>
-          <a:xfrm>
-            <a:off x="1028700" y="1251990"/>
-            <a:ext cx="16230600" cy="984885"/>
-          </a:xfrm>
-          <a:prstGeom prst="rect">
-            <a:avLst/>
-          </a:prstGeom>
-          <a:noFill/>
-          <a:ln>
-            <a:noFill/>
-          </a:ln>
-        </p:spPr>
-        <p:txBody>
-          <a:bodyPr spcFirstLastPara="1" wrap="square" lIns="0" tIns="0" rIns="0" bIns="0" anchor="t" anchorCtr="0">
-            <a:spAutoFit/>
-          </a:bodyPr>
-          <a:lstStyle/>
-          <a:p>
-            <a:pPr marL="0" marR="0" lvl="0" indent="0" algn="ctr" rtl="0">
-              <a:lnSpc>
-                <a:spcPct val="80000"/>
-              </a:lnSpc>
-              <a:spcBef>
-                <a:spcPts val="0"/>
-              </a:spcBef>
-              <a:spcAft>
-                <a:spcPts val="0"/>
-              </a:spcAft>
-              <a:buNone/>
-            </a:pPr>
-            <a:r>
-              <a:rPr lang="en-US" sz="8000" b="1" dirty="0">
-                <a:solidFill>
-                  <a:srgbClr val="05041D"/>
-                </a:solidFill>
-                <a:latin typeface="Inter"/>
-                <a:ea typeface="Inter"/>
-                <a:sym typeface="Inter"/>
-              </a:rPr>
-              <a:t>NEXT STEPS</a:t>
-            </a:r>
-            <a:endParaRPr dirty="0"/>
-          </a:p>
-        </p:txBody>
-      </p:sp>
-    </p:spTree>
-    <p:extLst>
-      <p:ext uri="{BB962C8B-B14F-4D97-AF65-F5344CB8AC3E}">
-        <p14:creationId xmlns:p14="http://schemas.microsoft.com/office/powerpoint/2010/main" val="1855429701"/>
-      </p:ext>
-    </p:extLst>
-  </p:cSld>
-  <p:clrMapOvr>
-    <a:masterClrMapping/>
-  </p:clrMapOvr>
-  <p:transition>
-    <p:push/>
-  </p:transition>
-</p:sld>
-</file>
-
-<file path=ppt/slides/slide15.xml><?xml version="1.0" encoding="utf-8"?>
+<file path=ppt/slides/slide9.xml><?xml version="1.0" encoding="utf-8"?>
 <p:sld xmlns:a="http://schemas.openxmlformats.org/drawingml/2006/main" xmlns:r="http://schemas.openxmlformats.org/officeDocument/2006/relationships" xmlns:p="http://schemas.openxmlformats.org/presentationml/2006/main">
   <p:cSld>
     <p:bg>
@@ -10897,7 +11319,7 @@
               <a:buNone/>
             </a:pPr>
             <a:r>
-              <a:rPr lang="en-US" sz="14400" b="1" dirty="0">
+              <a:rPr lang="en-US" sz="14400" b="1">
                 <a:solidFill>
                   <a:srgbClr val="FAF0CA"/>
                 </a:solidFill>
@@ -10907,1471 +11329,7 @@
               </a:rPr>
               <a:t>THANK YOU</a:t>
             </a:r>
-            <a:endParaRPr dirty="0"/>
-          </a:p>
-        </p:txBody>
-      </p:sp>
-    </p:spTree>
-  </p:cSld>
-  <p:clrMapOvr>
-    <a:masterClrMapping/>
-  </p:clrMapOvr>
-  <p:transition>
-    <p:push/>
-  </p:transition>
-</p:sld>
-</file>
-
-<file path=ppt/slides/slide2.xml><?xml version="1.0" encoding="utf-8"?>
-<p:sld xmlns:a="http://schemas.openxmlformats.org/drawingml/2006/main" xmlns:r="http://schemas.openxmlformats.org/officeDocument/2006/relationships" xmlns:p="http://schemas.openxmlformats.org/presentationml/2006/main">
-  <p:cSld>
-    <p:bg>
-      <p:bgPr>
-        <a:solidFill>
-          <a:srgbClr val="FAF0CA"/>
-        </a:solidFill>
-        <a:effectLst/>
-      </p:bgPr>
-    </p:bg>
-    <p:spTree>
-      <p:nvGrpSpPr>
-        <p:cNvPr id="1" name="Shape 82"/>
-        <p:cNvGrpSpPr/>
-        <p:nvPr/>
-      </p:nvGrpSpPr>
-      <p:grpSpPr>
-        <a:xfrm>
-          <a:off x="0" y="0"/>
-          <a:ext cx="0" cy="0"/>
-          <a:chOff x="0" y="0"/>
-          <a:chExt cx="0" cy="0"/>
-        </a:xfrm>
-      </p:grpSpPr>
-      <p:grpSp>
-        <p:nvGrpSpPr>
-          <p:cNvPr id="83" name="Google Shape;83;p10"/>
-          <p:cNvGrpSpPr/>
-          <p:nvPr/>
-        </p:nvGrpSpPr>
-        <p:grpSpPr>
-          <a:xfrm>
-            <a:off x="7882572" y="847874"/>
-            <a:ext cx="9376728" cy="8410426"/>
-            <a:chOff x="0" y="-47625"/>
-            <a:chExt cx="2469591" cy="2215092"/>
-          </a:xfrm>
-        </p:grpSpPr>
-        <p:sp>
-          <p:nvSpPr>
-            <p:cNvPr id="84" name="Google Shape;84;p10"/>
-            <p:cNvSpPr/>
-            <p:nvPr/>
-          </p:nvSpPr>
-          <p:spPr>
-            <a:xfrm>
-              <a:off x="0" y="0"/>
-              <a:ext cx="2469591" cy="2167467"/>
-            </a:xfrm>
-            <a:custGeom>
-              <a:avLst/>
-              <a:gdLst/>
-              <a:ahLst/>
-              <a:cxnLst/>
-              <a:rect l="l" t="t" r="r" b="b"/>
-              <a:pathLst>
-                <a:path w="2469591" h="2167467" extrusionOk="0">
-                  <a:moveTo>
-                    <a:pt x="42108" y="0"/>
-                  </a:moveTo>
-                  <a:lnTo>
-                    <a:pt x="2427483" y="0"/>
-                  </a:lnTo>
-                  <a:cubicBezTo>
-                    <a:pt x="2450738" y="0"/>
-                    <a:pt x="2469591" y="18853"/>
-                    <a:pt x="2469591" y="42108"/>
-                  </a:cubicBezTo>
-                  <a:lnTo>
-                    <a:pt x="2469591" y="2125358"/>
-                  </a:lnTo>
-                  <a:cubicBezTo>
-                    <a:pt x="2469591" y="2136526"/>
-                    <a:pt x="2465155" y="2147237"/>
-                    <a:pt x="2457258" y="2155134"/>
-                  </a:cubicBezTo>
-                  <a:cubicBezTo>
-                    <a:pt x="2449361" y="2163030"/>
-                    <a:pt x="2438650" y="2167467"/>
-                    <a:pt x="2427483" y="2167467"/>
-                  </a:cubicBezTo>
-                  <a:lnTo>
-                    <a:pt x="42108" y="2167467"/>
-                  </a:lnTo>
-                  <a:cubicBezTo>
-                    <a:pt x="30940" y="2167467"/>
-                    <a:pt x="20230" y="2163030"/>
-                    <a:pt x="12333" y="2155134"/>
-                  </a:cubicBezTo>
-                  <a:cubicBezTo>
-                    <a:pt x="4436" y="2147237"/>
-                    <a:pt x="0" y="2136526"/>
-                    <a:pt x="0" y="2125358"/>
-                  </a:cubicBezTo>
-                  <a:lnTo>
-                    <a:pt x="0" y="42108"/>
-                  </a:lnTo>
-                  <a:cubicBezTo>
-                    <a:pt x="0" y="30940"/>
-                    <a:pt x="4436" y="20230"/>
-                    <a:pt x="12333" y="12333"/>
-                  </a:cubicBezTo>
-                  <a:cubicBezTo>
-                    <a:pt x="20230" y="4436"/>
-                    <a:pt x="30940" y="0"/>
-                    <a:pt x="42108" y="0"/>
-                  </a:cubicBezTo>
-                  <a:close/>
-                </a:path>
-              </a:pathLst>
-            </a:custGeom>
-            <a:solidFill>
-              <a:srgbClr val="05041D"/>
-            </a:solidFill>
-            <a:ln>
-              <a:noFill/>
-            </a:ln>
-          </p:spPr>
-          <p:txBody>
-            <a:bodyPr spcFirstLastPara="1" wrap="square" lIns="91425" tIns="91425" rIns="91425" bIns="91425" anchor="ctr" anchorCtr="0">
-              <a:noAutofit/>
-            </a:bodyPr>
-            <a:lstStyle/>
-            <a:p>
-              <a:pPr marL="0" lvl="0" indent="0" algn="l" rtl="0">
-                <a:spcBef>
-                  <a:spcPts val="0"/>
-                </a:spcBef>
-                <a:spcAft>
-                  <a:spcPts val="0"/>
-                </a:spcAft>
-                <a:buNone/>
-              </a:pPr>
-              <a:endParaRPr/>
-            </a:p>
-          </p:txBody>
-        </p:sp>
-        <p:sp>
-          <p:nvSpPr>
-            <p:cNvPr id="85" name="Google Shape;85;p10"/>
-            <p:cNvSpPr txBox="1"/>
-            <p:nvPr/>
-          </p:nvSpPr>
-          <p:spPr>
-            <a:xfrm>
-              <a:off x="0" y="-47625"/>
-              <a:ext cx="2469591" cy="2215092"/>
-            </a:xfrm>
-            <a:prstGeom prst="rect">
-              <a:avLst/>
-            </a:prstGeom>
-            <a:noFill/>
-            <a:ln>
-              <a:noFill/>
-            </a:ln>
-          </p:spPr>
-          <p:txBody>
-            <a:bodyPr spcFirstLastPara="1" wrap="square" lIns="50800" tIns="50800" rIns="50800" bIns="50800" anchor="ctr" anchorCtr="0">
-              <a:noAutofit/>
-            </a:bodyPr>
-            <a:lstStyle/>
-            <a:p>
-              <a:pPr marL="0" marR="0" lvl="0" indent="0" algn="ctr" rtl="0">
-                <a:lnSpc>
-                  <a:spcPct val="163333"/>
-                </a:lnSpc>
-                <a:spcBef>
-                  <a:spcPts val="0"/>
-                </a:spcBef>
-                <a:spcAft>
-                  <a:spcPts val="0"/>
-                </a:spcAft>
-                <a:buNone/>
-              </a:pPr>
-              <a:endParaRPr sz="1800" b="0" i="0" u="none" strike="noStrike" cap="none">
-                <a:solidFill>
-                  <a:schemeClr val="dk1"/>
-                </a:solidFill>
-                <a:latin typeface="Calibri"/>
-                <a:ea typeface="Calibri"/>
-                <a:cs typeface="Calibri"/>
-                <a:sym typeface="Calibri"/>
-              </a:endParaRPr>
-            </a:p>
-          </p:txBody>
-        </p:sp>
-      </p:grpSp>
-      <p:sp>
-        <p:nvSpPr>
-          <p:cNvPr id="86" name="Google Shape;86;p10"/>
-          <p:cNvSpPr txBox="1"/>
-          <p:nvPr/>
-        </p:nvSpPr>
-        <p:spPr>
-          <a:xfrm>
-            <a:off x="8493324" y="1875965"/>
-            <a:ext cx="3306074" cy="459740"/>
-          </a:xfrm>
-          <a:prstGeom prst="rect">
-            <a:avLst/>
-          </a:prstGeom>
-          <a:noFill/>
-          <a:ln>
-            <a:noFill/>
-          </a:ln>
-        </p:spPr>
-        <p:txBody>
-          <a:bodyPr spcFirstLastPara="1" wrap="square" lIns="0" tIns="0" rIns="0" bIns="0" anchor="t" anchorCtr="0">
-            <a:spAutoFit/>
-          </a:bodyPr>
-          <a:lstStyle/>
-          <a:p>
-            <a:pPr marL="0" marR="0" lvl="0" indent="0" algn="just" rtl="0">
-              <a:lnSpc>
-                <a:spcPct val="130010"/>
-              </a:lnSpc>
-              <a:spcBef>
-                <a:spcPts val="0"/>
-              </a:spcBef>
-              <a:spcAft>
-                <a:spcPts val="0"/>
-              </a:spcAft>
-              <a:buNone/>
-            </a:pPr>
-            <a:r>
-              <a:rPr lang="en-US" sz="2799" b="1" i="0" u="none" strike="noStrike" cap="none">
-                <a:solidFill>
-                  <a:srgbClr val="FAF0CA"/>
-                </a:solidFill>
-                <a:latin typeface="Inter"/>
-                <a:ea typeface="Inter"/>
-                <a:cs typeface="Inter"/>
-                <a:sym typeface="Inter"/>
-              </a:rPr>
-              <a:t>INTRODUCTION</a:t>
-            </a:r>
             <a:endParaRPr/>
-          </a:p>
-        </p:txBody>
-      </p:sp>
-      <p:sp>
-        <p:nvSpPr>
-          <p:cNvPr id="87" name="Google Shape;87;p10"/>
-          <p:cNvSpPr txBox="1"/>
-          <p:nvPr/>
-        </p:nvSpPr>
-        <p:spPr>
-          <a:xfrm>
-            <a:off x="8493324" y="2288080"/>
-            <a:ext cx="8155223" cy="365760"/>
-          </a:xfrm>
-          <a:prstGeom prst="rect">
-            <a:avLst/>
-          </a:prstGeom>
-          <a:noFill/>
-          <a:ln>
-            <a:noFill/>
-          </a:ln>
-        </p:spPr>
-        <p:txBody>
-          <a:bodyPr spcFirstLastPara="1" wrap="square" lIns="0" tIns="0" rIns="0" bIns="0" anchor="t" anchorCtr="0">
-            <a:spAutoFit/>
-          </a:bodyPr>
-          <a:lstStyle/>
-          <a:p>
-            <a:pPr marL="0" marR="0" lvl="0" indent="0" algn="l" rtl="0">
-              <a:lnSpc>
-                <a:spcPct val="140000"/>
-              </a:lnSpc>
-              <a:spcBef>
-                <a:spcPts val="0"/>
-              </a:spcBef>
-              <a:spcAft>
-                <a:spcPts val="0"/>
-              </a:spcAft>
-              <a:buNone/>
-            </a:pPr>
-            <a:r>
-              <a:rPr lang="en-US" sz="2100" b="0" i="0" u="none" strike="noStrike" cap="none">
-                <a:solidFill>
-                  <a:srgbClr val="FFFFFF"/>
-                </a:solidFill>
-                <a:latin typeface="Inter"/>
-                <a:ea typeface="Inter"/>
-                <a:cs typeface="Inter"/>
-                <a:sym typeface="Inter"/>
-              </a:rPr>
-              <a:t>Elaborate on what you want to discuss. </a:t>
-            </a:r>
-            <a:endParaRPr/>
-          </a:p>
-        </p:txBody>
-      </p:sp>
-      <p:sp>
-        <p:nvSpPr>
-          <p:cNvPr id="88" name="Google Shape;88;p10"/>
-          <p:cNvSpPr txBox="1"/>
-          <p:nvPr/>
-        </p:nvSpPr>
-        <p:spPr>
-          <a:xfrm>
-            <a:off x="1028700" y="7169149"/>
-            <a:ext cx="5825100" cy="1970100"/>
-          </a:xfrm>
-          <a:prstGeom prst="rect">
-            <a:avLst/>
-          </a:prstGeom>
-          <a:noFill/>
-          <a:ln>
-            <a:noFill/>
-          </a:ln>
-        </p:spPr>
-        <p:txBody>
-          <a:bodyPr spcFirstLastPara="1" wrap="square" lIns="0" tIns="0" rIns="0" bIns="0" anchor="t" anchorCtr="0">
-            <a:spAutoFit/>
-          </a:bodyPr>
-          <a:lstStyle/>
-          <a:p>
-            <a:pPr marL="0" marR="0" lvl="0" indent="0" algn="l" rtl="0">
-              <a:lnSpc>
-                <a:spcPct val="80000"/>
-              </a:lnSpc>
-              <a:spcBef>
-                <a:spcPts val="0"/>
-              </a:spcBef>
-              <a:spcAft>
-                <a:spcPts val="0"/>
-              </a:spcAft>
-              <a:buNone/>
-            </a:pPr>
-            <a:r>
-              <a:rPr lang="en-US" sz="8000" b="1" i="0" u="none" strike="noStrike" cap="none">
-                <a:solidFill>
-                  <a:srgbClr val="05041D"/>
-                </a:solidFill>
-                <a:latin typeface="Inter"/>
-                <a:ea typeface="Inter"/>
-                <a:cs typeface="Inter"/>
-                <a:sym typeface="Inter"/>
-              </a:rPr>
-              <a:t>TABLE OF CONTENTS</a:t>
-            </a:r>
-            <a:endParaRPr/>
-          </a:p>
-        </p:txBody>
-      </p:sp>
-      <p:pic>
-        <p:nvPicPr>
-          <p:cNvPr id="90" name="Google Shape;90;p10"/>
-          <p:cNvPicPr preferRelativeResize="0"/>
-          <p:nvPr/>
-        </p:nvPicPr>
-        <p:blipFill>
-          <a:blip r:embed="rId3">
-            <a:alphaModFix/>
-          </a:blip>
-          <a:stretch>
-            <a:fillRect/>
-          </a:stretch>
-        </p:blipFill>
-        <p:spPr>
-          <a:xfrm>
-            <a:off x="1028699" y="4149789"/>
-            <a:ext cx="3383925" cy="3054412"/>
-          </a:xfrm>
-          <a:prstGeom prst="rect">
-            <a:avLst/>
-          </a:prstGeom>
-          <a:noFill/>
-          <a:ln>
-            <a:noFill/>
-          </a:ln>
-        </p:spPr>
-      </p:pic>
-      <p:sp>
-        <p:nvSpPr>
-          <p:cNvPr id="93" name="Google Shape;93;p10"/>
-          <p:cNvSpPr txBox="1"/>
-          <p:nvPr/>
-        </p:nvSpPr>
-        <p:spPr>
-          <a:xfrm>
-            <a:off x="8493324" y="3810986"/>
-            <a:ext cx="3306074" cy="459740"/>
-          </a:xfrm>
-          <a:prstGeom prst="rect">
-            <a:avLst/>
-          </a:prstGeom>
-          <a:noFill/>
-          <a:ln>
-            <a:noFill/>
-          </a:ln>
-        </p:spPr>
-        <p:txBody>
-          <a:bodyPr spcFirstLastPara="1" wrap="square" lIns="0" tIns="0" rIns="0" bIns="0" anchor="t" anchorCtr="0">
-            <a:spAutoFit/>
-          </a:bodyPr>
-          <a:lstStyle/>
-          <a:p>
-            <a:pPr marL="0" marR="0" lvl="0" indent="0" algn="just" rtl="0">
-              <a:lnSpc>
-                <a:spcPct val="130010"/>
-              </a:lnSpc>
-              <a:spcBef>
-                <a:spcPts val="0"/>
-              </a:spcBef>
-              <a:spcAft>
-                <a:spcPts val="0"/>
-              </a:spcAft>
-              <a:buNone/>
-            </a:pPr>
-            <a:r>
-              <a:rPr lang="en-US" sz="2799" b="1" i="0" u="none" strike="noStrike" cap="none">
-                <a:solidFill>
-                  <a:srgbClr val="FAF0CA"/>
-                </a:solidFill>
-                <a:latin typeface="Inter"/>
-                <a:ea typeface="Inter"/>
-                <a:cs typeface="Inter"/>
-                <a:sym typeface="Inter"/>
-              </a:rPr>
-              <a:t>OUR PROJECTS</a:t>
-            </a:r>
-            <a:endParaRPr/>
-          </a:p>
-        </p:txBody>
-      </p:sp>
-      <p:sp>
-        <p:nvSpPr>
-          <p:cNvPr id="94" name="Google Shape;94;p10"/>
-          <p:cNvSpPr txBox="1"/>
-          <p:nvPr/>
-        </p:nvSpPr>
-        <p:spPr>
-          <a:xfrm>
-            <a:off x="8493324" y="4223101"/>
-            <a:ext cx="8155223" cy="365760"/>
-          </a:xfrm>
-          <a:prstGeom prst="rect">
-            <a:avLst/>
-          </a:prstGeom>
-          <a:noFill/>
-          <a:ln>
-            <a:noFill/>
-          </a:ln>
-        </p:spPr>
-        <p:txBody>
-          <a:bodyPr spcFirstLastPara="1" wrap="square" lIns="0" tIns="0" rIns="0" bIns="0" anchor="t" anchorCtr="0">
-            <a:spAutoFit/>
-          </a:bodyPr>
-          <a:lstStyle/>
-          <a:p>
-            <a:pPr marL="0" marR="0" lvl="0" indent="0" algn="l" rtl="0">
-              <a:lnSpc>
-                <a:spcPct val="140000"/>
-              </a:lnSpc>
-              <a:spcBef>
-                <a:spcPts val="0"/>
-              </a:spcBef>
-              <a:spcAft>
-                <a:spcPts val="0"/>
-              </a:spcAft>
-              <a:buNone/>
-            </a:pPr>
-            <a:r>
-              <a:rPr lang="en-US" sz="2100" b="0" i="0" u="none" strike="noStrike" cap="none">
-                <a:solidFill>
-                  <a:srgbClr val="FFFFFF"/>
-                </a:solidFill>
-                <a:latin typeface="Inter"/>
-                <a:ea typeface="Inter"/>
-                <a:cs typeface="Inter"/>
-                <a:sym typeface="Inter"/>
-              </a:rPr>
-              <a:t>Elaborate on what you want to discuss. </a:t>
-            </a:r>
-            <a:endParaRPr/>
-          </a:p>
-        </p:txBody>
-      </p:sp>
-      <p:sp>
-        <p:nvSpPr>
-          <p:cNvPr id="95" name="Google Shape;95;p10"/>
-          <p:cNvSpPr txBox="1"/>
-          <p:nvPr/>
-        </p:nvSpPr>
-        <p:spPr>
-          <a:xfrm>
-            <a:off x="8493324" y="5746006"/>
-            <a:ext cx="3306074" cy="459740"/>
-          </a:xfrm>
-          <a:prstGeom prst="rect">
-            <a:avLst/>
-          </a:prstGeom>
-          <a:noFill/>
-          <a:ln>
-            <a:noFill/>
-          </a:ln>
-        </p:spPr>
-        <p:txBody>
-          <a:bodyPr spcFirstLastPara="1" wrap="square" lIns="0" tIns="0" rIns="0" bIns="0" anchor="t" anchorCtr="0">
-            <a:spAutoFit/>
-          </a:bodyPr>
-          <a:lstStyle/>
-          <a:p>
-            <a:pPr marL="0" marR="0" lvl="0" indent="0" algn="just" rtl="0">
-              <a:lnSpc>
-                <a:spcPct val="130010"/>
-              </a:lnSpc>
-              <a:spcBef>
-                <a:spcPts val="0"/>
-              </a:spcBef>
-              <a:spcAft>
-                <a:spcPts val="0"/>
-              </a:spcAft>
-              <a:buNone/>
-            </a:pPr>
-            <a:r>
-              <a:rPr lang="en-US" sz="2799" b="1" i="0" u="none" strike="noStrike" cap="none">
-                <a:solidFill>
-                  <a:srgbClr val="FAF0CA"/>
-                </a:solidFill>
-                <a:latin typeface="Inter"/>
-                <a:ea typeface="Inter"/>
-                <a:cs typeface="Inter"/>
-                <a:sym typeface="Inter"/>
-              </a:rPr>
-              <a:t>ABOUT US</a:t>
-            </a:r>
-            <a:endParaRPr/>
-          </a:p>
-        </p:txBody>
-      </p:sp>
-      <p:sp>
-        <p:nvSpPr>
-          <p:cNvPr id="96" name="Google Shape;96;p10"/>
-          <p:cNvSpPr txBox="1"/>
-          <p:nvPr/>
-        </p:nvSpPr>
-        <p:spPr>
-          <a:xfrm>
-            <a:off x="8493324" y="6158121"/>
-            <a:ext cx="8155223" cy="365760"/>
-          </a:xfrm>
-          <a:prstGeom prst="rect">
-            <a:avLst/>
-          </a:prstGeom>
-          <a:noFill/>
-          <a:ln>
-            <a:noFill/>
-          </a:ln>
-        </p:spPr>
-        <p:txBody>
-          <a:bodyPr spcFirstLastPara="1" wrap="square" lIns="0" tIns="0" rIns="0" bIns="0" anchor="t" anchorCtr="0">
-            <a:spAutoFit/>
-          </a:bodyPr>
-          <a:lstStyle/>
-          <a:p>
-            <a:pPr marL="0" marR="0" lvl="0" indent="0" algn="l" rtl="0">
-              <a:lnSpc>
-                <a:spcPct val="140000"/>
-              </a:lnSpc>
-              <a:spcBef>
-                <a:spcPts val="0"/>
-              </a:spcBef>
-              <a:spcAft>
-                <a:spcPts val="0"/>
-              </a:spcAft>
-              <a:buNone/>
-            </a:pPr>
-            <a:r>
-              <a:rPr lang="en-US" sz="2100" b="0" i="0" u="none" strike="noStrike" cap="none">
-                <a:solidFill>
-                  <a:srgbClr val="FFFFFF"/>
-                </a:solidFill>
-                <a:latin typeface="Inter"/>
-                <a:ea typeface="Inter"/>
-                <a:cs typeface="Inter"/>
-                <a:sym typeface="Inter"/>
-              </a:rPr>
-              <a:t>Elaborate on what you want to discuss. </a:t>
-            </a:r>
-            <a:endParaRPr/>
-          </a:p>
-        </p:txBody>
-      </p:sp>
-      <p:sp>
-        <p:nvSpPr>
-          <p:cNvPr id="97" name="Google Shape;97;p10"/>
-          <p:cNvSpPr txBox="1"/>
-          <p:nvPr/>
-        </p:nvSpPr>
-        <p:spPr>
-          <a:xfrm>
-            <a:off x="8493324" y="7681027"/>
-            <a:ext cx="3306074" cy="459740"/>
-          </a:xfrm>
-          <a:prstGeom prst="rect">
-            <a:avLst/>
-          </a:prstGeom>
-          <a:noFill/>
-          <a:ln>
-            <a:noFill/>
-          </a:ln>
-        </p:spPr>
-        <p:txBody>
-          <a:bodyPr spcFirstLastPara="1" wrap="square" lIns="0" tIns="0" rIns="0" bIns="0" anchor="t" anchorCtr="0">
-            <a:spAutoFit/>
-          </a:bodyPr>
-          <a:lstStyle/>
-          <a:p>
-            <a:pPr marL="0" marR="0" lvl="0" indent="0" algn="just" rtl="0">
-              <a:lnSpc>
-                <a:spcPct val="130010"/>
-              </a:lnSpc>
-              <a:spcBef>
-                <a:spcPts val="0"/>
-              </a:spcBef>
-              <a:spcAft>
-                <a:spcPts val="0"/>
-              </a:spcAft>
-              <a:buNone/>
-            </a:pPr>
-            <a:r>
-              <a:rPr lang="en-US" sz="2799" b="1" i="0" u="none" strike="noStrike" cap="none">
-                <a:solidFill>
-                  <a:srgbClr val="FAF0CA"/>
-                </a:solidFill>
-                <a:latin typeface="Inter"/>
-                <a:ea typeface="Inter"/>
-                <a:cs typeface="Inter"/>
-                <a:sym typeface="Inter"/>
-              </a:rPr>
-              <a:t>CHAPTER TITLE</a:t>
-            </a:r>
-            <a:endParaRPr/>
-          </a:p>
-        </p:txBody>
-      </p:sp>
-      <p:sp>
-        <p:nvSpPr>
-          <p:cNvPr id="98" name="Google Shape;98;p10"/>
-          <p:cNvSpPr txBox="1"/>
-          <p:nvPr/>
-        </p:nvSpPr>
-        <p:spPr>
-          <a:xfrm>
-            <a:off x="8493324" y="8093142"/>
-            <a:ext cx="8155223" cy="365760"/>
-          </a:xfrm>
-          <a:prstGeom prst="rect">
-            <a:avLst/>
-          </a:prstGeom>
-          <a:noFill/>
-          <a:ln>
-            <a:noFill/>
-          </a:ln>
-        </p:spPr>
-        <p:txBody>
-          <a:bodyPr spcFirstLastPara="1" wrap="square" lIns="0" tIns="0" rIns="0" bIns="0" anchor="t" anchorCtr="0">
-            <a:spAutoFit/>
-          </a:bodyPr>
-          <a:lstStyle/>
-          <a:p>
-            <a:pPr marL="0" marR="0" lvl="0" indent="0" algn="l" rtl="0">
-              <a:lnSpc>
-                <a:spcPct val="140000"/>
-              </a:lnSpc>
-              <a:spcBef>
-                <a:spcPts val="0"/>
-              </a:spcBef>
-              <a:spcAft>
-                <a:spcPts val="0"/>
-              </a:spcAft>
-              <a:buNone/>
-            </a:pPr>
-            <a:r>
-              <a:rPr lang="en-US" sz="2100" b="0" i="0" u="none" strike="noStrike" cap="none">
-                <a:solidFill>
-                  <a:srgbClr val="FFFFFF"/>
-                </a:solidFill>
-                <a:latin typeface="Inter"/>
-                <a:ea typeface="Inter"/>
-                <a:cs typeface="Inter"/>
-                <a:sym typeface="Inter"/>
-              </a:rPr>
-              <a:t>Elaborate on what you want to discuss. </a:t>
-            </a:r>
-            <a:endParaRPr/>
-          </a:p>
-        </p:txBody>
-      </p:sp>
-    </p:spTree>
-  </p:cSld>
-  <p:clrMapOvr>
-    <a:masterClrMapping/>
-  </p:clrMapOvr>
-  <p:transition>
-    <p:push/>
-  </p:transition>
-</p:sld>
-</file>
-
-<file path=ppt/slides/slide3.xml><?xml version="1.0" encoding="utf-8"?>
-<p:sld xmlns:a="http://schemas.openxmlformats.org/drawingml/2006/main" xmlns:r="http://schemas.openxmlformats.org/officeDocument/2006/relationships" xmlns:p="http://schemas.openxmlformats.org/presentationml/2006/main">
-  <p:cSld>
-    <p:bg>
-      <p:bgPr>
-        <a:solidFill>
-          <a:srgbClr val="FAF0CA"/>
-        </a:solidFill>
-        <a:effectLst/>
-      </p:bgPr>
-    </p:bg>
-    <p:spTree>
-      <p:nvGrpSpPr>
-        <p:cNvPr id="1" name="Shape 102"/>
-        <p:cNvGrpSpPr/>
-        <p:nvPr/>
-      </p:nvGrpSpPr>
-      <p:grpSpPr>
-        <a:xfrm>
-          <a:off x="0" y="0"/>
-          <a:ext cx="0" cy="0"/>
-          <a:chOff x="0" y="0"/>
-          <a:chExt cx="0" cy="0"/>
-        </a:xfrm>
-      </p:grpSpPr>
-      <p:sp>
-        <p:nvSpPr>
-          <p:cNvPr id="103" name="Google Shape;103;p11"/>
-          <p:cNvSpPr/>
-          <p:nvPr/>
-        </p:nvSpPr>
-        <p:spPr>
-          <a:xfrm>
-            <a:off x="9619200" y="1323450"/>
-            <a:ext cx="7640100" cy="7640100"/>
-          </a:xfrm>
-          <a:prstGeom prst="ellipse">
-            <a:avLst/>
-          </a:prstGeom>
-          <a:solidFill>
-            <a:srgbClr val="F95738"/>
-          </a:solidFill>
-          <a:ln>
-            <a:noFill/>
-          </a:ln>
-        </p:spPr>
-        <p:txBody>
-          <a:bodyPr spcFirstLastPara="1" wrap="square" lIns="91425" tIns="91425" rIns="91425" bIns="91425" anchor="ctr" anchorCtr="0">
-            <a:noAutofit/>
-          </a:bodyPr>
-          <a:lstStyle/>
-          <a:p>
-            <a:pPr marL="0" lvl="0" indent="0" algn="ctr" rtl="0">
-              <a:spcBef>
-                <a:spcPts val="0"/>
-              </a:spcBef>
-              <a:spcAft>
-                <a:spcPts val="0"/>
-              </a:spcAft>
-              <a:buNone/>
-            </a:pPr>
-            <a:endParaRPr>
-              <a:latin typeface="Calibri"/>
-              <a:ea typeface="Calibri"/>
-              <a:cs typeface="Calibri"/>
-              <a:sym typeface="Calibri"/>
-            </a:endParaRPr>
-          </a:p>
-        </p:txBody>
-      </p:sp>
-      <p:pic>
-        <p:nvPicPr>
-          <p:cNvPr id="104" name="Google Shape;104;p11"/>
-          <p:cNvPicPr preferRelativeResize="0"/>
-          <p:nvPr/>
-        </p:nvPicPr>
-        <p:blipFill>
-          <a:blip r:embed="rId3">
-            <a:alphaModFix/>
-          </a:blip>
-          <a:stretch>
-            <a:fillRect/>
-          </a:stretch>
-        </p:blipFill>
-        <p:spPr>
-          <a:xfrm>
-            <a:off x="9619166" y="1345062"/>
-            <a:ext cx="7640100" cy="7640100"/>
-          </a:xfrm>
-          <a:prstGeom prst="ellipse">
-            <a:avLst/>
-          </a:prstGeom>
-          <a:noFill/>
-          <a:ln>
-            <a:noFill/>
-          </a:ln>
-        </p:spPr>
-      </p:pic>
-      <p:sp>
-        <p:nvSpPr>
-          <p:cNvPr id="105" name="Google Shape;105;p11"/>
-          <p:cNvSpPr txBox="1"/>
-          <p:nvPr/>
-        </p:nvSpPr>
-        <p:spPr>
-          <a:xfrm>
-            <a:off x="1028700" y="1961409"/>
-            <a:ext cx="8115300" cy="984885"/>
-          </a:xfrm>
-          <a:prstGeom prst="rect">
-            <a:avLst/>
-          </a:prstGeom>
-          <a:noFill/>
-          <a:ln>
-            <a:noFill/>
-          </a:ln>
-        </p:spPr>
-        <p:txBody>
-          <a:bodyPr spcFirstLastPara="1" wrap="square" lIns="0" tIns="0" rIns="0" bIns="0" anchor="t" anchorCtr="0">
-            <a:spAutoFit/>
-          </a:bodyPr>
-          <a:lstStyle/>
-          <a:p>
-            <a:pPr marL="0" marR="0" lvl="0" indent="0" algn="l" rtl="0">
-              <a:lnSpc>
-                <a:spcPct val="80000"/>
-              </a:lnSpc>
-              <a:spcBef>
-                <a:spcPts val="0"/>
-              </a:spcBef>
-              <a:spcAft>
-                <a:spcPts val="0"/>
-              </a:spcAft>
-              <a:buNone/>
-            </a:pPr>
-            <a:r>
-              <a:rPr lang="en-US" sz="8000" b="1" i="0" u="none" strike="noStrike" cap="none" dirty="0">
-                <a:solidFill>
-                  <a:srgbClr val="05041D"/>
-                </a:solidFill>
-                <a:latin typeface="Inter"/>
-                <a:ea typeface="Inter"/>
-                <a:cs typeface="Inter"/>
-                <a:sym typeface="Inter"/>
-              </a:rPr>
-              <a:t>INTRODUCTION</a:t>
-            </a:r>
-            <a:endParaRPr dirty="0"/>
-          </a:p>
-        </p:txBody>
-      </p:sp>
-    </p:spTree>
-  </p:cSld>
-  <p:clrMapOvr>
-    <a:masterClrMapping/>
-  </p:clrMapOvr>
-  <p:transition>
-    <p:push/>
-  </p:transition>
-</p:sld>
-</file>
-
-<file path=ppt/slides/slide4.xml><?xml version="1.0" encoding="utf-8"?>
-<p:sld xmlns:a="http://schemas.openxmlformats.org/drawingml/2006/main" xmlns:r="http://schemas.openxmlformats.org/officeDocument/2006/relationships" xmlns:p="http://schemas.openxmlformats.org/presentationml/2006/main">
-  <p:cSld>
-    <p:bg>
-      <p:bgPr>
-        <a:solidFill>
-          <a:srgbClr val="FAF0CA"/>
-        </a:solidFill>
-        <a:effectLst/>
-      </p:bgPr>
-    </p:bg>
-    <p:spTree>
-      <p:nvGrpSpPr>
-        <p:cNvPr id="1" name="Shape 266">
-          <a:extLst>
-            <a:ext uri="{FF2B5EF4-FFF2-40B4-BE49-F238E27FC236}">
-              <a16:creationId xmlns:a16="http://schemas.microsoft.com/office/drawing/2014/main" id="{109848CA-5FF8-48EF-2726-457E2687B276}"/>
-            </a:ext>
-          </a:extLst>
-        </p:cNvPr>
-        <p:cNvGrpSpPr/>
-        <p:nvPr/>
-      </p:nvGrpSpPr>
-      <p:grpSpPr>
-        <a:xfrm>
-          <a:off x="0" y="0"/>
-          <a:ext cx="0" cy="0"/>
-          <a:chOff x="0" y="0"/>
-          <a:chExt cx="0" cy="0"/>
-        </a:xfrm>
-      </p:grpSpPr>
-      <p:sp>
-        <p:nvSpPr>
-          <p:cNvPr id="268" name="Google Shape;268;p21">
-            <a:extLst>
-              <a:ext uri="{FF2B5EF4-FFF2-40B4-BE49-F238E27FC236}">
-                <a16:creationId xmlns:a16="http://schemas.microsoft.com/office/drawing/2014/main" id="{35CD751F-429A-123E-B385-CE1A0425F86F}"/>
-              </a:ext>
-            </a:extLst>
-          </p:cNvPr>
-          <p:cNvSpPr txBox="1"/>
-          <p:nvPr/>
-        </p:nvSpPr>
-        <p:spPr>
-          <a:xfrm>
-            <a:off x="1028700" y="1251990"/>
-            <a:ext cx="16230600" cy="984885"/>
-          </a:xfrm>
-          <a:prstGeom prst="rect">
-            <a:avLst/>
-          </a:prstGeom>
-          <a:noFill/>
-          <a:ln>
-            <a:noFill/>
-          </a:ln>
-        </p:spPr>
-        <p:txBody>
-          <a:bodyPr spcFirstLastPara="1" wrap="square" lIns="0" tIns="0" rIns="0" bIns="0" anchor="t" anchorCtr="0">
-            <a:spAutoFit/>
-          </a:bodyPr>
-          <a:lstStyle/>
-          <a:p>
-            <a:pPr marL="0" marR="0" lvl="0" indent="0" algn="ctr" rtl="0">
-              <a:lnSpc>
-                <a:spcPct val="80000"/>
-              </a:lnSpc>
-              <a:spcBef>
-                <a:spcPts val="0"/>
-              </a:spcBef>
-              <a:spcAft>
-                <a:spcPts val="0"/>
-              </a:spcAft>
-              <a:buNone/>
-            </a:pPr>
-            <a:r>
-              <a:rPr lang="en-US" sz="8000" b="1" dirty="0">
-                <a:solidFill>
-                  <a:srgbClr val="05041D"/>
-                </a:solidFill>
-                <a:latin typeface="Inter"/>
-                <a:ea typeface="Inter"/>
-                <a:sym typeface="Inter"/>
-              </a:rPr>
-              <a:t>PROJECT OVERVIEW</a:t>
-            </a:r>
-            <a:endParaRPr dirty="0"/>
-          </a:p>
-        </p:txBody>
-      </p:sp>
-    </p:spTree>
-    <p:extLst>
-      <p:ext uri="{BB962C8B-B14F-4D97-AF65-F5344CB8AC3E}">
-        <p14:creationId xmlns:p14="http://schemas.microsoft.com/office/powerpoint/2010/main" val="1538087827"/>
-      </p:ext>
-    </p:extLst>
-  </p:cSld>
-  <p:clrMapOvr>
-    <a:masterClrMapping/>
-  </p:clrMapOvr>
-  <p:transition>
-    <p:push/>
-  </p:transition>
-</p:sld>
-</file>
-
-<file path=ppt/slides/slide5.xml><?xml version="1.0" encoding="utf-8"?>
-<p:sld xmlns:a="http://schemas.openxmlformats.org/drawingml/2006/main" xmlns:r="http://schemas.openxmlformats.org/officeDocument/2006/relationships" xmlns:p="http://schemas.openxmlformats.org/presentationml/2006/main">
-  <p:cSld>
-    <p:bg>
-      <p:bgPr>
-        <a:solidFill>
-          <a:srgbClr val="FAF0CA"/>
-        </a:solidFill>
-        <a:effectLst/>
-      </p:bgPr>
-    </p:bg>
-    <p:spTree>
-      <p:nvGrpSpPr>
-        <p:cNvPr id="1" name="Shape 266">
-          <a:extLst>
-            <a:ext uri="{FF2B5EF4-FFF2-40B4-BE49-F238E27FC236}">
-              <a16:creationId xmlns:a16="http://schemas.microsoft.com/office/drawing/2014/main" id="{5CABE3C2-B098-4465-6560-AA436B66104A}"/>
-            </a:ext>
-          </a:extLst>
-        </p:cNvPr>
-        <p:cNvGrpSpPr/>
-        <p:nvPr/>
-      </p:nvGrpSpPr>
-      <p:grpSpPr>
-        <a:xfrm>
-          <a:off x="0" y="0"/>
-          <a:ext cx="0" cy="0"/>
-          <a:chOff x="0" y="0"/>
-          <a:chExt cx="0" cy="0"/>
-        </a:xfrm>
-      </p:grpSpPr>
-      <p:sp>
-        <p:nvSpPr>
-          <p:cNvPr id="268" name="Google Shape;268;p21">
-            <a:extLst>
-              <a:ext uri="{FF2B5EF4-FFF2-40B4-BE49-F238E27FC236}">
-                <a16:creationId xmlns:a16="http://schemas.microsoft.com/office/drawing/2014/main" id="{431E9AA8-AC07-B60C-277E-CF599BB18A25}"/>
-              </a:ext>
-            </a:extLst>
-          </p:cNvPr>
-          <p:cNvSpPr txBox="1"/>
-          <p:nvPr/>
-        </p:nvSpPr>
-        <p:spPr>
-          <a:xfrm>
-            <a:off x="656756" y="1266980"/>
-            <a:ext cx="16974487" cy="984885"/>
-          </a:xfrm>
-          <a:prstGeom prst="rect">
-            <a:avLst/>
-          </a:prstGeom>
-          <a:noFill/>
-          <a:ln>
-            <a:noFill/>
-          </a:ln>
-        </p:spPr>
-        <p:txBody>
-          <a:bodyPr spcFirstLastPara="1" wrap="square" lIns="0" tIns="0" rIns="0" bIns="0" anchor="t" anchorCtr="0">
-            <a:spAutoFit/>
-          </a:bodyPr>
-          <a:lstStyle/>
-          <a:p>
-            <a:pPr marL="0" marR="0" lvl="0" indent="0" algn="ctr" rtl="0">
-              <a:lnSpc>
-                <a:spcPct val="80000"/>
-              </a:lnSpc>
-              <a:spcBef>
-                <a:spcPts val="0"/>
-              </a:spcBef>
-              <a:spcAft>
-                <a:spcPts val="0"/>
-              </a:spcAft>
-              <a:buNone/>
-            </a:pPr>
-            <a:r>
-              <a:rPr lang="en-US" sz="8000" b="1" dirty="0">
-                <a:solidFill>
-                  <a:srgbClr val="05041D"/>
-                </a:solidFill>
-                <a:latin typeface="Inter"/>
-                <a:ea typeface="Inter"/>
-                <a:sym typeface="Inter"/>
-              </a:rPr>
-              <a:t>MOTIVATION AND IMPORTANCE</a:t>
-            </a:r>
-            <a:endParaRPr dirty="0"/>
-          </a:p>
-        </p:txBody>
-      </p:sp>
-    </p:spTree>
-    <p:extLst>
-      <p:ext uri="{BB962C8B-B14F-4D97-AF65-F5344CB8AC3E}">
-        <p14:creationId xmlns:p14="http://schemas.microsoft.com/office/powerpoint/2010/main" val="1659730611"/>
-      </p:ext>
-    </p:extLst>
-  </p:cSld>
-  <p:clrMapOvr>
-    <a:masterClrMapping/>
-  </p:clrMapOvr>
-  <p:transition>
-    <p:push/>
-  </p:transition>
-</p:sld>
-</file>
-
-<file path=ppt/slides/slide6.xml><?xml version="1.0" encoding="utf-8"?>
-<p:sld xmlns:a="http://schemas.openxmlformats.org/drawingml/2006/main" xmlns:r="http://schemas.openxmlformats.org/officeDocument/2006/relationships" xmlns:p="http://schemas.openxmlformats.org/presentationml/2006/main">
-  <p:cSld>
-    <p:bg>
-      <p:bgPr>
-        <a:solidFill>
-          <a:srgbClr val="FAF0CA"/>
-        </a:solidFill>
-        <a:effectLst/>
-      </p:bgPr>
-    </p:bg>
-    <p:spTree>
-      <p:nvGrpSpPr>
-        <p:cNvPr id="1" name="Shape 266">
-          <a:extLst>
-            <a:ext uri="{FF2B5EF4-FFF2-40B4-BE49-F238E27FC236}">
-              <a16:creationId xmlns:a16="http://schemas.microsoft.com/office/drawing/2014/main" id="{B6A63148-77AE-E72C-6C04-8C122D52F500}"/>
-            </a:ext>
-          </a:extLst>
-        </p:cNvPr>
-        <p:cNvGrpSpPr/>
-        <p:nvPr/>
-      </p:nvGrpSpPr>
-      <p:grpSpPr>
-        <a:xfrm>
-          <a:off x="0" y="0"/>
-          <a:ext cx="0" cy="0"/>
-          <a:chOff x="0" y="0"/>
-          <a:chExt cx="0" cy="0"/>
-        </a:xfrm>
-      </p:grpSpPr>
-      <p:sp>
-        <p:nvSpPr>
-          <p:cNvPr id="268" name="Google Shape;268;p21">
-            <a:extLst>
-              <a:ext uri="{FF2B5EF4-FFF2-40B4-BE49-F238E27FC236}">
-                <a16:creationId xmlns:a16="http://schemas.microsoft.com/office/drawing/2014/main" id="{4C149CFB-A2E9-7F5B-88A5-9F7AC580DA80}"/>
-              </a:ext>
-            </a:extLst>
-          </p:cNvPr>
-          <p:cNvSpPr txBox="1"/>
-          <p:nvPr/>
-        </p:nvSpPr>
-        <p:spPr>
-          <a:xfrm>
-            <a:off x="1028700" y="1251990"/>
-            <a:ext cx="16230600" cy="984885"/>
-          </a:xfrm>
-          <a:prstGeom prst="rect">
-            <a:avLst/>
-          </a:prstGeom>
-          <a:noFill/>
-          <a:ln>
-            <a:noFill/>
-          </a:ln>
-        </p:spPr>
-        <p:txBody>
-          <a:bodyPr spcFirstLastPara="1" wrap="square" lIns="0" tIns="0" rIns="0" bIns="0" anchor="t" anchorCtr="0">
-            <a:spAutoFit/>
-          </a:bodyPr>
-          <a:lstStyle/>
-          <a:p>
-            <a:pPr marL="0" marR="0" lvl="0" indent="0" algn="ctr" rtl="0">
-              <a:lnSpc>
-                <a:spcPct val="80000"/>
-              </a:lnSpc>
-              <a:spcBef>
-                <a:spcPts val="0"/>
-              </a:spcBef>
-              <a:spcAft>
-                <a:spcPts val="0"/>
-              </a:spcAft>
-              <a:buNone/>
-            </a:pPr>
-            <a:r>
-              <a:rPr lang="en-US" sz="8000" b="1" dirty="0">
-                <a:solidFill>
-                  <a:srgbClr val="05041D"/>
-                </a:solidFill>
-                <a:latin typeface="Inter"/>
-                <a:ea typeface="Inter"/>
-                <a:sym typeface="Inter"/>
-              </a:rPr>
-              <a:t>DASHBOARD FEATURES</a:t>
-            </a:r>
-            <a:endParaRPr dirty="0"/>
-          </a:p>
-        </p:txBody>
-      </p:sp>
-    </p:spTree>
-    <p:extLst>
-      <p:ext uri="{BB962C8B-B14F-4D97-AF65-F5344CB8AC3E}">
-        <p14:creationId xmlns:p14="http://schemas.microsoft.com/office/powerpoint/2010/main" val="75171748"/>
-      </p:ext>
-    </p:extLst>
-  </p:cSld>
-  <p:clrMapOvr>
-    <a:masterClrMapping/>
-  </p:clrMapOvr>
-  <p:transition>
-    <p:push/>
-  </p:transition>
-</p:sld>
-</file>
-
-<file path=ppt/slides/slide7.xml><?xml version="1.0" encoding="utf-8"?>
-<p:sld xmlns:a="http://schemas.openxmlformats.org/drawingml/2006/main" xmlns:r="http://schemas.openxmlformats.org/officeDocument/2006/relationships" xmlns:p="http://schemas.openxmlformats.org/presentationml/2006/main">
-  <p:cSld>
-    <p:bg>
-      <p:bgPr>
-        <a:solidFill>
-          <a:srgbClr val="FAF0CA"/>
-        </a:solidFill>
-        <a:effectLst/>
-      </p:bgPr>
-    </p:bg>
-    <p:spTree>
-      <p:nvGrpSpPr>
-        <p:cNvPr id="1" name="Shape 266">
-          <a:extLst>
-            <a:ext uri="{FF2B5EF4-FFF2-40B4-BE49-F238E27FC236}">
-              <a16:creationId xmlns:a16="http://schemas.microsoft.com/office/drawing/2014/main" id="{6B1998AF-D0A5-8458-3467-F5FC1B838E12}"/>
-            </a:ext>
-          </a:extLst>
-        </p:cNvPr>
-        <p:cNvGrpSpPr/>
-        <p:nvPr/>
-      </p:nvGrpSpPr>
-      <p:grpSpPr>
-        <a:xfrm>
-          <a:off x="0" y="0"/>
-          <a:ext cx="0" cy="0"/>
-          <a:chOff x="0" y="0"/>
-          <a:chExt cx="0" cy="0"/>
-        </a:xfrm>
-      </p:grpSpPr>
-      <p:sp>
-        <p:nvSpPr>
-          <p:cNvPr id="268" name="Google Shape;268;p21">
-            <a:extLst>
-              <a:ext uri="{FF2B5EF4-FFF2-40B4-BE49-F238E27FC236}">
-                <a16:creationId xmlns:a16="http://schemas.microsoft.com/office/drawing/2014/main" id="{32EC86E4-E620-9B0F-236C-0607331DE640}"/>
-              </a:ext>
-            </a:extLst>
-          </p:cNvPr>
-          <p:cNvSpPr txBox="1"/>
-          <p:nvPr/>
-        </p:nvSpPr>
-        <p:spPr>
-          <a:xfrm>
-            <a:off x="1028700" y="1251990"/>
-            <a:ext cx="16230600" cy="984885"/>
-          </a:xfrm>
-          <a:prstGeom prst="rect">
-            <a:avLst/>
-          </a:prstGeom>
-          <a:noFill/>
-          <a:ln>
-            <a:noFill/>
-          </a:ln>
-        </p:spPr>
-        <p:txBody>
-          <a:bodyPr spcFirstLastPara="1" wrap="square" lIns="0" tIns="0" rIns="0" bIns="0" anchor="t" anchorCtr="0">
-            <a:spAutoFit/>
-          </a:bodyPr>
-          <a:lstStyle/>
-          <a:p>
-            <a:pPr marL="0" marR="0" lvl="0" indent="0" algn="ctr" rtl="0">
-              <a:lnSpc>
-                <a:spcPct val="80000"/>
-              </a:lnSpc>
-              <a:spcBef>
-                <a:spcPts val="0"/>
-              </a:spcBef>
-              <a:spcAft>
-                <a:spcPts val="0"/>
-              </a:spcAft>
-              <a:buNone/>
-            </a:pPr>
-            <a:r>
-              <a:rPr lang="en-US" sz="8000" b="1" dirty="0">
-                <a:solidFill>
-                  <a:srgbClr val="05041D"/>
-                </a:solidFill>
-                <a:latin typeface="Inter"/>
-                <a:ea typeface="Inter"/>
-                <a:sym typeface="Inter"/>
-              </a:rPr>
-              <a:t>TECH STACK</a:t>
-            </a:r>
-            <a:endParaRPr dirty="0"/>
-          </a:p>
-        </p:txBody>
-      </p:sp>
-    </p:spTree>
-    <p:extLst>
-      <p:ext uri="{BB962C8B-B14F-4D97-AF65-F5344CB8AC3E}">
-        <p14:creationId xmlns:p14="http://schemas.microsoft.com/office/powerpoint/2010/main" val="3332322944"/>
-      </p:ext>
-    </p:extLst>
-  </p:cSld>
-  <p:clrMapOvr>
-    <a:masterClrMapping/>
-  </p:clrMapOvr>
-  <p:transition>
-    <p:push/>
-  </p:transition>
-</p:sld>
-</file>
-
-<file path=ppt/slides/slide8.xml><?xml version="1.0" encoding="utf-8"?>
-<p:sld xmlns:a="http://schemas.openxmlformats.org/drawingml/2006/main" xmlns:r="http://schemas.openxmlformats.org/officeDocument/2006/relationships" xmlns:p="http://schemas.openxmlformats.org/presentationml/2006/main">
-  <p:cSld>
-    <p:bg>
-      <p:bgPr>
-        <a:solidFill>
-          <a:srgbClr val="FAF0CA"/>
-        </a:solidFill>
-        <a:effectLst/>
-      </p:bgPr>
-    </p:bg>
-    <p:spTree>
-      <p:nvGrpSpPr>
-        <p:cNvPr id="1" name="Shape 226"/>
-        <p:cNvGrpSpPr/>
-        <p:nvPr/>
-      </p:nvGrpSpPr>
-      <p:grpSpPr>
-        <a:xfrm>
-          <a:off x="0" y="0"/>
-          <a:ext cx="0" cy="0"/>
-          <a:chOff x="0" y="0"/>
-          <a:chExt cx="0" cy="0"/>
-        </a:xfrm>
-      </p:grpSpPr>
-      <p:sp>
-        <p:nvSpPr>
-          <p:cNvPr id="237" name="Google Shape;237;p19"/>
-          <p:cNvSpPr txBox="1"/>
-          <p:nvPr/>
-        </p:nvSpPr>
-        <p:spPr>
-          <a:xfrm>
-            <a:off x="2171639" y="935730"/>
-            <a:ext cx="13944600" cy="985200"/>
-          </a:xfrm>
-          <a:prstGeom prst="rect">
-            <a:avLst/>
-          </a:prstGeom>
-          <a:noFill/>
-          <a:ln>
-            <a:noFill/>
-          </a:ln>
-        </p:spPr>
-        <p:txBody>
-          <a:bodyPr spcFirstLastPara="1" wrap="square" lIns="0" tIns="0" rIns="0" bIns="0" anchor="t" anchorCtr="0">
-            <a:spAutoFit/>
-          </a:bodyPr>
-          <a:lstStyle/>
-          <a:p>
-            <a:pPr marL="0" marR="0" lvl="0" indent="0" algn="ctr" rtl="0">
-              <a:lnSpc>
-                <a:spcPct val="80000"/>
-              </a:lnSpc>
-              <a:spcBef>
-                <a:spcPts val="0"/>
-              </a:spcBef>
-              <a:spcAft>
-                <a:spcPts val="0"/>
-              </a:spcAft>
-              <a:buNone/>
-            </a:pPr>
-            <a:r>
-              <a:rPr lang="en-US" sz="8000" b="1" i="0" u="none" strike="noStrike" cap="none" dirty="0">
-                <a:solidFill>
-                  <a:srgbClr val="05041D"/>
-                </a:solidFill>
-                <a:latin typeface="Inter"/>
-                <a:ea typeface="Inter"/>
-                <a:cs typeface="Inter"/>
-                <a:sym typeface="Inter"/>
-              </a:rPr>
-              <a:t>SYSTEM ARCHITECTURE</a:t>
-            </a:r>
-            <a:endParaRPr dirty="0"/>
-          </a:p>
-        </p:txBody>
-      </p:sp>
-    </p:spTree>
-  </p:cSld>
-  <p:clrMapOvr>
-    <a:masterClrMapping/>
-  </p:clrMapOvr>
-  <p:transition>
-    <p:push/>
-  </p:transition>
-</p:sld>
-</file>
-
-<file path=ppt/slides/slide9.xml><?xml version="1.0" encoding="utf-8"?>
-<p:sld xmlns:a="http://schemas.openxmlformats.org/drawingml/2006/main" xmlns:r="http://schemas.openxmlformats.org/officeDocument/2006/relationships" xmlns:p="http://schemas.openxmlformats.org/presentationml/2006/main">
-  <p:cSld>
-    <p:bg>
-      <p:bgPr>
-        <a:solidFill>
-          <a:srgbClr val="FAF0CA"/>
-        </a:solidFill>
-        <a:effectLst/>
-      </p:bgPr>
-    </p:bg>
-    <p:spTree>
-      <p:nvGrpSpPr>
-        <p:cNvPr id="1" name="Shape 253"/>
-        <p:cNvGrpSpPr/>
-        <p:nvPr/>
-      </p:nvGrpSpPr>
-      <p:grpSpPr>
-        <a:xfrm>
-          <a:off x="0" y="0"/>
-          <a:ext cx="0" cy="0"/>
-          <a:chOff x="0" y="0"/>
-          <a:chExt cx="0" cy="0"/>
-        </a:xfrm>
-      </p:grpSpPr>
-      <p:sp>
-        <p:nvSpPr>
-          <p:cNvPr id="254" name="Google Shape;254;p20"/>
-          <p:cNvSpPr txBox="1"/>
-          <p:nvPr/>
-        </p:nvSpPr>
-        <p:spPr>
-          <a:xfrm>
-            <a:off x="1028699" y="1162050"/>
-            <a:ext cx="16479811" cy="984885"/>
-          </a:xfrm>
-          <a:prstGeom prst="rect">
-            <a:avLst/>
-          </a:prstGeom>
-          <a:noFill/>
-          <a:ln>
-            <a:noFill/>
-          </a:ln>
-        </p:spPr>
-        <p:txBody>
-          <a:bodyPr spcFirstLastPara="1" wrap="square" lIns="0" tIns="0" rIns="0" bIns="0" anchor="t" anchorCtr="0">
-            <a:spAutoFit/>
-          </a:bodyPr>
-          <a:lstStyle/>
-          <a:p>
-            <a:pPr marL="0" marR="0" lvl="0" indent="0" algn="l" rtl="0">
-              <a:lnSpc>
-                <a:spcPct val="80000"/>
-              </a:lnSpc>
-              <a:spcBef>
-                <a:spcPts val="0"/>
-              </a:spcBef>
-              <a:spcAft>
-                <a:spcPts val="0"/>
-              </a:spcAft>
-              <a:buNone/>
-            </a:pPr>
-            <a:r>
-              <a:rPr lang="en-US" sz="8000" b="1" i="0" u="none" strike="noStrike" cap="none" dirty="0">
-                <a:solidFill>
-                  <a:srgbClr val="05041D"/>
-                </a:solidFill>
-                <a:latin typeface="Inter"/>
-                <a:ea typeface="Inter"/>
-                <a:cs typeface="Inter"/>
-                <a:sym typeface="Inter"/>
-              </a:rPr>
-              <a:t>DATA SOURCES &amp; INTEGRATION</a:t>
-            </a:r>
-            <a:endParaRPr dirty="0"/>
           </a:p>
         </p:txBody>
       </p:sp>
@@ -12946,4 +11904,30 @@
   <a:objectDefaults/>
   <a:extraClrSchemeLst/>
 </a:theme>
+</file>
+
+<file path=ppt/webextensions/taskpanes.xml><?xml version="1.0" encoding="utf-8"?>
+<wetp:taskpanes xmlns:wetp="http://schemas.microsoft.com/office/webextensions/taskpanes/2010/11">
+  <wetp:taskpane dockstate="right" visibility="0" width="350" row="0">
+    <wetp:webextensionref xmlns:r="http://schemas.openxmlformats.org/officeDocument/2006/relationships" r:id="rId1"/>
+  </wetp:taskpane>
+</wetp:taskpanes>
+</file>
+
+<file path=ppt/webextensions/webextension1.xml><?xml version="1.0" encoding="utf-8"?>
+<we:webextension xmlns:we="http://schemas.microsoft.com/office/webextensions/webextension/2010/11" id="{18620D8F-7B36-5749-BD7C-2E12DE2A5648}">
+  <we:reference id="wa200005566" version="3.0.0.2" store="en-US" storeType="OMEX"/>
+  <we:alternateReferences>
+    <we:reference id="wa200005566" version="3.0.0.2" store="wa200005566" storeType="OMEX"/>
+  </we:alternateReferences>
+  <we:properties/>
+  <we:bindings/>
+  <we:snapshot xmlns:r="http://schemas.openxmlformats.org/officeDocument/2006/relationships"/>
+</we:webextension>
+</file>
+
+<file path=docMetadata/LabelInfo.xml><?xml version="1.0" encoding="utf-8"?>
+<clbl:labelList xmlns:clbl="http://schemas.microsoft.com/office/2020/mipLabelMetadata">
+  <clbl:label id="{a8eec281-aaa3-4dae-ac9b-9a398b9215e7}" enabled="0" method="" siteId="{a8eec281-aaa3-4dae-ac9b-9a398b9215e7}" removed="1"/>
+</clbl:labelList>
 </file>